--- a/machine_learning_lecture_1/slides_ml_01.pptx
+++ b/machine_learning_lecture_1/slides_ml_01.pptx
@@ -5,7 +5,7 @@
     <p:sldMasterId id="2147483648" r:id="rId1"/>
   </p:sldMasterIdLst>
   <p:notesMasterIdLst>
-    <p:notesMasterId r:id="rId32"/>
+    <p:notesMasterId r:id="rId33"/>
   </p:notesMasterIdLst>
   <p:sldIdLst>
     <p:sldId id="256" r:id="rId2"/>
@@ -22,22 +22,23 @@
     <p:sldId id="271" r:id="rId13"/>
     <p:sldId id="272" r:id="rId14"/>
     <p:sldId id="273" r:id="rId15"/>
-    <p:sldId id="274" r:id="rId16"/>
-    <p:sldId id="275" r:id="rId17"/>
-    <p:sldId id="276" r:id="rId18"/>
-    <p:sldId id="282" r:id="rId19"/>
-    <p:sldId id="283" r:id="rId20"/>
-    <p:sldId id="284" r:id="rId21"/>
-    <p:sldId id="277" r:id="rId22"/>
-    <p:sldId id="279" r:id="rId23"/>
-    <p:sldId id="281" r:id="rId24"/>
-    <p:sldId id="285" r:id="rId25"/>
-    <p:sldId id="292" r:id="rId26"/>
-    <p:sldId id="286" r:id="rId27"/>
-    <p:sldId id="288" r:id="rId28"/>
-    <p:sldId id="289" r:id="rId29"/>
-    <p:sldId id="290" r:id="rId30"/>
-    <p:sldId id="291" r:id="rId31"/>
+    <p:sldId id="293" r:id="rId16"/>
+    <p:sldId id="274" r:id="rId17"/>
+    <p:sldId id="275" r:id="rId18"/>
+    <p:sldId id="276" r:id="rId19"/>
+    <p:sldId id="282" r:id="rId20"/>
+    <p:sldId id="283" r:id="rId21"/>
+    <p:sldId id="284" r:id="rId22"/>
+    <p:sldId id="277" r:id="rId23"/>
+    <p:sldId id="279" r:id="rId24"/>
+    <p:sldId id="281" r:id="rId25"/>
+    <p:sldId id="285" r:id="rId26"/>
+    <p:sldId id="292" r:id="rId27"/>
+    <p:sldId id="286" r:id="rId28"/>
+    <p:sldId id="288" r:id="rId29"/>
+    <p:sldId id="289" r:id="rId30"/>
+    <p:sldId id="290" r:id="rId31"/>
+    <p:sldId id="291" r:id="rId32"/>
   </p:sldIdLst>
   <p:sldSz cx="9144000" cy="6858000" type="screen4x3"/>
   <p:notesSz cx="6858000" cy="9144000"/>
@@ -627,11 +628,11 @@
           <a:p>
             <a:r>
               <a:rPr lang="en-US" dirty="0" smtClean="0"/>
-              <a:t>You</a:t>
+              <a:t>Explain</a:t>
             </a:r>
             <a:r>
               <a:rPr lang="en-US" baseline="0" dirty="0" smtClean="0"/>
-              <a:t> can say that this is trying to fit the training data as well as possible (in the least squares sense) but our prior knowledge will restrict us to only considering linear models (this is to some extent the idea of Occam’s razor being formalized)</a:t>
+              <a:t> what this is and</a:t>
             </a:r>
             <a:endParaRPr lang="en-US" dirty="0"/>
           </a:p>
@@ -663,7 +664,7 @@
     </p:spTree>
     <p:extLst>
       <p:ext uri="{BB962C8B-B14F-4D97-AF65-F5344CB8AC3E}">
-        <p14:creationId xmlns:p14="http://schemas.microsoft.com/office/powerpoint/2010/main" val="1611893495"/>
+        <p14:creationId xmlns:p14="http://schemas.microsoft.com/office/powerpoint/2010/main" val="1792298710"/>
       </p:ext>
     </p:extLst>
   </p:cSld>
@@ -719,19 +720,11 @@
           <a:p>
             <a:r>
               <a:rPr lang="en-US" dirty="0" smtClean="0"/>
-              <a:t>Key point is that while</a:t>
+              <a:t>You</a:t>
             </a:r>
             <a:r>
               <a:rPr lang="en-US" baseline="0" dirty="0" smtClean="0"/>
-              <a:t> ordinary least squares is something shared by classical statistics and ML, there are many new algorithms that have sprung up from within the ML community.  Tell them they will have a chance to play around with </a:t>
-            </a:r>
-            <a:r>
-              <a:rPr lang="en-US" baseline="0" dirty="0" err="1" smtClean="0"/>
-              <a:t>scikit</a:t>
-            </a:r>
-            <a:r>
-              <a:rPr lang="en-US" baseline="0" dirty="0" smtClean="0"/>
-              <a:t>-learn next class.</a:t>
+              <a:t> can say that this is trying to fit the training data as well as possible (in the least squares sense) but our prior knowledge will restrict us to only considering linear models (this is to some extent the idea of Occam’s razor being formalized)</a:t>
             </a:r>
             <a:endParaRPr lang="en-US" dirty="0"/>
           </a:p>
@@ -763,7 +756,7 @@
     </p:spTree>
     <p:extLst>
       <p:ext uri="{BB962C8B-B14F-4D97-AF65-F5344CB8AC3E}">
-        <p14:creationId xmlns:p14="http://schemas.microsoft.com/office/powerpoint/2010/main" val="2763661353"/>
+        <p14:creationId xmlns:p14="http://schemas.microsoft.com/office/powerpoint/2010/main" val="1611893495"/>
       </p:ext>
     </p:extLst>
   </p:cSld>
@@ -819,11 +812,19 @@
           <a:p>
             <a:r>
               <a:rPr lang="en-US" dirty="0" smtClean="0"/>
-              <a:t>Say</a:t>
+              <a:t>Key point is that while</a:t>
             </a:r>
             <a:r>
               <a:rPr lang="en-US" baseline="0" dirty="0" smtClean="0"/>
-              <a:t> that we fit the particular weights of the linear combination using a fairly similar procedure as linear regression (the function we optimize is a bit different but the idea is pretty similar)</a:t>
+              <a:t> ordinary least squares is something shared by classical statistics and ML, there are many new algorithms that have sprung up from within the ML community.  Tell them they will have a chance to play around with </a:t>
+            </a:r>
+            <a:r>
+              <a:rPr lang="en-US" baseline="0" dirty="0" err="1" smtClean="0"/>
+              <a:t>scikit</a:t>
+            </a:r>
+            <a:r>
+              <a:rPr lang="en-US" baseline="0" dirty="0" smtClean="0"/>
+              <a:t>-learn next class.</a:t>
             </a:r>
             <a:endParaRPr lang="en-US" dirty="0"/>
           </a:p>
@@ -855,7 +856,7 @@
     </p:spTree>
     <p:extLst>
       <p:ext uri="{BB962C8B-B14F-4D97-AF65-F5344CB8AC3E}">
-        <p14:creationId xmlns:p14="http://schemas.microsoft.com/office/powerpoint/2010/main" val="1538612940"/>
+        <p14:creationId xmlns:p14="http://schemas.microsoft.com/office/powerpoint/2010/main" val="2763661353"/>
       </p:ext>
     </p:extLst>
   </p:cSld>
@@ -909,6 +910,14 @@
           <a:bodyPr/>
           <a:lstStyle/>
           <a:p>
+            <a:r>
+              <a:rPr lang="en-US" dirty="0" smtClean="0"/>
+              <a:t>Say</a:t>
+            </a:r>
+            <a:r>
+              <a:rPr lang="en-US" baseline="0" dirty="0" smtClean="0"/>
+              <a:t> that we fit the particular weights of the linear combination using a fairly similar procedure as linear regression (the function we optimize is a bit different but the idea is pretty similar)</a:t>
+            </a:r>
             <a:endParaRPr lang="en-US" dirty="0"/>
           </a:p>
         </p:txBody>
@@ -939,7 +948,7 @@
     </p:spTree>
     <p:extLst>
       <p:ext uri="{BB962C8B-B14F-4D97-AF65-F5344CB8AC3E}">
-        <p14:creationId xmlns:p14="http://schemas.microsoft.com/office/powerpoint/2010/main" val="1261468887"/>
+        <p14:creationId xmlns:p14="http://schemas.microsoft.com/office/powerpoint/2010/main" val="1538612940"/>
       </p:ext>
     </p:extLst>
   </p:cSld>
@@ -993,28 +1002,6 @@
           <a:bodyPr/>
           <a:lstStyle/>
           <a:p>
-            <a:r>
-              <a:rPr lang="en-US" dirty="0" smtClean="0"/>
-              <a:t>Answer to 1</a:t>
-            </a:r>
-            <a:r>
-              <a:rPr lang="en-US" baseline="30000" dirty="0" smtClean="0"/>
-              <a:t>st</a:t>
-            </a:r>
-            <a:r>
-              <a:rPr lang="en-US" dirty="0" smtClean="0"/>
-              <a:t> question is that if the data is organized in </a:t>
-            </a:r>
-            <a:r>
-              <a:rPr lang="en-US" baseline="0" dirty="0" smtClean="0"/>
-              <a:t>a particular fashion the two sets may not be drawn from same distribution.</a:t>
-            </a:r>
-          </a:p>
-          <a:p>
-            <a:r>
-              <a:rPr lang="en-US" baseline="0" dirty="0" smtClean="0"/>
-              <a:t>Also say that the second point can be ameliorated using techniques such as k-fold cross validation which we will see next time.</a:t>
-            </a:r>
             <a:endParaRPr lang="en-US" dirty="0"/>
           </a:p>
         </p:txBody>
@@ -1036,7 +1023,7 @@
           <a:p>
             <a:fld id="{72CC8525-046B-724F-92F9-877C0A5338DD}" type="slidenum">
               <a:rPr lang="en-US" smtClean="0"/>
-              <a:t>22</a:t>
+              <a:t>20</a:t>
             </a:fld>
             <a:endParaRPr lang="en-US"/>
           </a:p>
@@ -1045,7 +1032,7 @@
     </p:spTree>
     <p:extLst>
       <p:ext uri="{BB962C8B-B14F-4D97-AF65-F5344CB8AC3E}">
-        <p14:creationId xmlns:p14="http://schemas.microsoft.com/office/powerpoint/2010/main" val="3498548333"/>
+        <p14:creationId xmlns:p14="http://schemas.microsoft.com/office/powerpoint/2010/main" val="1261468887"/>
       </p:ext>
     </p:extLst>
   </p:cSld>
@@ -1101,11 +1088,25 @@
           <a:p>
             <a:r>
               <a:rPr lang="en-US" dirty="0" smtClean="0"/>
-              <a:t>Note: some noise in the graph.</a:t>
+              <a:t>Answer to 1</a:t>
+            </a:r>
+            <a:r>
+              <a:rPr lang="en-US" baseline="30000" dirty="0" smtClean="0"/>
+              <a:t>st</a:t>
+            </a:r>
+            <a:r>
+              <a:rPr lang="en-US" dirty="0" smtClean="0"/>
+              <a:t> question is that if the data is organized in </a:t>
             </a:r>
             <a:r>
               <a:rPr lang="en-US" baseline="0" dirty="0" smtClean="0"/>
-              <a:t>  They will play around with this first hand in the lab.</a:t>
+              <a:t>a particular fashion the two sets may not be drawn from same distribution.</a:t>
+            </a:r>
+          </a:p>
+          <a:p>
+            <a:r>
+              <a:rPr lang="en-US" baseline="0" dirty="0" smtClean="0"/>
+              <a:t>Also say that the second point can be ameliorated using techniques such as k-fold cross validation which we will see next time.</a:t>
             </a:r>
             <a:endParaRPr lang="en-US" dirty="0"/>
           </a:p>
@@ -1129,6 +1130,98 @@
             <a:fld id="{72CC8525-046B-724F-92F9-877C0A5338DD}" type="slidenum">
               <a:rPr lang="en-US" smtClean="0"/>
               <a:t>23</a:t>
+            </a:fld>
+            <a:endParaRPr lang="en-US"/>
+          </a:p>
+        </p:txBody>
+      </p:sp>
+    </p:spTree>
+    <p:extLst>
+      <p:ext uri="{BB962C8B-B14F-4D97-AF65-F5344CB8AC3E}">
+        <p14:creationId xmlns:p14="http://schemas.microsoft.com/office/powerpoint/2010/main" val="3498548333"/>
+      </p:ext>
+    </p:extLst>
+  </p:cSld>
+  <p:clrMapOvr>
+    <a:masterClrMapping/>
+  </p:clrMapOvr>
+</p:notes>
+</file>
+
+<file path=ppt/notesSlides/notesSlide16.xml><?xml version="1.0" encoding="utf-8"?>
+<p:notes xmlns:a="http://schemas.openxmlformats.org/drawingml/2006/main" xmlns:r="http://schemas.openxmlformats.org/officeDocument/2006/relationships" xmlns:p="http://schemas.openxmlformats.org/presentationml/2006/main">
+  <p:cSld>
+    <p:spTree>
+      <p:nvGrpSpPr>
+        <p:cNvPr id="1" name=""/>
+        <p:cNvGrpSpPr/>
+        <p:nvPr/>
+      </p:nvGrpSpPr>
+      <p:grpSpPr>
+        <a:xfrm>
+          <a:off x="0" y="0"/>
+          <a:ext cx="0" cy="0"/>
+          <a:chOff x="0" y="0"/>
+          <a:chExt cx="0" cy="0"/>
+        </a:xfrm>
+      </p:grpSpPr>
+      <p:sp>
+        <p:nvSpPr>
+          <p:cNvPr id="2" name="Slide Image Placeholder 1"/>
+          <p:cNvSpPr>
+            <a:spLocks noGrp="1" noRot="1" noChangeAspect="1"/>
+          </p:cNvSpPr>
+          <p:nvPr>
+            <p:ph type="sldImg"/>
+          </p:nvPr>
+        </p:nvSpPr>
+        <p:spPr/>
+      </p:sp>
+      <p:sp>
+        <p:nvSpPr>
+          <p:cNvPr id="3" name="Notes Placeholder 2"/>
+          <p:cNvSpPr>
+            <a:spLocks noGrp="1"/>
+          </p:cNvSpPr>
+          <p:nvPr>
+            <p:ph type="body" idx="1"/>
+          </p:nvPr>
+        </p:nvSpPr>
+        <p:spPr/>
+        <p:txBody>
+          <a:bodyPr/>
+          <a:lstStyle/>
+          <a:p>
+            <a:r>
+              <a:rPr lang="en-US" dirty="0" smtClean="0"/>
+              <a:t>Note: some noise in the graph.</a:t>
+            </a:r>
+            <a:r>
+              <a:rPr lang="en-US" baseline="0" dirty="0" smtClean="0"/>
+              <a:t>  They will play around with this first hand in the lab.</a:t>
+            </a:r>
+            <a:endParaRPr lang="en-US" dirty="0"/>
+          </a:p>
+        </p:txBody>
+      </p:sp>
+      <p:sp>
+        <p:nvSpPr>
+          <p:cNvPr id="4" name="Slide Number Placeholder 3"/>
+          <p:cNvSpPr>
+            <a:spLocks noGrp="1"/>
+          </p:cNvSpPr>
+          <p:nvPr>
+            <p:ph type="sldNum" sz="quarter" idx="10"/>
+          </p:nvPr>
+        </p:nvSpPr>
+        <p:spPr/>
+        <p:txBody>
+          <a:bodyPr/>
+          <a:lstStyle/>
+          <a:p>
+            <a:fld id="{72CC8525-046B-724F-92F9-877C0A5338DD}" type="slidenum">
+              <a:rPr lang="en-US" smtClean="0"/>
+              <a:t>24</a:t>
             </a:fld>
             <a:endParaRPr lang="en-US"/>
           </a:p>
@@ -1894,11 +1987,15 @@
           <a:p>
             <a:r>
               <a:rPr lang="en-US" dirty="0" smtClean="0"/>
-              <a:t>Explain</a:t>
+              <a:t>This</a:t>
             </a:r>
             <a:r>
               <a:rPr lang="en-US" baseline="0" dirty="0" smtClean="0"/>
-              <a:t> what this is and</a:t>
+              <a:t> is typically what </a:t>
+            </a:r>
+            <a:r>
+              <a:rPr lang="en-US" baseline="0" smtClean="0"/>
+              <a:t>will happen</a:t>
             </a:r>
             <a:endParaRPr lang="en-US" dirty="0"/>
           </a:p>
@@ -1930,7 +2027,7 @@
     </p:spTree>
     <p:extLst>
       <p:ext uri="{BB962C8B-B14F-4D97-AF65-F5344CB8AC3E}">
-        <p14:creationId xmlns:p14="http://schemas.microsoft.com/office/powerpoint/2010/main" val="1792298710"/>
+        <p14:creationId xmlns:p14="http://schemas.microsoft.com/office/powerpoint/2010/main" val="247764259"/>
       </p:ext>
     </p:extLst>
   </p:cSld>
@@ -6072,6 +6169,87 @@
           <a:chExt cx="0" cy="0"/>
         </a:xfrm>
       </p:grpSpPr>
+      <p:sp>
+        <p:nvSpPr>
+          <p:cNvPr id="2" name="Title 1"/>
+          <p:cNvSpPr>
+            <a:spLocks noGrp="1"/>
+          </p:cNvSpPr>
+          <p:nvPr>
+            <p:ph type="title"/>
+          </p:nvPr>
+        </p:nvSpPr>
+        <p:spPr/>
+        <p:txBody>
+          <a:bodyPr/>
+          <a:lstStyle/>
+          <a:p>
+            <a:r>
+              <a:rPr lang="en-US" dirty="0" smtClean="0"/>
+              <a:t>The Problem of </a:t>
+            </a:r>
+            <a:r>
+              <a:rPr lang="en-US" dirty="0" err="1" smtClean="0"/>
+              <a:t>Overfitting</a:t>
+            </a:r>
+            <a:endParaRPr lang="en-US" dirty="0"/>
+          </a:p>
+        </p:txBody>
+      </p:sp>
+      <p:pic>
+        <p:nvPicPr>
+          <p:cNvPr id="4" name="Picture 3"/>
+          <p:cNvPicPr>
+            <a:picLocks noChangeAspect="1"/>
+          </p:cNvPicPr>
+          <p:nvPr/>
+        </p:nvPicPr>
+        <p:blipFill>
+          <a:blip r:embed="rId3"/>
+          <a:stretch>
+            <a:fillRect/>
+          </a:stretch>
+        </p:blipFill>
+        <p:spPr>
+          <a:xfrm>
+            <a:off x="1016000" y="1417638"/>
+            <a:ext cx="7112000" cy="5334000"/>
+          </a:xfrm>
+          <a:prstGeom prst="rect">
+            <a:avLst/>
+          </a:prstGeom>
+        </p:spPr>
+      </p:pic>
+    </p:spTree>
+    <p:extLst>
+      <p:ext uri="{BB962C8B-B14F-4D97-AF65-F5344CB8AC3E}">
+        <p14:creationId xmlns:p14="http://schemas.microsoft.com/office/powerpoint/2010/main" val="2150086857"/>
+      </p:ext>
+    </p:extLst>
+  </p:cSld>
+  <p:clrMapOvr>
+    <a:masterClrMapping/>
+  </p:clrMapOvr>
+</p:sld>
+</file>
+
+<file path=ppt/slides/slide16.xml><?xml version="1.0" encoding="utf-8"?>
+<p:sld xmlns:a="http://schemas.openxmlformats.org/drawingml/2006/main" xmlns:r="http://schemas.openxmlformats.org/officeDocument/2006/relationships" xmlns:p="http://schemas.openxmlformats.org/presentationml/2006/main">
+  <p:cSld>
+    <p:spTree>
+      <p:nvGrpSpPr>
+        <p:cNvPr id="1" name=""/>
+        <p:cNvGrpSpPr/>
+        <p:nvPr/>
+      </p:nvGrpSpPr>
+      <p:grpSpPr>
+        <a:xfrm>
+          <a:off x="0" y="0"/>
+          <a:ext cx="0" cy="0"/>
+          <a:chOff x="0" y="0"/>
+          <a:chExt cx="0" cy="0"/>
+        </a:xfrm>
+      </p:grpSpPr>
       <p:pic>
         <p:nvPicPr>
           <p:cNvPr id="4" name="Picture 3"/>
@@ -6139,7 +6317,7 @@
 </p:sld>
 </file>
 
-<file path=ppt/slides/slide16.xml><?xml version="1.0" encoding="utf-8"?>
+<file path=ppt/slides/slide17.xml><?xml version="1.0" encoding="utf-8"?>
 <p:sld xmlns:a="http://schemas.openxmlformats.org/drawingml/2006/main" xmlns:r="http://schemas.openxmlformats.org/officeDocument/2006/relationships" xmlns:p="http://schemas.openxmlformats.org/presentationml/2006/main">
   <p:cSld>
     <p:spTree>
@@ -6328,7 +6506,7 @@
 </p:sld>
 </file>
 
-<file path=ppt/slides/slide17.xml><?xml version="1.0" encoding="utf-8"?>
+<file path=ppt/slides/slide18.xml><?xml version="1.0" encoding="utf-8"?>
 <p:sld xmlns:a="http://schemas.openxmlformats.org/drawingml/2006/main" xmlns:r="http://schemas.openxmlformats.org/officeDocument/2006/relationships" xmlns:p="http://schemas.openxmlformats.org/presentationml/2006/main">
   <p:cSld>
     <p:spTree>
@@ -6415,7 +6593,7 @@
 </p:sld>
 </file>
 
-<file path=ppt/slides/slide18.xml><?xml version="1.0" encoding="utf-8"?>
+<file path=ppt/slides/slide19.xml><?xml version="1.0" encoding="utf-8"?>
 <p:sld xmlns:a="http://schemas.openxmlformats.org/drawingml/2006/main" xmlns:r="http://schemas.openxmlformats.org/officeDocument/2006/relationships" xmlns:p="http://schemas.openxmlformats.org/presentationml/2006/main">
   <p:cSld>
     <p:spTree>
@@ -6573,591 +6751,6 @@
     <p:extLst>
       <p:ext uri="{BB962C8B-B14F-4D97-AF65-F5344CB8AC3E}">
         <p14:creationId xmlns:p14="http://schemas.microsoft.com/office/powerpoint/2010/main" val="1328592125"/>
-      </p:ext>
-    </p:extLst>
-  </p:cSld>
-  <p:clrMapOvr>
-    <a:masterClrMapping/>
-  </p:clrMapOvr>
-</p:sld>
-</file>
-
-<file path=ppt/slides/slide19.xml><?xml version="1.0" encoding="utf-8"?>
-<p:sld xmlns:a="http://schemas.openxmlformats.org/drawingml/2006/main" xmlns:r="http://schemas.openxmlformats.org/officeDocument/2006/relationships" xmlns:p="http://schemas.openxmlformats.org/presentationml/2006/main">
-  <p:cSld>
-    <p:spTree>
-      <p:nvGrpSpPr>
-        <p:cNvPr id="1" name=""/>
-        <p:cNvGrpSpPr/>
-        <p:nvPr/>
-      </p:nvGrpSpPr>
-      <p:grpSpPr>
-        <a:xfrm>
-          <a:off x="0" y="0"/>
-          <a:ext cx="0" cy="0"/>
-          <a:chOff x="0" y="0"/>
-          <a:chExt cx="0" cy="0"/>
-        </a:xfrm>
-      </p:grpSpPr>
-      <p:sp>
-        <p:nvSpPr>
-          <p:cNvPr id="2" name="Title 1"/>
-          <p:cNvSpPr>
-            <a:spLocks noGrp="1"/>
-          </p:cNvSpPr>
-          <p:nvPr>
-            <p:ph type="title"/>
-          </p:nvPr>
-        </p:nvSpPr>
-        <p:spPr/>
-        <p:txBody>
-          <a:bodyPr/>
-          <a:lstStyle/>
-          <a:p>
-            <a:r>
-              <a:rPr lang="en-US" dirty="0" smtClean="0"/>
-              <a:t>What if your Data is Non-Linear?</a:t>
-            </a:r>
-            <a:endParaRPr lang="en-US" dirty="0"/>
-          </a:p>
-        </p:txBody>
-      </p:sp>
-      <p:sp>
-        <p:nvSpPr>
-          <p:cNvPr id="4" name="TextBox 3"/>
-          <p:cNvSpPr txBox="1"/>
-          <p:nvPr/>
-        </p:nvSpPr>
-        <p:spPr>
-          <a:xfrm>
-            <a:off x="2344437" y="1872365"/>
-            <a:ext cx="1102443" cy="646331"/>
-          </a:xfrm>
-          <a:prstGeom prst="rect">
-            <a:avLst/>
-          </a:prstGeom>
-          <a:noFill/>
-        </p:spPr>
-        <p:txBody>
-          <a:bodyPr wrap="square" rtlCol="0">
-            <a:spAutoFit/>
-          </a:bodyPr>
-          <a:lstStyle/>
-          <a:p>
-            <a:r>
-              <a:rPr lang="en-US" sz="3600" dirty="0" smtClean="0">
-                <a:solidFill>
-                  <a:srgbClr val="0000FF"/>
-                </a:solidFill>
-              </a:rPr>
-              <a:t>+</a:t>
-            </a:r>
-            <a:endParaRPr lang="en-US" sz="3600" dirty="0">
-              <a:solidFill>
-                <a:srgbClr val="0000FF"/>
-              </a:solidFill>
-            </a:endParaRPr>
-          </a:p>
-        </p:txBody>
-      </p:sp>
-      <p:sp>
-        <p:nvSpPr>
-          <p:cNvPr id="5" name="TextBox 4"/>
-          <p:cNvSpPr txBox="1"/>
-          <p:nvPr/>
-        </p:nvSpPr>
-        <p:spPr>
-          <a:xfrm>
-            <a:off x="1945615" y="2671096"/>
-            <a:ext cx="1102443" cy="646331"/>
-          </a:xfrm>
-          <a:prstGeom prst="rect">
-            <a:avLst/>
-          </a:prstGeom>
-          <a:noFill/>
-        </p:spPr>
-        <p:txBody>
-          <a:bodyPr wrap="square" rtlCol="0">
-            <a:spAutoFit/>
-          </a:bodyPr>
-          <a:lstStyle/>
-          <a:p>
-            <a:r>
-              <a:rPr lang="en-US" sz="3600" dirty="0" smtClean="0">
-                <a:solidFill>
-                  <a:srgbClr val="0000FF"/>
-                </a:solidFill>
-              </a:rPr>
-              <a:t>+</a:t>
-            </a:r>
-            <a:endParaRPr lang="en-US" sz="3600" dirty="0">
-              <a:solidFill>
-                <a:srgbClr val="0000FF"/>
-              </a:solidFill>
-            </a:endParaRPr>
-          </a:p>
-        </p:txBody>
-      </p:sp>
-      <p:sp>
-        <p:nvSpPr>
-          <p:cNvPr id="6" name="TextBox 5"/>
-          <p:cNvSpPr txBox="1"/>
-          <p:nvPr/>
-        </p:nvSpPr>
-        <p:spPr>
-          <a:xfrm>
-            <a:off x="2344437" y="3786512"/>
-            <a:ext cx="1102443" cy="646331"/>
-          </a:xfrm>
-          <a:prstGeom prst="rect">
-            <a:avLst/>
-          </a:prstGeom>
-          <a:noFill/>
-        </p:spPr>
-        <p:txBody>
-          <a:bodyPr wrap="square" rtlCol="0">
-            <a:spAutoFit/>
-          </a:bodyPr>
-          <a:lstStyle/>
-          <a:p>
-            <a:r>
-              <a:rPr lang="en-US" sz="3600" dirty="0" smtClean="0">
-                <a:solidFill>
-                  <a:srgbClr val="0000FF"/>
-                </a:solidFill>
-              </a:rPr>
-              <a:t>+</a:t>
-            </a:r>
-            <a:endParaRPr lang="en-US" sz="3600" dirty="0">
-              <a:solidFill>
-                <a:srgbClr val="0000FF"/>
-              </a:solidFill>
-            </a:endParaRPr>
-          </a:p>
-        </p:txBody>
-      </p:sp>
-      <p:sp>
-        <p:nvSpPr>
-          <p:cNvPr id="7" name="TextBox 6"/>
-          <p:cNvSpPr txBox="1"/>
-          <p:nvPr/>
-        </p:nvSpPr>
-        <p:spPr>
-          <a:xfrm>
-            <a:off x="3048058" y="4630221"/>
-            <a:ext cx="1102443" cy="646331"/>
-          </a:xfrm>
-          <a:prstGeom prst="rect">
-            <a:avLst/>
-          </a:prstGeom>
-          <a:noFill/>
-        </p:spPr>
-        <p:txBody>
-          <a:bodyPr wrap="square" rtlCol="0">
-            <a:spAutoFit/>
-          </a:bodyPr>
-          <a:lstStyle/>
-          <a:p>
-            <a:r>
-              <a:rPr lang="en-US" sz="3600" dirty="0" smtClean="0">
-                <a:solidFill>
-                  <a:srgbClr val="0000FF"/>
-                </a:solidFill>
-              </a:rPr>
-              <a:t>+</a:t>
-            </a:r>
-            <a:endParaRPr lang="en-US" sz="3600" dirty="0">
-              <a:solidFill>
-                <a:srgbClr val="0000FF"/>
-              </a:solidFill>
-            </a:endParaRPr>
-          </a:p>
-        </p:txBody>
-      </p:sp>
-      <p:sp>
-        <p:nvSpPr>
-          <p:cNvPr id="8" name="TextBox 7"/>
-          <p:cNvSpPr txBox="1"/>
-          <p:nvPr/>
-        </p:nvSpPr>
-        <p:spPr>
-          <a:xfrm>
-            <a:off x="4428496" y="4667546"/>
-            <a:ext cx="1102443" cy="646331"/>
-          </a:xfrm>
-          <a:prstGeom prst="rect">
-            <a:avLst/>
-          </a:prstGeom>
-          <a:noFill/>
-        </p:spPr>
-        <p:txBody>
-          <a:bodyPr wrap="square" rtlCol="0">
-            <a:spAutoFit/>
-          </a:bodyPr>
-          <a:lstStyle/>
-          <a:p>
-            <a:r>
-              <a:rPr lang="en-US" sz="3600" dirty="0" smtClean="0">
-                <a:solidFill>
-                  <a:srgbClr val="0000FF"/>
-                </a:solidFill>
-              </a:rPr>
-              <a:t>+</a:t>
-            </a:r>
-            <a:endParaRPr lang="en-US" sz="3600" dirty="0">
-              <a:solidFill>
-                <a:srgbClr val="0000FF"/>
-              </a:solidFill>
-            </a:endParaRPr>
-          </a:p>
-        </p:txBody>
-      </p:sp>
-      <p:sp>
-        <p:nvSpPr>
-          <p:cNvPr id="9" name="TextBox 8"/>
-          <p:cNvSpPr txBox="1"/>
-          <p:nvPr/>
-        </p:nvSpPr>
-        <p:spPr>
-          <a:xfrm>
-            <a:off x="5530939" y="4109677"/>
-            <a:ext cx="1102443" cy="646331"/>
-          </a:xfrm>
-          <a:prstGeom prst="rect">
-            <a:avLst/>
-          </a:prstGeom>
-          <a:noFill/>
-        </p:spPr>
-        <p:txBody>
-          <a:bodyPr wrap="square" rtlCol="0">
-            <a:spAutoFit/>
-          </a:bodyPr>
-          <a:lstStyle/>
-          <a:p>
-            <a:r>
-              <a:rPr lang="en-US" sz="3600" dirty="0" smtClean="0">
-                <a:solidFill>
-                  <a:srgbClr val="0000FF"/>
-                </a:solidFill>
-              </a:rPr>
-              <a:t>+</a:t>
-            </a:r>
-            <a:endParaRPr lang="en-US" sz="3600" dirty="0">
-              <a:solidFill>
-                <a:srgbClr val="0000FF"/>
-              </a:solidFill>
-            </a:endParaRPr>
-          </a:p>
-        </p:txBody>
-      </p:sp>
-      <p:sp>
-        <p:nvSpPr>
-          <p:cNvPr id="10" name="TextBox 9"/>
-          <p:cNvSpPr txBox="1"/>
-          <p:nvPr/>
-        </p:nvSpPr>
-        <p:spPr>
-          <a:xfrm>
-            <a:off x="6082160" y="3159405"/>
-            <a:ext cx="1102443" cy="646331"/>
-          </a:xfrm>
-          <a:prstGeom prst="rect">
-            <a:avLst/>
-          </a:prstGeom>
-          <a:noFill/>
-        </p:spPr>
-        <p:txBody>
-          <a:bodyPr wrap="square" rtlCol="0">
-            <a:spAutoFit/>
-          </a:bodyPr>
-          <a:lstStyle/>
-          <a:p>
-            <a:r>
-              <a:rPr lang="en-US" sz="3600" dirty="0" smtClean="0">
-                <a:solidFill>
-                  <a:srgbClr val="0000FF"/>
-                </a:solidFill>
-              </a:rPr>
-              <a:t>+</a:t>
-            </a:r>
-            <a:endParaRPr lang="en-US" sz="3600" dirty="0">
-              <a:solidFill>
-                <a:srgbClr val="0000FF"/>
-              </a:solidFill>
-            </a:endParaRPr>
-          </a:p>
-        </p:txBody>
-      </p:sp>
-      <p:sp>
-        <p:nvSpPr>
-          <p:cNvPr id="11" name="TextBox 10"/>
-          <p:cNvSpPr txBox="1"/>
-          <p:nvPr/>
-        </p:nvSpPr>
-        <p:spPr>
-          <a:xfrm>
-            <a:off x="5397262" y="2024765"/>
-            <a:ext cx="1102443" cy="646331"/>
-          </a:xfrm>
-          <a:prstGeom prst="rect">
-            <a:avLst/>
-          </a:prstGeom>
-          <a:noFill/>
-        </p:spPr>
-        <p:txBody>
-          <a:bodyPr wrap="square" rtlCol="0">
-            <a:spAutoFit/>
-          </a:bodyPr>
-          <a:lstStyle/>
-          <a:p>
-            <a:r>
-              <a:rPr lang="en-US" sz="3600" dirty="0" smtClean="0">
-                <a:solidFill>
-                  <a:srgbClr val="0000FF"/>
-                </a:solidFill>
-              </a:rPr>
-              <a:t>+</a:t>
-            </a:r>
-            <a:endParaRPr lang="en-US" sz="3600" dirty="0">
-              <a:solidFill>
-                <a:srgbClr val="0000FF"/>
-              </a:solidFill>
-            </a:endParaRPr>
-          </a:p>
-        </p:txBody>
-      </p:sp>
-      <p:sp>
-        <p:nvSpPr>
-          <p:cNvPr id="12" name="TextBox 11"/>
-          <p:cNvSpPr txBox="1"/>
-          <p:nvPr/>
-        </p:nvSpPr>
-        <p:spPr>
-          <a:xfrm>
-            <a:off x="4150501" y="1378434"/>
-            <a:ext cx="1102443" cy="646331"/>
-          </a:xfrm>
-          <a:prstGeom prst="rect">
-            <a:avLst/>
-          </a:prstGeom>
-          <a:noFill/>
-        </p:spPr>
-        <p:txBody>
-          <a:bodyPr wrap="square" rtlCol="0">
-            <a:spAutoFit/>
-          </a:bodyPr>
-          <a:lstStyle/>
-          <a:p>
-            <a:r>
-              <a:rPr lang="en-US" sz="3600" dirty="0" smtClean="0">
-                <a:solidFill>
-                  <a:srgbClr val="0000FF"/>
-                </a:solidFill>
-              </a:rPr>
-              <a:t>+</a:t>
-            </a:r>
-            <a:endParaRPr lang="en-US" sz="3600" dirty="0">
-              <a:solidFill>
-                <a:srgbClr val="0000FF"/>
-              </a:solidFill>
-            </a:endParaRPr>
-          </a:p>
-        </p:txBody>
-      </p:sp>
-      <p:sp>
-        <p:nvSpPr>
-          <p:cNvPr id="13" name="TextBox 12"/>
-          <p:cNvSpPr txBox="1"/>
-          <p:nvPr/>
-        </p:nvSpPr>
-        <p:spPr>
-          <a:xfrm>
-            <a:off x="3446880" y="2311880"/>
-            <a:ext cx="1307545" cy="646331"/>
-          </a:xfrm>
-          <a:prstGeom prst="rect">
-            <a:avLst/>
-          </a:prstGeom>
-          <a:noFill/>
-        </p:spPr>
-        <p:txBody>
-          <a:bodyPr wrap="square" rtlCol="0">
-            <a:spAutoFit/>
-          </a:bodyPr>
-          <a:lstStyle/>
-          <a:p>
-            <a:r>
-              <a:rPr lang="en-US" sz="3600" dirty="0" smtClean="0">
-                <a:solidFill>
-                  <a:srgbClr val="FF0000"/>
-                </a:solidFill>
-              </a:rPr>
-              <a:t>-</a:t>
-            </a:r>
-            <a:endParaRPr lang="en-US" sz="3600" dirty="0">
-              <a:solidFill>
-                <a:srgbClr val="FF0000"/>
-              </a:solidFill>
-            </a:endParaRPr>
-          </a:p>
-        </p:txBody>
-      </p:sp>
-      <p:sp>
-        <p:nvSpPr>
-          <p:cNvPr id="14" name="TextBox 13"/>
-          <p:cNvSpPr txBox="1"/>
-          <p:nvPr/>
-        </p:nvSpPr>
-        <p:spPr>
-          <a:xfrm>
-            <a:off x="3200458" y="3110611"/>
-            <a:ext cx="1307545" cy="646331"/>
-          </a:xfrm>
-          <a:prstGeom prst="rect">
-            <a:avLst/>
-          </a:prstGeom>
-          <a:noFill/>
-        </p:spPr>
-        <p:txBody>
-          <a:bodyPr wrap="square" rtlCol="0">
-            <a:spAutoFit/>
-          </a:bodyPr>
-          <a:lstStyle/>
-          <a:p>
-            <a:r>
-              <a:rPr lang="en-US" sz="3600" dirty="0" smtClean="0">
-                <a:solidFill>
-                  <a:srgbClr val="FF0000"/>
-                </a:solidFill>
-              </a:rPr>
-              <a:t>-</a:t>
-            </a:r>
-            <a:endParaRPr lang="en-US" sz="3600" dirty="0">
-              <a:solidFill>
-                <a:srgbClr val="FF0000"/>
-              </a:solidFill>
-            </a:endParaRPr>
-          </a:p>
-        </p:txBody>
-      </p:sp>
-      <p:sp>
-        <p:nvSpPr>
-          <p:cNvPr id="15" name="TextBox 14"/>
-          <p:cNvSpPr txBox="1"/>
-          <p:nvPr/>
-        </p:nvSpPr>
-        <p:spPr>
-          <a:xfrm>
-            <a:off x="4508003" y="2994261"/>
-            <a:ext cx="1307545" cy="646331"/>
-          </a:xfrm>
-          <a:prstGeom prst="rect">
-            <a:avLst/>
-          </a:prstGeom>
-          <a:noFill/>
-        </p:spPr>
-        <p:txBody>
-          <a:bodyPr wrap="square" rtlCol="0">
-            <a:spAutoFit/>
-          </a:bodyPr>
-          <a:lstStyle/>
-          <a:p>
-            <a:r>
-              <a:rPr lang="en-US" sz="3600" dirty="0" smtClean="0">
-                <a:solidFill>
-                  <a:srgbClr val="FF0000"/>
-                </a:solidFill>
-              </a:rPr>
-              <a:t>-</a:t>
-            </a:r>
-            <a:endParaRPr lang="en-US" sz="3600" dirty="0">
-              <a:solidFill>
-                <a:srgbClr val="FF0000"/>
-              </a:solidFill>
-            </a:endParaRPr>
-          </a:p>
-        </p:txBody>
-      </p:sp>
-      <p:sp>
-        <p:nvSpPr>
-          <p:cNvPr id="16" name="TextBox 15"/>
-          <p:cNvSpPr txBox="1"/>
-          <p:nvPr/>
-        </p:nvSpPr>
-        <p:spPr>
-          <a:xfrm>
-            <a:off x="3664646" y="3640592"/>
-            <a:ext cx="1307545" cy="646331"/>
-          </a:xfrm>
-          <a:prstGeom prst="rect">
-            <a:avLst/>
-          </a:prstGeom>
-          <a:noFill/>
-        </p:spPr>
-        <p:txBody>
-          <a:bodyPr wrap="square" rtlCol="0">
-            <a:spAutoFit/>
-          </a:bodyPr>
-          <a:lstStyle/>
-          <a:p>
-            <a:r>
-              <a:rPr lang="en-US" sz="3600" dirty="0" smtClean="0">
-                <a:solidFill>
-                  <a:srgbClr val="FF0000"/>
-                </a:solidFill>
-              </a:rPr>
-              <a:t>-</a:t>
-            </a:r>
-            <a:endParaRPr lang="en-US" sz="3600" dirty="0">
-              <a:solidFill>
-                <a:srgbClr val="FF0000"/>
-              </a:solidFill>
-            </a:endParaRPr>
-          </a:p>
-        </p:txBody>
-      </p:sp>
-      <p:sp>
-        <p:nvSpPr>
-          <p:cNvPr id="17" name="TextBox 16"/>
-          <p:cNvSpPr txBox="1"/>
-          <p:nvPr/>
-        </p:nvSpPr>
-        <p:spPr>
-          <a:xfrm>
-            <a:off x="3945399" y="2787445"/>
-            <a:ext cx="1307545" cy="646331"/>
-          </a:xfrm>
-          <a:prstGeom prst="rect">
-            <a:avLst/>
-          </a:prstGeom>
-          <a:noFill/>
-        </p:spPr>
-        <p:txBody>
-          <a:bodyPr wrap="square" rtlCol="0">
-            <a:spAutoFit/>
-          </a:bodyPr>
-          <a:lstStyle/>
-          <a:p>
-            <a:r>
-              <a:rPr lang="en-US" sz="3600" dirty="0" smtClean="0">
-                <a:solidFill>
-                  <a:srgbClr val="FF0000"/>
-                </a:solidFill>
-              </a:rPr>
-              <a:t>-</a:t>
-            </a:r>
-            <a:endParaRPr lang="en-US" sz="3600" dirty="0">
-              <a:solidFill>
-                <a:srgbClr val="FF0000"/>
-              </a:solidFill>
-            </a:endParaRPr>
-          </a:p>
-        </p:txBody>
-      </p:sp>
-    </p:spTree>
-    <p:extLst>
-      <p:ext uri="{BB962C8B-B14F-4D97-AF65-F5344CB8AC3E}">
-        <p14:creationId xmlns:p14="http://schemas.microsoft.com/office/powerpoint/2010/main" val="891275225"/>
       </p:ext>
     </p:extLst>
   </p:cSld>
@@ -7309,6 +6902,591 @@
           <a:p>
             <a:r>
               <a:rPr lang="en-US" dirty="0" smtClean="0"/>
+              <a:t>What if your Data is Non-Linear?</a:t>
+            </a:r>
+            <a:endParaRPr lang="en-US" dirty="0"/>
+          </a:p>
+        </p:txBody>
+      </p:sp>
+      <p:sp>
+        <p:nvSpPr>
+          <p:cNvPr id="4" name="TextBox 3"/>
+          <p:cNvSpPr txBox="1"/>
+          <p:nvPr/>
+        </p:nvSpPr>
+        <p:spPr>
+          <a:xfrm>
+            <a:off x="2344437" y="1872365"/>
+            <a:ext cx="1102443" cy="646331"/>
+          </a:xfrm>
+          <a:prstGeom prst="rect">
+            <a:avLst/>
+          </a:prstGeom>
+          <a:noFill/>
+        </p:spPr>
+        <p:txBody>
+          <a:bodyPr wrap="square" rtlCol="0">
+            <a:spAutoFit/>
+          </a:bodyPr>
+          <a:lstStyle/>
+          <a:p>
+            <a:r>
+              <a:rPr lang="en-US" sz="3600" dirty="0" smtClean="0">
+                <a:solidFill>
+                  <a:srgbClr val="0000FF"/>
+                </a:solidFill>
+              </a:rPr>
+              <a:t>+</a:t>
+            </a:r>
+            <a:endParaRPr lang="en-US" sz="3600" dirty="0">
+              <a:solidFill>
+                <a:srgbClr val="0000FF"/>
+              </a:solidFill>
+            </a:endParaRPr>
+          </a:p>
+        </p:txBody>
+      </p:sp>
+      <p:sp>
+        <p:nvSpPr>
+          <p:cNvPr id="5" name="TextBox 4"/>
+          <p:cNvSpPr txBox="1"/>
+          <p:nvPr/>
+        </p:nvSpPr>
+        <p:spPr>
+          <a:xfrm>
+            <a:off x="1945615" y="2671096"/>
+            <a:ext cx="1102443" cy="646331"/>
+          </a:xfrm>
+          <a:prstGeom prst="rect">
+            <a:avLst/>
+          </a:prstGeom>
+          <a:noFill/>
+        </p:spPr>
+        <p:txBody>
+          <a:bodyPr wrap="square" rtlCol="0">
+            <a:spAutoFit/>
+          </a:bodyPr>
+          <a:lstStyle/>
+          <a:p>
+            <a:r>
+              <a:rPr lang="en-US" sz="3600" dirty="0" smtClean="0">
+                <a:solidFill>
+                  <a:srgbClr val="0000FF"/>
+                </a:solidFill>
+              </a:rPr>
+              <a:t>+</a:t>
+            </a:r>
+            <a:endParaRPr lang="en-US" sz="3600" dirty="0">
+              <a:solidFill>
+                <a:srgbClr val="0000FF"/>
+              </a:solidFill>
+            </a:endParaRPr>
+          </a:p>
+        </p:txBody>
+      </p:sp>
+      <p:sp>
+        <p:nvSpPr>
+          <p:cNvPr id="6" name="TextBox 5"/>
+          <p:cNvSpPr txBox="1"/>
+          <p:nvPr/>
+        </p:nvSpPr>
+        <p:spPr>
+          <a:xfrm>
+            <a:off x="2344437" y="3786512"/>
+            <a:ext cx="1102443" cy="646331"/>
+          </a:xfrm>
+          <a:prstGeom prst="rect">
+            <a:avLst/>
+          </a:prstGeom>
+          <a:noFill/>
+        </p:spPr>
+        <p:txBody>
+          <a:bodyPr wrap="square" rtlCol="0">
+            <a:spAutoFit/>
+          </a:bodyPr>
+          <a:lstStyle/>
+          <a:p>
+            <a:r>
+              <a:rPr lang="en-US" sz="3600" dirty="0" smtClean="0">
+                <a:solidFill>
+                  <a:srgbClr val="0000FF"/>
+                </a:solidFill>
+              </a:rPr>
+              <a:t>+</a:t>
+            </a:r>
+            <a:endParaRPr lang="en-US" sz="3600" dirty="0">
+              <a:solidFill>
+                <a:srgbClr val="0000FF"/>
+              </a:solidFill>
+            </a:endParaRPr>
+          </a:p>
+        </p:txBody>
+      </p:sp>
+      <p:sp>
+        <p:nvSpPr>
+          <p:cNvPr id="7" name="TextBox 6"/>
+          <p:cNvSpPr txBox="1"/>
+          <p:nvPr/>
+        </p:nvSpPr>
+        <p:spPr>
+          <a:xfrm>
+            <a:off x="3048058" y="4630221"/>
+            <a:ext cx="1102443" cy="646331"/>
+          </a:xfrm>
+          <a:prstGeom prst="rect">
+            <a:avLst/>
+          </a:prstGeom>
+          <a:noFill/>
+        </p:spPr>
+        <p:txBody>
+          <a:bodyPr wrap="square" rtlCol="0">
+            <a:spAutoFit/>
+          </a:bodyPr>
+          <a:lstStyle/>
+          <a:p>
+            <a:r>
+              <a:rPr lang="en-US" sz="3600" dirty="0" smtClean="0">
+                <a:solidFill>
+                  <a:srgbClr val="0000FF"/>
+                </a:solidFill>
+              </a:rPr>
+              <a:t>+</a:t>
+            </a:r>
+            <a:endParaRPr lang="en-US" sz="3600" dirty="0">
+              <a:solidFill>
+                <a:srgbClr val="0000FF"/>
+              </a:solidFill>
+            </a:endParaRPr>
+          </a:p>
+        </p:txBody>
+      </p:sp>
+      <p:sp>
+        <p:nvSpPr>
+          <p:cNvPr id="8" name="TextBox 7"/>
+          <p:cNvSpPr txBox="1"/>
+          <p:nvPr/>
+        </p:nvSpPr>
+        <p:spPr>
+          <a:xfrm>
+            <a:off x="4428496" y="4667546"/>
+            <a:ext cx="1102443" cy="646331"/>
+          </a:xfrm>
+          <a:prstGeom prst="rect">
+            <a:avLst/>
+          </a:prstGeom>
+          <a:noFill/>
+        </p:spPr>
+        <p:txBody>
+          <a:bodyPr wrap="square" rtlCol="0">
+            <a:spAutoFit/>
+          </a:bodyPr>
+          <a:lstStyle/>
+          <a:p>
+            <a:r>
+              <a:rPr lang="en-US" sz="3600" dirty="0" smtClean="0">
+                <a:solidFill>
+                  <a:srgbClr val="0000FF"/>
+                </a:solidFill>
+              </a:rPr>
+              <a:t>+</a:t>
+            </a:r>
+            <a:endParaRPr lang="en-US" sz="3600" dirty="0">
+              <a:solidFill>
+                <a:srgbClr val="0000FF"/>
+              </a:solidFill>
+            </a:endParaRPr>
+          </a:p>
+        </p:txBody>
+      </p:sp>
+      <p:sp>
+        <p:nvSpPr>
+          <p:cNvPr id="9" name="TextBox 8"/>
+          <p:cNvSpPr txBox="1"/>
+          <p:nvPr/>
+        </p:nvSpPr>
+        <p:spPr>
+          <a:xfrm>
+            <a:off x="5530939" y="4109677"/>
+            <a:ext cx="1102443" cy="646331"/>
+          </a:xfrm>
+          <a:prstGeom prst="rect">
+            <a:avLst/>
+          </a:prstGeom>
+          <a:noFill/>
+        </p:spPr>
+        <p:txBody>
+          <a:bodyPr wrap="square" rtlCol="0">
+            <a:spAutoFit/>
+          </a:bodyPr>
+          <a:lstStyle/>
+          <a:p>
+            <a:r>
+              <a:rPr lang="en-US" sz="3600" dirty="0" smtClean="0">
+                <a:solidFill>
+                  <a:srgbClr val="0000FF"/>
+                </a:solidFill>
+              </a:rPr>
+              <a:t>+</a:t>
+            </a:r>
+            <a:endParaRPr lang="en-US" sz="3600" dirty="0">
+              <a:solidFill>
+                <a:srgbClr val="0000FF"/>
+              </a:solidFill>
+            </a:endParaRPr>
+          </a:p>
+        </p:txBody>
+      </p:sp>
+      <p:sp>
+        <p:nvSpPr>
+          <p:cNvPr id="10" name="TextBox 9"/>
+          <p:cNvSpPr txBox="1"/>
+          <p:nvPr/>
+        </p:nvSpPr>
+        <p:spPr>
+          <a:xfrm>
+            <a:off x="6082160" y="3159405"/>
+            <a:ext cx="1102443" cy="646331"/>
+          </a:xfrm>
+          <a:prstGeom prst="rect">
+            <a:avLst/>
+          </a:prstGeom>
+          <a:noFill/>
+        </p:spPr>
+        <p:txBody>
+          <a:bodyPr wrap="square" rtlCol="0">
+            <a:spAutoFit/>
+          </a:bodyPr>
+          <a:lstStyle/>
+          <a:p>
+            <a:r>
+              <a:rPr lang="en-US" sz="3600" dirty="0" smtClean="0">
+                <a:solidFill>
+                  <a:srgbClr val="0000FF"/>
+                </a:solidFill>
+              </a:rPr>
+              <a:t>+</a:t>
+            </a:r>
+            <a:endParaRPr lang="en-US" sz="3600" dirty="0">
+              <a:solidFill>
+                <a:srgbClr val="0000FF"/>
+              </a:solidFill>
+            </a:endParaRPr>
+          </a:p>
+        </p:txBody>
+      </p:sp>
+      <p:sp>
+        <p:nvSpPr>
+          <p:cNvPr id="11" name="TextBox 10"/>
+          <p:cNvSpPr txBox="1"/>
+          <p:nvPr/>
+        </p:nvSpPr>
+        <p:spPr>
+          <a:xfrm>
+            <a:off x="5397262" y="2024765"/>
+            <a:ext cx="1102443" cy="646331"/>
+          </a:xfrm>
+          <a:prstGeom prst="rect">
+            <a:avLst/>
+          </a:prstGeom>
+          <a:noFill/>
+        </p:spPr>
+        <p:txBody>
+          <a:bodyPr wrap="square" rtlCol="0">
+            <a:spAutoFit/>
+          </a:bodyPr>
+          <a:lstStyle/>
+          <a:p>
+            <a:r>
+              <a:rPr lang="en-US" sz="3600" dirty="0" smtClean="0">
+                <a:solidFill>
+                  <a:srgbClr val="0000FF"/>
+                </a:solidFill>
+              </a:rPr>
+              <a:t>+</a:t>
+            </a:r>
+            <a:endParaRPr lang="en-US" sz="3600" dirty="0">
+              <a:solidFill>
+                <a:srgbClr val="0000FF"/>
+              </a:solidFill>
+            </a:endParaRPr>
+          </a:p>
+        </p:txBody>
+      </p:sp>
+      <p:sp>
+        <p:nvSpPr>
+          <p:cNvPr id="12" name="TextBox 11"/>
+          <p:cNvSpPr txBox="1"/>
+          <p:nvPr/>
+        </p:nvSpPr>
+        <p:spPr>
+          <a:xfrm>
+            <a:off x="4150501" y="1378434"/>
+            <a:ext cx="1102443" cy="646331"/>
+          </a:xfrm>
+          <a:prstGeom prst="rect">
+            <a:avLst/>
+          </a:prstGeom>
+          <a:noFill/>
+        </p:spPr>
+        <p:txBody>
+          <a:bodyPr wrap="square" rtlCol="0">
+            <a:spAutoFit/>
+          </a:bodyPr>
+          <a:lstStyle/>
+          <a:p>
+            <a:r>
+              <a:rPr lang="en-US" sz="3600" dirty="0" smtClean="0">
+                <a:solidFill>
+                  <a:srgbClr val="0000FF"/>
+                </a:solidFill>
+              </a:rPr>
+              <a:t>+</a:t>
+            </a:r>
+            <a:endParaRPr lang="en-US" sz="3600" dirty="0">
+              <a:solidFill>
+                <a:srgbClr val="0000FF"/>
+              </a:solidFill>
+            </a:endParaRPr>
+          </a:p>
+        </p:txBody>
+      </p:sp>
+      <p:sp>
+        <p:nvSpPr>
+          <p:cNvPr id="13" name="TextBox 12"/>
+          <p:cNvSpPr txBox="1"/>
+          <p:nvPr/>
+        </p:nvSpPr>
+        <p:spPr>
+          <a:xfrm>
+            <a:off x="3446880" y="2311880"/>
+            <a:ext cx="1307545" cy="646331"/>
+          </a:xfrm>
+          <a:prstGeom prst="rect">
+            <a:avLst/>
+          </a:prstGeom>
+          <a:noFill/>
+        </p:spPr>
+        <p:txBody>
+          <a:bodyPr wrap="square" rtlCol="0">
+            <a:spAutoFit/>
+          </a:bodyPr>
+          <a:lstStyle/>
+          <a:p>
+            <a:r>
+              <a:rPr lang="en-US" sz="3600" dirty="0" smtClean="0">
+                <a:solidFill>
+                  <a:srgbClr val="FF0000"/>
+                </a:solidFill>
+              </a:rPr>
+              <a:t>-</a:t>
+            </a:r>
+            <a:endParaRPr lang="en-US" sz="3600" dirty="0">
+              <a:solidFill>
+                <a:srgbClr val="FF0000"/>
+              </a:solidFill>
+            </a:endParaRPr>
+          </a:p>
+        </p:txBody>
+      </p:sp>
+      <p:sp>
+        <p:nvSpPr>
+          <p:cNvPr id="14" name="TextBox 13"/>
+          <p:cNvSpPr txBox="1"/>
+          <p:nvPr/>
+        </p:nvSpPr>
+        <p:spPr>
+          <a:xfrm>
+            <a:off x="3200458" y="3110611"/>
+            <a:ext cx="1307545" cy="646331"/>
+          </a:xfrm>
+          <a:prstGeom prst="rect">
+            <a:avLst/>
+          </a:prstGeom>
+          <a:noFill/>
+        </p:spPr>
+        <p:txBody>
+          <a:bodyPr wrap="square" rtlCol="0">
+            <a:spAutoFit/>
+          </a:bodyPr>
+          <a:lstStyle/>
+          <a:p>
+            <a:r>
+              <a:rPr lang="en-US" sz="3600" dirty="0" smtClean="0">
+                <a:solidFill>
+                  <a:srgbClr val="FF0000"/>
+                </a:solidFill>
+              </a:rPr>
+              <a:t>-</a:t>
+            </a:r>
+            <a:endParaRPr lang="en-US" sz="3600" dirty="0">
+              <a:solidFill>
+                <a:srgbClr val="FF0000"/>
+              </a:solidFill>
+            </a:endParaRPr>
+          </a:p>
+        </p:txBody>
+      </p:sp>
+      <p:sp>
+        <p:nvSpPr>
+          <p:cNvPr id="15" name="TextBox 14"/>
+          <p:cNvSpPr txBox="1"/>
+          <p:nvPr/>
+        </p:nvSpPr>
+        <p:spPr>
+          <a:xfrm>
+            <a:off x="4508003" y="2994261"/>
+            <a:ext cx="1307545" cy="646331"/>
+          </a:xfrm>
+          <a:prstGeom prst="rect">
+            <a:avLst/>
+          </a:prstGeom>
+          <a:noFill/>
+        </p:spPr>
+        <p:txBody>
+          <a:bodyPr wrap="square" rtlCol="0">
+            <a:spAutoFit/>
+          </a:bodyPr>
+          <a:lstStyle/>
+          <a:p>
+            <a:r>
+              <a:rPr lang="en-US" sz="3600" dirty="0" smtClean="0">
+                <a:solidFill>
+                  <a:srgbClr val="FF0000"/>
+                </a:solidFill>
+              </a:rPr>
+              <a:t>-</a:t>
+            </a:r>
+            <a:endParaRPr lang="en-US" sz="3600" dirty="0">
+              <a:solidFill>
+                <a:srgbClr val="FF0000"/>
+              </a:solidFill>
+            </a:endParaRPr>
+          </a:p>
+        </p:txBody>
+      </p:sp>
+      <p:sp>
+        <p:nvSpPr>
+          <p:cNvPr id="16" name="TextBox 15"/>
+          <p:cNvSpPr txBox="1"/>
+          <p:nvPr/>
+        </p:nvSpPr>
+        <p:spPr>
+          <a:xfrm>
+            <a:off x="3664646" y="3640592"/>
+            <a:ext cx="1307545" cy="646331"/>
+          </a:xfrm>
+          <a:prstGeom prst="rect">
+            <a:avLst/>
+          </a:prstGeom>
+          <a:noFill/>
+        </p:spPr>
+        <p:txBody>
+          <a:bodyPr wrap="square" rtlCol="0">
+            <a:spAutoFit/>
+          </a:bodyPr>
+          <a:lstStyle/>
+          <a:p>
+            <a:r>
+              <a:rPr lang="en-US" sz="3600" dirty="0" smtClean="0">
+                <a:solidFill>
+                  <a:srgbClr val="FF0000"/>
+                </a:solidFill>
+              </a:rPr>
+              <a:t>-</a:t>
+            </a:r>
+            <a:endParaRPr lang="en-US" sz="3600" dirty="0">
+              <a:solidFill>
+                <a:srgbClr val="FF0000"/>
+              </a:solidFill>
+            </a:endParaRPr>
+          </a:p>
+        </p:txBody>
+      </p:sp>
+      <p:sp>
+        <p:nvSpPr>
+          <p:cNvPr id="17" name="TextBox 16"/>
+          <p:cNvSpPr txBox="1"/>
+          <p:nvPr/>
+        </p:nvSpPr>
+        <p:spPr>
+          <a:xfrm>
+            <a:off x="3945399" y="2787445"/>
+            <a:ext cx="1307545" cy="646331"/>
+          </a:xfrm>
+          <a:prstGeom prst="rect">
+            <a:avLst/>
+          </a:prstGeom>
+          <a:noFill/>
+        </p:spPr>
+        <p:txBody>
+          <a:bodyPr wrap="square" rtlCol="0">
+            <a:spAutoFit/>
+          </a:bodyPr>
+          <a:lstStyle/>
+          <a:p>
+            <a:r>
+              <a:rPr lang="en-US" sz="3600" dirty="0" smtClean="0">
+                <a:solidFill>
+                  <a:srgbClr val="FF0000"/>
+                </a:solidFill>
+              </a:rPr>
+              <a:t>-</a:t>
+            </a:r>
+            <a:endParaRPr lang="en-US" sz="3600" dirty="0">
+              <a:solidFill>
+                <a:srgbClr val="FF0000"/>
+              </a:solidFill>
+            </a:endParaRPr>
+          </a:p>
+        </p:txBody>
+      </p:sp>
+    </p:spTree>
+    <p:extLst>
+      <p:ext uri="{BB962C8B-B14F-4D97-AF65-F5344CB8AC3E}">
+        <p14:creationId xmlns:p14="http://schemas.microsoft.com/office/powerpoint/2010/main" val="891275225"/>
+      </p:ext>
+    </p:extLst>
+  </p:cSld>
+  <p:clrMapOvr>
+    <a:masterClrMapping/>
+  </p:clrMapOvr>
+</p:sld>
+</file>
+
+<file path=ppt/slides/slide21.xml><?xml version="1.0" encoding="utf-8"?>
+<p:sld xmlns:a="http://schemas.openxmlformats.org/drawingml/2006/main" xmlns:r="http://schemas.openxmlformats.org/officeDocument/2006/relationships" xmlns:p="http://schemas.openxmlformats.org/presentationml/2006/main">
+  <p:cSld>
+    <p:spTree>
+      <p:nvGrpSpPr>
+        <p:cNvPr id="1" name=""/>
+        <p:cNvGrpSpPr/>
+        <p:nvPr/>
+      </p:nvGrpSpPr>
+      <p:grpSpPr>
+        <a:xfrm>
+          <a:off x="0" y="0"/>
+          <a:ext cx="0" cy="0"/>
+          <a:chOff x="0" y="0"/>
+          <a:chExt cx="0" cy="0"/>
+        </a:xfrm>
+      </p:grpSpPr>
+      <p:sp>
+        <p:nvSpPr>
+          <p:cNvPr id="2" name="Title 1"/>
+          <p:cNvSpPr>
+            <a:spLocks noGrp="1"/>
+          </p:cNvSpPr>
+          <p:nvPr>
+            <p:ph type="title"/>
+          </p:nvPr>
+        </p:nvSpPr>
+        <p:spPr/>
+        <p:txBody>
+          <a:bodyPr/>
+          <a:lstStyle/>
+          <a:p>
+            <a:r>
+              <a:rPr lang="en-US" dirty="0" smtClean="0"/>
               <a:t>Two Solutions</a:t>
             </a:r>
             <a:endParaRPr lang="en-US" dirty="0"/>
@@ -7364,7 +7542,7 @@
 </p:sld>
 </file>
 
-<file path=ppt/slides/slide21.xml><?xml version="1.0" encoding="utf-8"?>
+<file path=ppt/slides/slide22.xml><?xml version="1.0" encoding="utf-8"?>
 <p:sld xmlns:a="http://schemas.openxmlformats.org/drawingml/2006/main" xmlns:r="http://schemas.openxmlformats.org/officeDocument/2006/relationships" xmlns:p="http://schemas.openxmlformats.org/presentationml/2006/main">
   <p:cSld>
     <p:spTree>
@@ -7623,88 +7801,6 @@
 </p:sld>
 </file>
 
-<file path=ppt/slides/slide22.xml><?xml version="1.0" encoding="utf-8"?>
-<p:sld xmlns:a="http://schemas.openxmlformats.org/drawingml/2006/main" xmlns:r="http://schemas.openxmlformats.org/officeDocument/2006/relationships" xmlns:p="http://schemas.openxmlformats.org/presentationml/2006/main">
-  <p:cSld>
-    <p:spTree>
-      <p:nvGrpSpPr>
-        <p:cNvPr id="1" name=""/>
-        <p:cNvGrpSpPr/>
-        <p:nvPr/>
-      </p:nvGrpSpPr>
-      <p:grpSpPr>
-        <a:xfrm>
-          <a:off x="0" y="0"/>
-          <a:ext cx="0" cy="0"/>
-          <a:chOff x="0" y="0"/>
-          <a:chExt cx="0" cy="0"/>
-        </a:xfrm>
-      </p:grpSpPr>
-      <p:sp>
-        <p:nvSpPr>
-          <p:cNvPr id="2" name="Title 1"/>
-          <p:cNvSpPr>
-            <a:spLocks noGrp="1"/>
-          </p:cNvSpPr>
-          <p:nvPr>
-            <p:ph type="title"/>
-          </p:nvPr>
-        </p:nvSpPr>
-        <p:spPr/>
-        <p:txBody>
-          <a:bodyPr/>
-          <a:lstStyle/>
-          <a:p>
-            <a:r>
-              <a:rPr lang="en-US" dirty="0" smtClean="0"/>
-              <a:t>Potential Pitfalls</a:t>
-            </a:r>
-            <a:endParaRPr lang="en-US" dirty="0"/>
-          </a:p>
-        </p:txBody>
-      </p:sp>
-      <p:sp>
-        <p:nvSpPr>
-          <p:cNvPr id="3" name="Content Placeholder 2"/>
-          <p:cNvSpPr>
-            <a:spLocks noGrp="1"/>
-          </p:cNvSpPr>
-          <p:nvPr>
-            <p:ph idx="1"/>
-          </p:nvPr>
-        </p:nvSpPr>
-        <p:spPr/>
-        <p:txBody>
-          <a:bodyPr/>
-          <a:lstStyle/>
-          <a:p>
-            <a:r>
-              <a:rPr lang="en-US" dirty="0" smtClean="0"/>
-              <a:t>Don’t make the first half of your data a training set and the second half of your data the testing set! (any idea why?)</a:t>
-            </a:r>
-          </a:p>
-          <a:p>
-            <a:r>
-              <a:rPr lang="en-US" dirty="0" smtClean="0"/>
-              <a:t>Tradeoff between too much versus too little test data (too much = suboptimal performance because it could be used for learning, too little = estimate of performance prone to noise).</a:t>
-            </a:r>
-            <a:endParaRPr lang="en-US" dirty="0"/>
-          </a:p>
-        </p:txBody>
-      </p:sp>
-    </p:spTree>
-    <p:extLst>
-      <p:ext uri="{BB962C8B-B14F-4D97-AF65-F5344CB8AC3E}">
-        <p14:creationId xmlns:p14="http://schemas.microsoft.com/office/powerpoint/2010/main" val="1582497615"/>
-      </p:ext>
-    </p:extLst>
-  </p:cSld>
-  <p:clrMapOvr>
-    <a:masterClrMapping/>
-  </p:clrMapOvr>
-</p:sld>
-</file>
-
 <file path=ppt/slides/slide23.xml><?xml version="1.0" encoding="utf-8"?>
 <p:sld xmlns:a="http://schemas.openxmlformats.org/drawingml/2006/main" xmlns:r="http://schemas.openxmlformats.org/officeDocument/2006/relationships" xmlns:p="http://schemas.openxmlformats.org/presentationml/2006/main">
   <p:cSld>
@@ -7734,102 +7830,41 @@
         </p:nvSpPr>
         <p:spPr/>
         <p:txBody>
-          <a:bodyPr>
-            <a:normAutofit fontScale="90000"/>
-          </a:bodyPr>
-          <a:lstStyle/>
-          <a:p>
-            <a:r>
-              <a:rPr lang="en-US" dirty="0" smtClean="0"/>
-              <a:t>Illustration of Too Little Training Data</a:t>
+          <a:bodyPr/>
+          <a:lstStyle/>
+          <a:p>
+            <a:r>
+              <a:rPr lang="en-US" dirty="0" smtClean="0"/>
+              <a:t>Potential Pitfalls</a:t>
             </a:r>
             <a:endParaRPr lang="en-US" dirty="0"/>
           </a:p>
         </p:txBody>
       </p:sp>
-      <p:pic>
-        <p:nvPicPr>
-          <p:cNvPr id="4" name="Picture 3"/>
-          <p:cNvPicPr>
-            <a:picLocks noChangeAspect="1"/>
-          </p:cNvPicPr>
-          <p:nvPr/>
-        </p:nvPicPr>
-        <p:blipFill>
-          <a:blip r:embed="rId3"/>
-          <a:stretch>
-            <a:fillRect/>
-          </a:stretch>
-        </p:blipFill>
-        <p:spPr>
-          <a:xfrm>
-            <a:off x="1621264" y="1701800"/>
-            <a:ext cx="6206054" cy="4508956"/>
-          </a:xfrm>
-          <a:prstGeom prst="rect">
-            <a:avLst/>
-          </a:prstGeom>
-        </p:spPr>
-      </p:pic>
-      <p:sp>
-        <p:nvSpPr>
-          <p:cNvPr id="5" name="TextBox 4"/>
-          <p:cNvSpPr txBox="1"/>
-          <p:nvPr/>
-        </p:nvSpPr>
-        <p:spPr>
-          <a:xfrm>
-            <a:off x="2330481" y="5841424"/>
-            <a:ext cx="5986686" cy="369332"/>
-          </a:xfrm>
-          <a:prstGeom prst="rect">
-            <a:avLst/>
-          </a:prstGeom>
-          <a:solidFill>
-            <a:schemeClr val="bg1"/>
-          </a:solidFill>
-        </p:spPr>
-        <p:txBody>
-          <a:bodyPr wrap="square" rtlCol="0">
-            <a:spAutoFit/>
-          </a:bodyPr>
-          <a:lstStyle/>
-          <a:p>
-            <a:r>
-              <a:rPr lang="en-US" dirty="0" smtClean="0"/>
-              <a:t>Percent of data used for training (rest is used for test)</a:t>
-            </a:r>
-            <a:endParaRPr lang="en-US" dirty="0"/>
-          </a:p>
-        </p:txBody>
-      </p:sp>
-      <p:sp>
-        <p:nvSpPr>
-          <p:cNvPr id="6" name="TextBox 5"/>
-          <p:cNvSpPr txBox="1"/>
-          <p:nvPr/>
-        </p:nvSpPr>
-        <p:spPr>
-          <a:xfrm rot="16200000">
-            <a:off x="48934" y="2844149"/>
-            <a:ext cx="2654029" cy="369332"/>
-          </a:xfrm>
-          <a:prstGeom prst="rect">
-            <a:avLst/>
-          </a:prstGeom>
-          <a:solidFill>
-            <a:schemeClr val="bg1"/>
-          </a:solidFill>
-        </p:spPr>
-        <p:txBody>
-          <a:bodyPr wrap="square" rtlCol="0">
-            <a:spAutoFit/>
-          </a:bodyPr>
-          <a:lstStyle/>
-          <a:p>
-            <a:r>
-              <a:rPr lang="en-US" dirty="0" smtClean="0"/>
-              <a:t>Accuracy</a:t>
+      <p:sp>
+        <p:nvSpPr>
+          <p:cNvPr id="3" name="Content Placeholder 2"/>
+          <p:cNvSpPr>
+            <a:spLocks noGrp="1"/>
+          </p:cNvSpPr>
+          <p:nvPr>
+            <p:ph idx="1"/>
+          </p:nvPr>
+        </p:nvSpPr>
+        <p:spPr/>
+        <p:txBody>
+          <a:bodyPr/>
+          <a:lstStyle/>
+          <a:p>
+            <a:r>
+              <a:rPr lang="en-US" dirty="0" smtClean="0"/>
+              <a:t>Don’t make the first half of your data a training set and the second half of your data the testing set! (any idea why?)</a:t>
+            </a:r>
+          </a:p>
+          <a:p>
+            <a:r>
+              <a:rPr lang="en-US" dirty="0" smtClean="0"/>
+              <a:t>Tradeoff between too much versus too little test data (too much = suboptimal performance because it could be used for learning, too little = estimate of performance prone to noise).</a:t>
             </a:r>
             <a:endParaRPr lang="en-US" dirty="0"/>
           </a:p>
@@ -7838,7 +7873,7 @@
     </p:spTree>
     <p:extLst>
       <p:ext uri="{BB962C8B-B14F-4D97-AF65-F5344CB8AC3E}">
-        <p14:creationId xmlns:p14="http://schemas.microsoft.com/office/powerpoint/2010/main" val="2963822606"/>
+        <p14:creationId xmlns:p14="http://schemas.microsoft.com/office/powerpoint/2010/main" val="1582497615"/>
       </p:ext>
     </p:extLst>
   </p:cSld>
@@ -7877,61 +7912,102 @@
         </p:nvSpPr>
         <p:spPr/>
         <p:txBody>
-          <a:bodyPr/>
-          <a:lstStyle/>
-          <a:p>
-            <a:r>
-              <a:rPr lang="en-US" dirty="0" smtClean="0"/>
-              <a:t>Conclusion of ML Part 1</a:t>
+          <a:bodyPr>
+            <a:normAutofit fontScale="90000"/>
+          </a:bodyPr>
+          <a:lstStyle/>
+          <a:p>
+            <a:r>
+              <a:rPr lang="en-US" dirty="0" smtClean="0"/>
+              <a:t>Illustration of Too Little Training Data</a:t>
             </a:r>
             <a:endParaRPr lang="en-US" dirty="0"/>
           </a:p>
         </p:txBody>
       </p:sp>
-      <p:sp>
-        <p:nvSpPr>
-          <p:cNvPr id="3" name="Content Placeholder 2"/>
-          <p:cNvSpPr>
-            <a:spLocks noGrp="1"/>
-          </p:cNvSpPr>
-          <p:nvPr>
-            <p:ph idx="1"/>
-          </p:nvPr>
-        </p:nvSpPr>
-        <p:spPr/>
-        <p:txBody>
-          <a:bodyPr>
-            <a:normAutofit fontScale="92500" lnSpcReduction="20000"/>
+      <p:pic>
+        <p:nvPicPr>
+          <p:cNvPr id="4" name="Picture 3"/>
+          <p:cNvPicPr>
+            <a:picLocks noChangeAspect="1"/>
+          </p:cNvPicPr>
+          <p:nvPr/>
+        </p:nvPicPr>
+        <p:blipFill>
+          <a:blip r:embed="rId3"/>
+          <a:stretch>
+            <a:fillRect/>
+          </a:stretch>
+        </p:blipFill>
+        <p:spPr>
+          <a:xfrm>
+            <a:off x="1621264" y="1701800"/>
+            <a:ext cx="6206054" cy="4508956"/>
+          </a:xfrm>
+          <a:prstGeom prst="rect">
+            <a:avLst/>
+          </a:prstGeom>
+        </p:spPr>
+      </p:pic>
+      <p:sp>
+        <p:nvSpPr>
+          <p:cNvPr id="5" name="TextBox 4"/>
+          <p:cNvSpPr txBox="1"/>
+          <p:nvPr/>
+        </p:nvSpPr>
+        <p:spPr>
+          <a:xfrm>
+            <a:off x="2330481" y="5841424"/>
+            <a:ext cx="5986686" cy="369332"/>
+          </a:xfrm>
+          <a:prstGeom prst="rect">
+            <a:avLst/>
+          </a:prstGeom>
+          <a:solidFill>
+            <a:schemeClr val="bg1"/>
+          </a:solidFill>
+        </p:spPr>
+        <p:txBody>
+          <a:bodyPr wrap="square" rtlCol="0">
+            <a:spAutoFit/>
           </a:bodyPr>
           <a:lstStyle/>
           <a:p>
             <a:r>
               <a:rPr lang="en-US" dirty="0" smtClean="0"/>
-              <a:t>ML seeks to program computers using experience (data)</a:t>
-            </a:r>
-          </a:p>
-          <a:p>
-            <a:r>
-              <a:rPr lang="en-US" dirty="0" smtClean="0"/>
-              <a:t>Fast growing field</a:t>
-            </a:r>
-          </a:p>
-          <a:p>
-            <a:r>
-              <a:rPr lang="en-US" dirty="0" smtClean="0"/>
-              <a:t>Linear regression can be seen as a machine learning technique</a:t>
-            </a:r>
-          </a:p>
-          <a:p>
-            <a:r>
-              <a:rPr lang="en-US" dirty="0" smtClean="0"/>
-              <a:t>Logistic regression is an ML technique used for classification</a:t>
-            </a:r>
-          </a:p>
-          <a:p>
-            <a:r>
-              <a:rPr lang="en-US" dirty="0" smtClean="0"/>
-              <a:t>Chiefly interested in optimizing performance on unseen data (which we can estimate by splitting data into training and test sets)</a:t>
+              <a:t>Percent of data used for training (rest is used for test)</a:t>
+            </a:r>
+            <a:endParaRPr lang="en-US" dirty="0"/>
+          </a:p>
+        </p:txBody>
+      </p:sp>
+      <p:sp>
+        <p:nvSpPr>
+          <p:cNvPr id="6" name="TextBox 5"/>
+          <p:cNvSpPr txBox="1"/>
+          <p:nvPr/>
+        </p:nvSpPr>
+        <p:spPr>
+          <a:xfrm rot="16200000">
+            <a:off x="48934" y="3402420"/>
+            <a:ext cx="2654029" cy="369332"/>
+          </a:xfrm>
+          <a:prstGeom prst="rect">
+            <a:avLst/>
+          </a:prstGeom>
+          <a:solidFill>
+            <a:schemeClr val="bg1"/>
+          </a:solidFill>
+        </p:spPr>
+        <p:txBody>
+          <a:bodyPr wrap="square" rtlCol="0">
+            <a:spAutoFit/>
+          </a:bodyPr>
+          <a:lstStyle/>
+          <a:p>
+            <a:r>
+              <a:rPr lang="en-US" dirty="0" smtClean="0"/>
+              <a:t>Accuracy on Test Set</a:t>
             </a:r>
             <a:endParaRPr lang="en-US" dirty="0"/>
           </a:p>
@@ -7940,7 +8016,7 @@
     </p:spTree>
     <p:extLst>
       <p:ext uri="{BB962C8B-B14F-4D97-AF65-F5344CB8AC3E}">
-        <p14:creationId xmlns:p14="http://schemas.microsoft.com/office/powerpoint/2010/main" val="2109498297"/>
+        <p14:creationId xmlns:p14="http://schemas.microsoft.com/office/powerpoint/2010/main" val="2963822606"/>
       </p:ext>
     </p:extLst>
   </p:cSld>
@@ -7982,7 +8058,11 @@
           <a:bodyPr/>
           <a:lstStyle/>
           <a:p>
-            <a:endParaRPr lang="en-US"/>
+            <a:r>
+              <a:rPr lang="en-US" dirty="0" smtClean="0"/>
+              <a:t>Conclusion of ML Part 1</a:t>
+            </a:r>
+            <a:endParaRPr lang="en-US" dirty="0"/>
           </a:p>
         </p:txBody>
       </p:sp>
@@ -7998,17 +8078,47 @@
         </p:nvSpPr>
         <p:spPr/>
         <p:txBody>
-          <a:bodyPr/>
-          <a:lstStyle/>
-          <a:p>
-            <a:endParaRPr lang="en-US"/>
+          <a:bodyPr>
+            <a:normAutofit fontScale="92500" lnSpcReduction="20000"/>
+          </a:bodyPr>
+          <a:lstStyle/>
+          <a:p>
+            <a:r>
+              <a:rPr lang="en-US" dirty="0" smtClean="0"/>
+              <a:t>ML seeks to program computers using experience (data)</a:t>
+            </a:r>
+          </a:p>
+          <a:p>
+            <a:r>
+              <a:rPr lang="en-US" dirty="0" smtClean="0"/>
+              <a:t>Fast growing field</a:t>
+            </a:r>
+          </a:p>
+          <a:p>
+            <a:r>
+              <a:rPr lang="en-US" dirty="0" smtClean="0"/>
+              <a:t>Linear regression can be seen as a machine learning technique</a:t>
+            </a:r>
+          </a:p>
+          <a:p>
+            <a:r>
+              <a:rPr lang="en-US" dirty="0" smtClean="0"/>
+              <a:t>Logistic regression is an ML technique used for classification</a:t>
+            </a:r>
+          </a:p>
+          <a:p>
+            <a:r>
+              <a:rPr lang="en-US" dirty="0" smtClean="0"/>
+              <a:t>Chiefly interested in optimizing performance on unseen data (which we can estimate by splitting data into training and test sets)</a:t>
+            </a:r>
+            <a:endParaRPr lang="en-US" dirty="0"/>
           </a:p>
         </p:txBody>
       </p:sp>
     </p:spTree>
     <p:extLst>
       <p:ext uri="{BB962C8B-B14F-4D97-AF65-F5344CB8AC3E}">
-        <p14:creationId xmlns:p14="http://schemas.microsoft.com/office/powerpoint/2010/main" val="1180914782"/>
+        <p14:creationId xmlns:p14="http://schemas.microsoft.com/office/powerpoint/2010/main" val="2109498297"/>
       </p:ext>
     </p:extLst>
   </p:cSld>
@@ -8047,6 +8157,74 @@
         </p:nvSpPr>
         <p:spPr/>
         <p:txBody>
+          <a:bodyPr/>
+          <a:lstStyle/>
+          <a:p>
+            <a:endParaRPr lang="en-US"/>
+          </a:p>
+        </p:txBody>
+      </p:sp>
+      <p:sp>
+        <p:nvSpPr>
+          <p:cNvPr id="3" name="Content Placeholder 2"/>
+          <p:cNvSpPr>
+            <a:spLocks noGrp="1"/>
+          </p:cNvSpPr>
+          <p:nvPr>
+            <p:ph idx="1"/>
+          </p:nvPr>
+        </p:nvSpPr>
+        <p:spPr/>
+        <p:txBody>
+          <a:bodyPr/>
+          <a:lstStyle/>
+          <a:p>
+            <a:endParaRPr lang="en-US"/>
+          </a:p>
+        </p:txBody>
+      </p:sp>
+    </p:spTree>
+    <p:extLst>
+      <p:ext uri="{BB962C8B-B14F-4D97-AF65-F5344CB8AC3E}">
+        <p14:creationId xmlns:p14="http://schemas.microsoft.com/office/powerpoint/2010/main" val="1180914782"/>
+      </p:ext>
+    </p:extLst>
+  </p:cSld>
+  <p:clrMapOvr>
+    <a:masterClrMapping/>
+  </p:clrMapOvr>
+</p:sld>
+</file>
+
+<file path=ppt/slides/slide27.xml><?xml version="1.0" encoding="utf-8"?>
+<p:sld xmlns:a="http://schemas.openxmlformats.org/drawingml/2006/main" xmlns:r="http://schemas.openxmlformats.org/officeDocument/2006/relationships" xmlns:p="http://schemas.openxmlformats.org/presentationml/2006/main">
+  <p:cSld>
+    <p:spTree>
+      <p:nvGrpSpPr>
+        <p:cNvPr id="1" name=""/>
+        <p:cNvGrpSpPr/>
+        <p:nvPr/>
+      </p:nvGrpSpPr>
+      <p:grpSpPr>
+        <a:xfrm>
+          <a:off x="0" y="0"/>
+          <a:ext cx="0" cy="0"/>
+          <a:chOff x="0" y="0"/>
+          <a:chExt cx="0" cy="0"/>
+        </a:xfrm>
+      </p:grpSpPr>
+      <p:sp>
+        <p:nvSpPr>
+          <p:cNvPr id="2" name="Title 1"/>
+          <p:cNvSpPr>
+            <a:spLocks noGrp="1"/>
+          </p:cNvSpPr>
+          <p:nvPr>
+            <p:ph type="title"/>
+          </p:nvPr>
+        </p:nvSpPr>
+        <p:spPr/>
+        <p:txBody>
           <a:bodyPr>
             <a:normAutofit fontScale="90000"/>
           </a:bodyPr>
@@ -8098,7 +8276,7 @@
 </p:sld>
 </file>
 
-<file path=ppt/slides/slide27.xml><?xml version="1.0" encoding="utf-8"?>
+<file path=ppt/slides/slide28.xml><?xml version="1.0" encoding="utf-8"?>
 <p:sld xmlns:a="http://schemas.openxmlformats.org/drawingml/2006/main" xmlns:r="http://schemas.openxmlformats.org/officeDocument/2006/relationships" xmlns:p="http://schemas.openxmlformats.org/presentationml/2006/main">
   <p:cSld>
     <p:spTree>
@@ -8208,7 +8386,7 @@
 </p:sld>
 </file>
 
-<file path=ppt/slides/slide28.xml><?xml version="1.0" encoding="utf-8"?>
+<file path=ppt/slides/slide29.xml><?xml version="1.0" encoding="utf-8"?>
 <p:sld xmlns:a="http://schemas.openxmlformats.org/drawingml/2006/main" xmlns:r="http://schemas.openxmlformats.org/officeDocument/2006/relationships" xmlns:p="http://schemas.openxmlformats.org/presentationml/2006/main">
   <p:cSld>
     <p:spTree>
@@ -8278,134 +8456,6 @@
     <p:extLst>
       <p:ext uri="{BB962C8B-B14F-4D97-AF65-F5344CB8AC3E}">
         <p14:creationId xmlns:p14="http://schemas.microsoft.com/office/powerpoint/2010/main" val="3825451869"/>
-      </p:ext>
-    </p:extLst>
-  </p:cSld>
-  <p:clrMapOvr>
-    <a:masterClrMapping/>
-  </p:clrMapOvr>
-  <p:timing>
-    <p:tnLst>
-      <p:par>
-        <p:cTn xmlns:p14="http://schemas.microsoft.com/office/powerpoint/2010/main" id="1" dur="indefinite" restart="never" nodeType="tmRoot"/>
-      </p:par>
-    </p:tnLst>
-  </p:timing>
-</p:sld>
-</file>
-
-<file path=ppt/slides/slide29.xml><?xml version="1.0" encoding="utf-8"?>
-<p:sld xmlns:a="http://schemas.openxmlformats.org/drawingml/2006/main" xmlns:r="http://schemas.openxmlformats.org/officeDocument/2006/relationships" xmlns:p="http://schemas.openxmlformats.org/presentationml/2006/main">
-  <p:cSld>
-    <p:spTree>
-      <p:nvGrpSpPr>
-        <p:cNvPr id="1" name=""/>
-        <p:cNvGrpSpPr/>
-        <p:nvPr/>
-      </p:nvGrpSpPr>
-      <p:grpSpPr>
-        <a:xfrm>
-          <a:off x="0" y="0"/>
-          <a:ext cx="0" cy="0"/>
-          <a:chOff x="0" y="0"/>
-          <a:chExt cx="0" cy="0"/>
-        </a:xfrm>
-      </p:grpSpPr>
-      <p:sp>
-        <p:nvSpPr>
-          <p:cNvPr id="2" name="Title 1"/>
-          <p:cNvSpPr>
-            <a:spLocks noGrp="1"/>
-          </p:cNvSpPr>
-          <p:nvPr>
-            <p:ph type="title"/>
-          </p:nvPr>
-        </p:nvSpPr>
-        <p:spPr/>
-        <p:txBody>
-          <a:bodyPr>
-            <a:normAutofit fontScale="90000"/>
-          </a:bodyPr>
-          <a:lstStyle/>
-          <a:p>
-            <a:r>
-              <a:rPr lang="en-US" dirty="0" smtClean="0"/>
-              <a:t>Reinforcement Learning in Robotics</a:t>
-            </a:r>
-            <a:endParaRPr lang="en-US" dirty="0"/>
-          </a:p>
-        </p:txBody>
-      </p:sp>
-      <p:sp>
-        <p:nvSpPr>
-          <p:cNvPr id="3" name="Content Placeholder 2"/>
-          <p:cNvSpPr>
-            <a:spLocks noGrp="1"/>
-          </p:cNvSpPr>
-          <p:nvPr>
-            <p:ph idx="1"/>
-          </p:nvPr>
-        </p:nvSpPr>
-        <p:spPr/>
-        <p:txBody>
-          <a:bodyPr/>
-          <a:lstStyle/>
-          <a:p>
-            <a:pPr marL="0" indent="0">
-              <a:buNone/>
-            </a:pPr>
-            <a:r>
-              <a:rPr lang="en-US" dirty="0" smtClean="0">
-                <a:hlinkClick r:id="rId2"/>
-              </a:rPr>
-              <a:t>http://www.youtube.com/watch?v=XiigTGKZfks</a:t>
-            </a:r>
-            <a:r>
-              <a:rPr lang="en-US" dirty="0" smtClean="0"/>
-              <a:t> (pendulum </a:t>
-            </a:r>
-            <a:r>
-              <a:rPr lang="en-US" dirty="0" err="1" smtClean="0"/>
-              <a:t>swingup</a:t>
-            </a:r>
-            <a:r>
-              <a:rPr lang="en-US" dirty="0" smtClean="0"/>
-              <a:t>… real system)</a:t>
-            </a:r>
-          </a:p>
-          <a:p>
-            <a:pPr marL="0" indent="0">
-              <a:buNone/>
-            </a:pPr>
-            <a:endParaRPr lang="en-US" dirty="0" smtClean="0"/>
-          </a:p>
-          <a:p>
-            <a:pPr marL="0" indent="0">
-              <a:buNone/>
-            </a:pPr>
-            <a:r>
-              <a:rPr lang="en-US" dirty="0" smtClean="0">
-                <a:hlinkClick r:id="rId3"/>
-              </a:rPr>
-              <a:t>http://www.youtube.com/watch?v=oWKmgxZC5vk</a:t>
-            </a:r>
-            <a:r>
-              <a:rPr lang="en-US" dirty="0" smtClean="0"/>
-              <a:t> (unicycle in simulation)</a:t>
-            </a:r>
-          </a:p>
-          <a:p>
-            <a:pPr marL="0" indent="0">
-              <a:buNone/>
-            </a:pPr>
-            <a:endParaRPr lang="en-US" dirty="0"/>
-          </a:p>
-        </p:txBody>
-      </p:sp>
-    </p:spTree>
-    <p:extLst>
-      <p:ext uri="{BB962C8B-B14F-4D97-AF65-F5344CB8AC3E}">
-        <p14:creationId xmlns:p14="http://schemas.microsoft.com/office/powerpoint/2010/main" val="363349358"/>
       </p:ext>
     </p:extLst>
   </p:cSld>
@@ -8548,6 +8598,134 @@
 </file>
 
 <file path=ppt/slides/slide30.xml><?xml version="1.0" encoding="utf-8"?>
+<p:sld xmlns:a="http://schemas.openxmlformats.org/drawingml/2006/main" xmlns:r="http://schemas.openxmlformats.org/officeDocument/2006/relationships" xmlns:p="http://schemas.openxmlformats.org/presentationml/2006/main">
+  <p:cSld>
+    <p:spTree>
+      <p:nvGrpSpPr>
+        <p:cNvPr id="1" name=""/>
+        <p:cNvGrpSpPr/>
+        <p:nvPr/>
+      </p:nvGrpSpPr>
+      <p:grpSpPr>
+        <a:xfrm>
+          <a:off x="0" y="0"/>
+          <a:ext cx="0" cy="0"/>
+          <a:chOff x="0" y="0"/>
+          <a:chExt cx="0" cy="0"/>
+        </a:xfrm>
+      </p:grpSpPr>
+      <p:sp>
+        <p:nvSpPr>
+          <p:cNvPr id="2" name="Title 1"/>
+          <p:cNvSpPr>
+            <a:spLocks noGrp="1"/>
+          </p:cNvSpPr>
+          <p:nvPr>
+            <p:ph type="title"/>
+          </p:nvPr>
+        </p:nvSpPr>
+        <p:spPr/>
+        <p:txBody>
+          <a:bodyPr>
+            <a:normAutofit fontScale="90000"/>
+          </a:bodyPr>
+          <a:lstStyle/>
+          <a:p>
+            <a:r>
+              <a:rPr lang="en-US" dirty="0" smtClean="0"/>
+              <a:t>Reinforcement Learning in Robotics</a:t>
+            </a:r>
+            <a:endParaRPr lang="en-US" dirty="0"/>
+          </a:p>
+        </p:txBody>
+      </p:sp>
+      <p:sp>
+        <p:nvSpPr>
+          <p:cNvPr id="3" name="Content Placeholder 2"/>
+          <p:cNvSpPr>
+            <a:spLocks noGrp="1"/>
+          </p:cNvSpPr>
+          <p:nvPr>
+            <p:ph idx="1"/>
+          </p:nvPr>
+        </p:nvSpPr>
+        <p:spPr/>
+        <p:txBody>
+          <a:bodyPr/>
+          <a:lstStyle/>
+          <a:p>
+            <a:pPr marL="0" indent="0">
+              <a:buNone/>
+            </a:pPr>
+            <a:r>
+              <a:rPr lang="en-US" dirty="0" smtClean="0">
+                <a:hlinkClick r:id="rId2"/>
+              </a:rPr>
+              <a:t>http://www.youtube.com/watch?v=XiigTGKZfks</a:t>
+            </a:r>
+            <a:r>
+              <a:rPr lang="en-US" dirty="0" smtClean="0"/>
+              <a:t> (pendulum </a:t>
+            </a:r>
+            <a:r>
+              <a:rPr lang="en-US" dirty="0" err="1" smtClean="0"/>
+              <a:t>swingup</a:t>
+            </a:r>
+            <a:r>
+              <a:rPr lang="en-US" dirty="0" smtClean="0"/>
+              <a:t>… real system)</a:t>
+            </a:r>
+          </a:p>
+          <a:p>
+            <a:pPr marL="0" indent="0">
+              <a:buNone/>
+            </a:pPr>
+            <a:endParaRPr lang="en-US" dirty="0" smtClean="0"/>
+          </a:p>
+          <a:p>
+            <a:pPr marL="0" indent="0">
+              <a:buNone/>
+            </a:pPr>
+            <a:r>
+              <a:rPr lang="en-US" dirty="0" smtClean="0">
+                <a:hlinkClick r:id="rId3"/>
+              </a:rPr>
+              <a:t>http://www.youtube.com/watch?v=oWKmgxZC5vk</a:t>
+            </a:r>
+            <a:r>
+              <a:rPr lang="en-US" dirty="0" smtClean="0"/>
+              <a:t> (unicycle in simulation)</a:t>
+            </a:r>
+          </a:p>
+          <a:p>
+            <a:pPr marL="0" indent="0">
+              <a:buNone/>
+            </a:pPr>
+            <a:endParaRPr lang="en-US" dirty="0"/>
+          </a:p>
+        </p:txBody>
+      </p:sp>
+    </p:spTree>
+    <p:extLst>
+      <p:ext uri="{BB962C8B-B14F-4D97-AF65-F5344CB8AC3E}">
+        <p14:creationId xmlns:p14="http://schemas.microsoft.com/office/powerpoint/2010/main" val="363349358"/>
+      </p:ext>
+    </p:extLst>
+  </p:cSld>
+  <p:clrMapOvr>
+    <a:masterClrMapping/>
+  </p:clrMapOvr>
+  <p:timing>
+    <p:tnLst>
+      <p:par>
+        <p:cTn xmlns:p14="http://schemas.microsoft.com/office/powerpoint/2010/main" id="1" dur="indefinite" restart="never" nodeType="tmRoot"/>
+      </p:par>
+    </p:tnLst>
+  </p:timing>
+</p:sld>
+</file>
+
+<file path=ppt/slides/slide31.xml><?xml version="1.0" encoding="utf-8"?>
 <p:sld xmlns:a="http://schemas.openxmlformats.org/drawingml/2006/main" xmlns:r="http://schemas.openxmlformats.org/officeDocument/2006/relationships" xmlns:p="http://schemas.openxmlformats.org/presentationml/2006/main">
   <p:cSld>
     <p:spTree>

--- a/machine_learning_lecture_1/slides_ml_01.pptx
+++ b/machine_learning_lecture_1/slides_ml_01.pptx
@@ -5,7 +5,7 @@
     <p:sldMasterId id="2147483648" r:id="rId1"/>
   </p:sldMasterIdLst>
   <p:notesMasterIdLst>
-    <p:notesMasterId r:id="rId33"/>
+    <p:notesMasterId r:id="rId35"/>
   </p:notesMasterIdLst>
   <p:sldIdLst>
     <p:sldId id="256" r:id="rId2"/>
@@ -27,18 +27,20 @@
     <p:sldId id="275" r:id="rId18"/>
     <p:sldId id="276" r:id="rId19"/>
     <p:sldId id="282" r:id="rId20"/>
-    <p:sldId id="283" r:id="rId21"/>
-    <p:sldId id="284" r:id="rId22"/>
-    <p:sldId id="277" r:id="rId23"/>
-    <p:sldId id="279" r:id="rId24"/>
-    <p:sldId id="281" r:id="rId25"/>
-    <p:sldId id="285" r:id="rId26"/>
-    <p:sldId id="292" r:id="rId27"/>
-    <p:sldId id="286" r:id="rId28"/>
-    <p:sldId id="288" r:id="rId29"/>
-    <p:sldId id="289" r:id="rId30"/>
-    <p:sldId id="290" r:id="rId31"/>
-    <p:sldId id="291" r:id="rId32"/>
+    <p:sldId id="294" r:id="rId21"/>
+    <p:sldId id="283" r:id="rId22"/>
+    <p:sldId id="284" r:id="rId23"/>
+    <p:sldId id="277" r:id="rId24"/>
+    <p:sldId id="279" r:id="rId25"/>
+    <p:sldId id="295" r:id="rId26"/>
+    <p:sldId id="281" r:id="rId27"/>
+    <p:sldId id="285" r:id="rId28"/>
+    <p:sldId id="292" r:id="rId29"/>
+    <p:sldId id="286" r:id="rId30"/>
+    <p:sldId id="288" r:id="rId31"/>
+    <p:sldId id="289" r:id="rId32"/>
+    <p:sldId id="290" r:id="rId33"/>
+    <p:sldId id="291" r:id="rId34"/>
   </p:sldIdLst>
   <p:sldSz cx="9144000" cy="6858000" type="screen4x3"/>
   <p:notesSz cx="6858000" cy="9144000"/>
@@ -222,7 +224,7 @@
           <a:p>
             <a:fld id="{6CE736CB-6BFB-CC4D-8519-E65C5CD91E92}" type="datetimeFigureOut">
               <a:rPr lang="en-US" smtClean="0"/>
-              <a:t>9/3/14</a:t>
+              <a:t>9/5/14</a:t>
             </a:fld>
             <a:endParaRPr lang="en-US"/>
           </a:p>
@@ -1023,7 +1025,7 @@
           <a:p>
             <a:fld id="{72CC8525-046B-724F-92F9-877C0A5338DD}" type="slidenum">
               <a:rPr lang="en-US" smtClean="0"/>
-              <a:t>20</a:t>
+              <a:t>21</a:t>
             </a:fld>
             <a:endParaRPr lang="en-US"/>
           </a:p>
@@ -1129,7 +1131,7 @@
           <a:p>
             <a:fld id="{72CC8525-046B-724F-92F9-877C0A5338DD}" type="slidenum">
               <a:rPr lang="en-US" smtClean="0"/>
-              <a:t>23</a:t>
+              <a:t>24</a:t>
             </a:fld>
             <a:endParaRPr lang="en-US"/>
           </a:p>
@@ -1194,11 +1196,15 @@
           <a:p>
             <a:r>
               <a:rPr lang="en-US" dirty="0" smtClean="0"/>
-              <a:t>Note: some noise in the graph.</a:t>
+              <a:t>This is from MNIST.  Say a bit about the problem.  10-way classification based on 8x8 gray scale </a:t>
+            </a:r>
+            <a:r>
+              <a:rPr lang="en-US" dirty="0" err="1" smtClean="0"/>
+              <a:t>handdrawn</a:t>
             </a:r>
             <a:r>
               <a:rPr lang="en-US" baseline="0" dirty="0" smtClean="0"/>
-              <a:t>  They will play around with this first hand in the lab.</a:t>
+              <a:t> images</a:t>
             </a:r>
             <a:endParaRPr lang="en-US" dirty="0"/>
           </a:p>
@@ -1221,7 +1227,99 @@
           <a:p>
             <a:fld id="{72CC8525-046B-724F-92F9-877C0A5338DD}" type="slidenum">
               <a:rPr lang="en-US" smtClean="0"/>
-              <a:t>24</a:t>
+              <a:t>25</a:t>
+            </a:fld>
+            <a:endParaRPr lang="en-US"/>
+          </a:p>
+        </p:txBody>
+      </p:sp>
+    </p:spTree>
+    <p:extLst>
+      <p:ext uri="{BB962C8B-B14F-4D97-AF65-F5344CB8AC3E}">
+        <p14:creationId xmlns:p14="http://schemas.microsoft.com/office/powerpoint/2010/main" val="3261044446"/>
+      </p:ext>
+    </p:extLst>
+  </p:cSld>
+  <p:clrMapOvr>
+    <a:masterClrMapping/>
+  </p:clrMapOvr>
+</p:notes>
+</file>
+
+<file path=ppt/notesSlides/notesSlide17.xml><?xml version="1.0" encoding="utf-8"?>
+<p:notes xmlns:a="http://schemas.openxmlformats.org/drawingml/2006/main" xmlns:r="http://schemas.openxmlformats.org/officeDocument/2006/relationships" xmlns:p="http://schemas.openxmlformats.org/presentationml/2006/main">
+  <p:cSld>
+    <p:spTree>
+      <p:nvGrpSpPr>
+        <p:cNvPr id="1" name=""/>
+        <p:cNvGrpSpPr/>
+        <p:nvPr/>
+      </p:nvGrpSpPr>
+      <p:grpSpPr>
+        <a:xfrm>
+          <a:off x="0" y="0"/>
+          <a:ext cx="0" cy="0"/>
+          <a:chOff x="0" y="0"/>
+          <a:chExt cx="0" cy="0"/>
+        </a:xfrm>
+      </p:grpSpPr>
+      <p:sp>
+        <p:nvSpPr>
+          <p:cNvPr id="2" name="Slide Image Placeholder 1"/>
+          <p:cNvSpPr>
+            <a:spLocks noGrp="1" noRot="1" noChangeAspect="1"/>
+          </p:cNvSpPr>
+          <p:nvPr>
+            <p:ph type="sldImg"/>
+          </p:nvPr>
+        </p:nvSpPr>
+        <p:spPr/>
+      </p:sp>
+      <p:sp>
+        <p:nvSpPr>
+          <p:cNvPr id="3" name="Notes Placeholder 2"/>
+          <p:cNvSpPr>
+            <a:spLocks noGrp="1"/>
+          </p:cNvSpPr>
+          <p:nvPr>
+            <p:ph type="body" idx="1"/>
+          </p:nvPr>
+        </p:nvSpPr>
+        <p:spPr/>
+        <p:txBody>
+          <a:bodyPr/>
+          <a:lstStyle/>
+          <a:p>
+            <a:r>
+              <a:rPr lang="en-US" dirty="0" smtClean="0"/>
+              <a:t>Note: some noise in the graph.</a:t>
+            </a:r>
+            <a:r>
+              <a:rPr lang="en-US" baseline="0" dirty="0" smtClean="0"/>
+              <a:t>  They will play around with this first hand in the lab.  Make sure to highlight the left side of the graph as being particularly bad</a:t>
+            </a:r>
+            <a:endParaRPr lang="en-US" dirty="0"/>
+          </a:p>
+        </p:txBody>
+      </p:sp>
+      <p:sp>
+        <p:nvSpPr>
+          <p:cNvPr id="4" name="Slide Number Placeholder 3"/>
+          <p:cNvSpPr>
+            <a:spLocks noGrp="1"/>
+          </p:cNvSpPr>
+          <p:nvPr>
+            <p:ph type="sldNum" sz="quarter" idx="10"/>
+          </p:nvPr>
+        </p:nvSpPr>
+        <p:spPr/>
+        <p:txBody>
+          <a:bodyPr/>
+          <a:lstStyle/>
+          <a:p>
+            <a:fld id="{72CC8525-046B-724F-92F9-877C0A5338DD}" type="slidenum">
+              <a:rPr lang="en-US" smtClean="0"/>
+              <a:t>26</a:t>
             </a:fld>
             <a:endParaRPr lang="en-US"/>
           </a:p>
@@ -1290,7 +1388,11 @@
             </a:r>
             <a:r>
               <a:rPr lang="en-US" baseline="0" dirty="0" smtClean="0"/>
-              <a:t> say that the filters in the middle encode a bunch of image characteristics that could possibly be related to the task of smile detection.  You give the system a lot of potential choices and you let the algorithm sort it out.</a:t>
+              <a:t> say that the filters in the middle encode a bunch of image characteristics that could possibly be related to the task of smile detection.  You give the system a lot of potential choices and you let the algorithm sort it out</a:t>
+            </a:r>
+            <a:r>
+              <a:rPr lang="en-US" baseline="0" dirty="0" smtClean="0"/>
+              <a:t>.  You are basically automating the manual process using math!  The data acts as sort of a proxy for your prior knowledge / intuition about the problem.</a:t>
             </a:r>
             <a:endParaRPr lang="en-US" dirty="0"/>
           </a:p>
@@ -2218,7 +2320,7 @@
           <a:p>
             <a:fld id="{BDB3B34D-4355-6547-9B6C-E44F7A530BB2}" type="datetimeFigureOut">
               <a:rPr lang="en-US" smtClean="0"/>
-              <a:t>9/3/14</a:t>
+              <a:t>9/5/14</a:t>
             </a:fld>
             <a:endParaRPr lang="en-US"/>
           </a:p>
@@ -2388,7 +2490,7 @@
           <a:p>
             <a:fld id="{BDB3B34D-4355-6547-9B6C-E44F7A530BB2}" type="datetimeFigureOut">
               <a:rPr lang="en-US" smtClean="0"/>
-              <a:t>9/3/14</a:t>
+              <a:t>9/5/14</a:t>
             </a:fld>
             <a:endParaRPr lang="en-US"/>
           </a:p>
@@ -2568,7 +2670,7 @@
           <a:p>
             <a:fld id="{BDB3B34D-4355-6547-9B6C-E44F7A530BB2}" type="datetimeFigureOut">
               <a:rPr lang="en-US" smtClean="0"/>
-              <a:t>9/3/14</a:t>
+              <a:t>9/5/14</a:t>
             </a:fld>
             <a:endParaRPr lang="en-US"/>
           </a:p>
@@ -2738,7 +2840,7 @@
           <a:p>
             <a:fld id="{BDB3B34D-4355-6547-9B6C-E44F7A530BB2}" type="datetimeFigureOut">
               <a:rPr lang="en-US" smtClean="0"/>
-              <a:t>9/3/14</a:t>
+              <a:t>9/5/14</a:t>
             </a:fld>
             <a:endParaRPr lang="en-US"/>
           </a:p>
@@ -2984,7 +3086,7 @@
           <a:p>
             <a:fld id="{BDB3B34D-4355-6547-9B6C-E44F7A530BB2}" type="datetimeFigureOut">
               <a:rPr lang="en-US" smtClean="0"/>
-              <a:t>9/3/14</a:t>
+              <a:t>9/5/14</a:t>
             </a:fld>
             <a:endParaRPr lang="en-US"/>
           </a:p>
@@ -3272,7 +3374,7 @@
           <a:p>
             <a:fld id="{BDB3B34D-4355-6547-9B6C-E44F7A530BB2}" type="datetimeFigureOut">
               <a:rPr lang="en-US" smtClean="0"/>
-              <a:t>9/3/14</a:t>
+              <a:t>9/5/14</a:t>
             </a:fld>
             <a:endParaRPr lang="en-US"/>
           </a:p>
@@ -3694,7 +3796,7 @@
           <a:p>
             <a:fld id="{BDB3B34D-4355-6547-9B6C-E44F7A530BB2}" type="datetimeFigureOut">
               <a:rPr lang="en-US" smtClean="0"/>
-              <a:t>9/3/14</a:t>
+              <a:t>9/5/14</a:t>
             </a:fld>
             <a:endParaRPr lang="en-US"/>
           </a:p>
@@ -3812,7 +3914,7 @@
           <a:p>
             <a:fld id="{BDB3B34D-4355-6547-9B6C-E44F7A530BB2}" type="datetimeFigureOut">
               <a:rPr lang="en-US" smtClean="0"/>
-              <a:t>9/3/14</a:t>
+              <a:t>9/5/14</a:t>
             </a:fld>
             <a:endParaRPr lang="en-US"/>
           </a:p>
@@ -3907,7 +4009,7 @@
           <a:p>
             <a:fld id="{BDB3B34D-4355-6547-9B6C-E44F7A530BB2}" type="datetimeFigureOut">
               <a:rPr lang="en-US" smtClean="0"/>
-              <a:t>9/3/14</a:t>
+              <a:t>9/5/14</a:t>
             </a:fld>
             <a:endParaRPr lang="en-US"/>
           </a:p>
@@ -4184,7 +4286,7 @@
           <a:p>
             <a:fld id="{BDB3B34D-4355-6547-9B6C-E44F7A530BB2}" type="datetimeFigureOut">
               <a:rPr lang="en-US" smtClean="0"/>
-              <a:t>9/3/14</a:t>
+              <a:t>9/5/14</a:t>
             </a:fld>
             <a:endParaRPr lang="en-US"/>
           </a:p>
@@ -4437,7 +4539,7 @@
           <a:p>
             <a:fld id="{BDB3B34D-4355-6547-9B6C-E44F7A530BB2}" type="datetimeFigureOut">
               <a:rPr lang="en-US" smtClean="0"/>
-              <a:t>9/3/14</a:t>
+              <a:t>9/5/14</a:t>
             </a:fld>
             <a:endParaRPr lang="en-US"/>
           </a:p>
@@ -4650,7 +4752,7 @@
           <a:p>
             <a:fld id="{BDB3B34D-4355-6547-9B6C-E44F7A530BB2}" type="datetimeFigureOut">
               <a:rPr lang="en-US" smtClean="0"/>
-              <a:t>9/3/14</a:t>
+              <a:t>9/5/14</a:t>
             </a:fld>
             <a:endParaRPr lang="en-US"/>
           </a:p>
@@ -5127,19 +5229,7 @@
           <a:p>
             <a:r>
               <a:rPr lang="en-US" dirty="0" smtClean="0"/>
-              <a:t>Other Machin</a:t>
-            </a:r>
-            <a:r>
-              <a:rPr lang="en-US" dirty="0" smtClean="0"/>
-              <a:t>e Learning Successes: </a:t>
-            </a:r>
-            <a:r>
-              <a:rPr lang="en-US" dirty="0" smtClean="0"/>
-              <a:t>Machine </a:t>
-            </a:r>
-            <a:r>
-              <a:rPr lang="en-US" dirty="0" smtClean="0"/>
-              <a:t>Learning in </a:t>
+              <a:t>Other Machine Learning Successes: Machine Learning in </a:t>
             </a:r>
             <a:r>
               <a:rPr lang="en-US" dirty="0" err="1" smtClean="0"/>
@@ -5347,6 +5437,13 @@
   <p:clrMapOvr>
     <a:masterClrMapping/>
   </p:clrMapOvr>
+  <p:timing>
+    <p:tnLst>
+      <p:par>
+        <p:cTn xmlns:p14="http://schemas.microsoft.com/office/powerpoint/2010/main" id="1" dur="indefinite" restart="never" nodeType="tmRoot"/>
+      </p:par>
+    </p:tnLst>
+  </p:timing>
 </p:sld>
 </file>
 
@@ -5403,47 +5500,88 @@
         <p:spPr/>
         <p:txBody>
           <a:bodyPr>
-            <a:normAutofit lnSpcReduction="10000"/>
+            <a:normAutofit/>
           </a:bodyPr>
           <a:lstStyle/>
           <a:p>
             <a:r>
               <a:rPr lang="en-US" dirty="0" smtClean="0"/>
-              <a:t>Successfully applying machine learning is not nearly as easy as these successes make it seem</a:t>
-            </a:r>
-          </a:p>
-          <a:p>
-            <a:r>
-              <a:rPr lang="en-US" dirty="0" smtClean="0"/>
-              <a:t>Key skills for successful machine learning</a:t>
-            </a:r>
+              <a:t>Successfully applying machine learning is not </a:t>
+            </a:r>
+            <a:r>
+              <a:rPr lang="en-US" dirty="0" smtClean="0"/>
+              <a:t>as </a:t>
+            </a:r>
+            <a:r>
+              <a:rPr lang="en-US" dirty="0" smtClean="0"/>
+              <a:t>easy as these successes make it seem</a:t>
+            </a:r>
+          </a:p>
+          <a:p>
+            <a:r>
+              <a:rPr lang="en-US" dirty="0" smtClean="0"/>
+              <a:t>Key </a:t>
+            </a:r>
+            <a:r>
+              <a:rPr lang="en-US" dirty="0" smtClean="0"/>
+              <a:t>challenges</a:t>
+            </a:r>
+            <a:endParaRPr lang="en-US" dirty="0" smtClean="0"/>
           </a:p>
           <a:p>
             <a:pPr lvl="1"/>
             <a:r>
               <a:rPr lang="en-US" dirty="0" smtClean="0"/>
-              <a:t>Choose the right data</a:t>
+              <a:t>Choosing </a:t>
+            </a:r>
+            <a:r>
+              <a:rPr lang="en-US" dirty="0" smtClean="0"/>
+              <a:t>the right data</a:t>
             </a:r>
           </a:p>
           <a:p>
             <a:pPr lvl="1"/>
             <a:r>
               <a:rPr lang="en-US" dirty="0" smtClean="0"/>
-              <a:t>Pick the right technique</a:t>
+              <a:t>Choosing</a:t>
+            </a:r>
+            <a:r>
+              <a:rPr lang="en-US" dirty="0" smtClean="0"/>
+              <a:t> </a:t>
+            </a:r>
+            <a:r>
+              <a:rPr lang="en-US" dirty="0" smtClean="0"/>
+              <a:t>the right technique</a:t>
             </a:r>
           </a:p>
           <a:p>
             <a:pPr lvl="1"/>
             <a:r>
               <a:rPr lang="en-US" dirty="0" smtClean="0"/>
-              <a:t>Ability to rigorously evaluate an approach</a:t>
+              <a:t>Rigorously </a:t>
+            </a:r>
+            <a:r>
+              <a:rPr lang="en-US" dirty="0" smtClean="0"/>
+              <a:t>evaluate an approach</a:t>
             </a:r>
           </a:p>
           <a:p>
             <a:pPr lvl="1"/>
             <a:r>
               <a:rPr lang="en-US" dirty="0" smtClean="0"/>
-              <a:t>Ability to debug / refine your approach if it doesn’t work satisfactorily</a:t>
+              <a:t>Debugging </a:t>
+            </a:r>
+            <a:r>
+              <a:rPr lang="en-US" dirty="0" smtClean="0"/>
+              <a:t>/ </a:t>
+            </a:r>
+            <a:r>
+              <a:rPr lang="en-US" dirty="0" smtClean="0"/>
+              <a:t>refining </a:t>
+            </a:r>
+            <a:r>
+              <a:rPr lang="en-US" dirty="0" smtClean="0"/>
+              <a:t>your approach if it doesn’t work satisfactorily</a:t>
             </a:r>
           </a:p>
         </p:txBody>
@@ -5458,6 +5596,13 @@
   <p:clrMapOvr>
     <a:masterClrMapping/>
   </p:clrMapOvr>
+  <p:timing>
+    <p:tnLst>
+      <p:par>
+        <p:cTn xmlns:p14="http://schemas.microsoft.com/office/powerpoint/2010/main" id="1" dur="indefinite" restart="never" nodeType="tmRoot"/>
+      </p:par>
+    </p:tnLst>
+  </p:timing>
 </p:sld>
 </file>
 
@@ -5637,8 +5782,8 @@
         </p:nvSpPr>
         <p:spPr>
           <a:xfrm>
-            <a:off x="6888339" y="2582291"/>
-            <a:ext cx="1798461" cy="1200329"/>
+            <a:off x="6608734" y="2477184"/>
+            <a:ext cx="2535266" cy="646331"/>
           </a:xfrm>
           <a:prstGeom prst="rect">
             <a:avLst/>
@@ -5667,8 +5812,8 @@
         </p:nvCxnSpPr>
         <p:spPr>
           <a:xfrm flipH="1" flipV="1">
-            <a:off x="5813778" y="2122488"/>
-            <a:ext cx="1227666" cy="558623"/>
+            <a:off x="5813778" y="2122489"/>
+            <a:ext cx="593696" cy="558622"/>
           </a:xfrm>
           <a:prstGeom prst="straightConnector1">
             <a:avLst/>
@@ -5787,11 +5932,85 @@
           <a:p>
             <a:r>
               <a:rPr lang="en-US" sz="3600" dirty="0" smtClean="0"/>
-              <a:t>Such that “f” accurately predicts the output y given the input x on </a:t>
+              <a:t>Such that “f” accurately predicts the output y given the input x </a:t>
+            </a:r>
+            <a:r>
+              <a:rPr lang="en-US" sz="3600" dirty="0" smtClean="0"/>
+              <a:t>for </a:t>
             </a:r>
             <a:r>
               <a:rPr lang="en-US" sz="3600" b="1" dirty="0" smtClean="0"/>
-              <a:t>new data</a:t>
+              <a:t>new </a:t>
+            </a:r>
+            <a:r>
+              <a:rPr lang="en-US" sz="3600" b="1" dirty="0" smtClean="0"/>
+              <a:t>data</a:t>
+            </a:r>
+            <a:endParaRPr lang="en-US" sz="3600" dirty="0"/>
+          </a:p>
+        </p:txBody>
+      </p:sp>
+      <p:cxnSp>
+        <p:nvCxnSpPr>
+          <p:cNvPr id="15" name="Straight Arrow Connector 14"/>
+          <p:cNvCxnSpPr/>
+          <p:nvPr/>
+        </p:nvCxnSpPr>
+        <p:spPr>
+          <a:xfrm flipH="1" flipV="1">
+            <a:off x="4805606" y="3535424"/>
+            <a:ext cx="1385400" cy="248784"/>
+          </a:xfrm>
+          <a:prstGeom prst="straightConnector1">
+            <a:avLst/>
+          </a:prstGeom>
+          <a:ln>
+            <a:solidFill>
+              <a:schemeClr val="tx1"/>
+            </a:solidFill>
+            <a:tailEnd type="arrow"/>
+          </a:ln>
+        </p:spPr>
+        <p:style>
+          <a:lnRef idx="2">
+            <a:schemeClr val="accent1"/>
+          </a:lnRef>
+          <a:fillRef idx="0">
+            <a:schemeClr val="accent1"/>
+          </a:fillRef>
+          <a:effectRef idx="1">
+            <a:schemeClr val="accent1"/>
+          </a:effectRef>
+          <a:fontRef idx="minor">
+            <a:schemeClr val="tx1"/>
+          </a:fontRef>
+        </p:style>
+      </p:cxnSp>
+      <p:sp>
+        <p:nvSpPr>
+          <p:cNvPr id="17" name="TextBox 16"/>
+          <p:cNvSpPr txBox="1"/>
+          <p:nvPr/>
+        </p:nvSpPr>
+        <p:spPr>
+          <a:xfrm>
+            <a:off x="6374239" y="3361820"/>
+            <a:ext cx="2535266" cy="646331"/>
+          </a:xfrm>
+          <a:prstGeom prst="rect">
+            <a:avLst/>
+          </a:prstGeom>
+          <a:noFill/>
+        </p:spPr>
+        <p:txBody>
+          <a:bodyPr wrap="square" rtlCol="0">
+            <a:spAutoFit/>
+          </a:bodyPr>
+          <a:lstStyle/>
+          <a:p>
+            <a:r>
+              <a:rPr lang="en-US" sz="3600" dirty="0" smtClean="0"/>
+              <a:t>Output set</a:t>
             </a:r>
             <a:endParaRPr lang="en-US" sz="3600" dirty="0"/>
           </a:p>
@@ -5900,7 +6119,7 @@
                             </p:stCondLst>
                             <p:childTnLst>
                               <p:par>
-                                <p:cTn id="11" presetID="1" presetClass="entr" presetSubtype="0" fill="hold" nodeType="clickEffect">
+                                <p:cTn id="11" presetID="1" presetClass="entr" presetSubtype="0" fill="hold" grpId="0" nodeType="clickEffect">
                                   <p:stCondLst>
                                     <p:cond delay="0"/>
                                   </p:stCondLst>
@@ -5908,6 +6127,33 @@
                                     <p:set>
                                       <p:cBhvr>
                                         <p:cTn id="12" dur="1" fill="hold">
+                                          <p:stCondLst>
+                                            <p:cond delay="0"/>
+                                          </p:stCondLst>
+                                        </p:cTn>
+                                        <p:tgtEl>
+                                          <p:spTgt spid="12"/>
+                                        </p:tgtEl>
+                                        <p:attrNameLst>
+                                          <p:attrName>style.visibility</p:attrName>
+                                        </p:attrNameLst>
+                                      </p:cBhvr>
+                                      <p:to>
+                                        <p:strVal val="visible"/>
+                                      </p:to>
+                                    </p:set>
+                                  </p:childTnLst>
+                                </p:cTn>
+                              </p:par>
+                              <p:par>
+                                <p:cTn id="13" presetID="1" presetClass="entr" presetSubtype="0" fill="hold" nodeType="withEffect">
+                                  <p:stCondLst>
+                                    <p:cond delay="0"/>
+                                  </p:stCondLst>
+                                  <p:childTnLst>
+                                    <p:set>
+                                      <p:cBhvr>
+                                        <p:cTn id="14" dur="1" fill="hold">
                                           <p:stCondLst>
                                             <p:cond delay="0"/>
                                           </p:stCondLst>
@@ -5927,20 +6173,47 @@
                                 </p:cTn>
                               </p:par>
                               <p:par>
-                                <p:cTn id="13" presetID="1" presetClass="entr" presetSubtype="0" fill="hold" grpId="0" nodeType="withEffect">
+                                <p:cTn id="15" presetID="1" presetClass="entr" presetSubtype="0" fill="hold" nodeType="withEffect">
                                   <p:stCondLst>
                                     <p:cond delay="0"/>
                                   </p:stCondLst>
                                   <p:childTnLst>
                                     <p:set>
                                       <p:cBhvr>
-                                        <p:cTn id="14" dur="1" fill="hold">
+                                        <p:cTn id="16" dur="1" fill="hold">
                                           <p:stCondLst>
                                             <p:cond delay="0"/>
                                           </p:stCondLst>
                                         </p:cTn>
                                         <p:tgtEl>
-                                          <p:spTgt spid="12"/>
+                                          <p:spTgt spid="15"/>
+                                        </p:tgtEl>
+                                        <p:attrNameLst>
+                                          <p:attrName>style.visibility</p:attrName>
+                                        </p:attrNameLst>
+                                      </p:cBhvr>
+                                      <p:to>
+                                        <p:strVal val="visible"/>
+                                      </p:to>
+                                    </p:set>
+                                  </p:childTnLst>
+                                </p:cTn>
+                              </p:par>
+                              <p:par>
+                                <p:cTn id="17" presetID="1" presetClass="entr" presetSubtype="0" fill="hold" grpId="0" nodeType="withEffect">
+                                  <p:stCondLst>
+                                    <p:cond delay="0"/>
+                                  </p:stCondLst>
+                                  <p:childTnLst>
+                                    <p:set>
+                                      <p:cBhvr>
+                                        <p:cTn id="18" dur="1" fill="hold">
+                                          <p:stCondLst>
+                                            <p:cond delay="0"/>
+                                          </p:stCondLst>
+                                        </p:cTn>
+                                        <p:tgtEl>
+                                          <p:spTgt spid="17"/>
                                         </p:tgtEl>
                                         <p:attrNameLst>
                                           <p:attrName>style.visibility</p:attrName>
@@ -5960,26 +6233,26 @@
                     </p:cTn>
                   </p:par>
                   <p:par>
-                    <p:cTn id="15" fill="hold">
+                    <p:cTn id="19" fill="hold">
                       <p:stCondLst>
                         <p:cond delay="indefinite"/>
                       </p:stCondLst>
                       <p:childTnLst>
                         <p:par>
-                          <p:cTn id="16" fill="hold">
+                          <p:cTn id="20" fill="hold">
                             <p:stCondLst>
                               <p:cond delay="0"/>
                             </p:stCondLst>
                             <p:childTnLst>
                               <p:par>
-                                <p:cTn id="17" presetID="1" presetClass="entr" presetSubtype="0" fill="hold" nodeType="clickEffect">
+                                <p:cTn id="21" presetID="1" presetClass="entr" presetSubtype="0" fill="hold" nodeType="clickEffect">
                                   <p:stCondLst>
                                     <p:cond delay="0"/>
                                   </p:stCondLst>
                                   <p:childTnLst>
                                     <p:set>
                                       <p:cBhvr>
-                                        <p:cTn id="18" dur="1" fill="hold">
+                                        <p:cTn id="22" dur="1" fill="hold">
                                           <p:stCondLst>
                                             <p:cond delay="0"/>
                                           </p:stCondLst>
@@ -6032,6 +6305,7 @@
     <p:bldLst>
       <p:bldP spid="9" grpId="0"/>
       <p:bldP spid="12" grpId="0"/>
+      <p:bldP spid="17" grpId="0"/>
     </p:bldLst>
   </p:timing>
 </p:sld>
@@ -6230,6 +6504,13 @@
   <p:clrMapOvr>
     <a:masterClrMapping/>
   </p:clrMapOvr>
+  <p:timing>
+    <p:tnLst>
+      <p:par>
+        <p:cTn xmlns:p14="http://schemas.microsoft.com/office/powerpoint/2010/main" id="1" dur="indefinite" restart="never" nodeType="tmRoot"/>
+      </p:par>
+    </p:tnLst>
+  </p:timing>
 </p:sld>
 </file>
 
@@ -6757,6 +7038,13 @@
   <p:clrMapOvr>
     <a:masterClrMapping/>
   </p:clrMapOvr>
+  <p:timing>
+    <p:tnLst>
+      <p:par>
+        <p:cTn xmlns:p14="http://schemas.microsoft.com/office/powerpoint/2010/main" id="1" dur="indefinite" restart="never" nodeType="tmRoot"/>
+      </p:par>
+    </p:tnLst>
+  </p:timing>
 </p:sld>
 </file>
 
@@ -6839,11 +7127,15 @@
                   <a:srgbClr val="FF0000"/>
                 </a:solidFill>
               </a:rPr>
-              <a:t>Key idea: </a:t>
-            </a:r>
-            <a:r>
-              <a:rPr lang="en-US" dirty="0" smtClean="0"/>
-              <a:t>wouldn’t it be great if we could just show the computer a few examples of the computation we’d like it to perform and it would take care of the rest of us?</a:t>
+              <a:t>But… </a:t>
+            </a:r>
+            <a:r>
+              <a:rPr lang="en-US" dirty="0" smtClean="0"/>
+              <a:t>wouldn’t it </a:t>
+            </a:r>
+            <a:r>
+              <a:rPr lang="en-US" dirty="0" smtClean="0"/>
+              <a:t>be great if we could just show the computer a few examples of the computation we’d like it to perform and it would take care of the rest of us?</a:t>
             </a:r>
           </a:p>
         </p:txBody>
@@ -6861,7 +7153,79 @@
   <p:timing>
     <p:tnLst>
       <p:par>
-        <p:cTn xmlns:p14="http://schemas.microsoft.com/office/powerpoint/2010/main" id="1" dur="indefinite" restart="never" nodeType="tmRoot"/>
+        <p:cTn xmlns:p14="http://schemas.microsoft.com/office/powerpoint/2010/main" id="1" dur="indefinite" restart="never" nodeType="tmRoot">
+          <p:childTnLst>
+            <p:seq concurrent="1" nextAc="seek">
+              <p:cTn id="2" dur="indefinite" nodeType="mainSeq">
+                <p:childTnLst>
+                  <p:par>
+                    <p:cTn id="3" fill="hold">
+                      <p:stCondLst>
+                        <p:cond delay="indefinite"/>
+                      </p:stCondLst>
+                      <p:childTnLst>
+                        <p:par>
+                          <p:cTn id="4" fill="hold">
+                            <p:stCondLst>
+                              <p:cond delay="0"/>
+                            </p:stCondLst>
+                            <p:childTnLst>
+                              <p:par>
+                                <p:cTn id="5" presetID="1" presetClass="entr" presetSubtype="0" fill="hold" nodeType="clickEffect">
+                                  <p:stCondLst>
+                                    <p:cond delay="0"/>
+                                  </p:stCondLst>
+                                  <p:childTnLst>
+                                    <p:set>
+                                      <p:cBhvr>
+                                        <p:cTn id="6" dur="1" fill="hold">
+                                          <p:stCondLst>
+                                            <p:cond delay="0"/>
+                                          </p:stCondLst>
+                                        </p:cTn>
+                                        <p:tgtEl>
+                                          <p:spTgt spid="3">
+                                            <p:txEl>
+                                              <p:pRg st="2" end="2"/>
+                                            </p:txEl>
+                                          </p:spTgt>
+                                        </p:tgtEl>
+                                        <p:attrNameLst>
+                                          <p:attrName>style.visibility</p:attrName>
+                                        </p:attrNameLst>
+                                      </p:cBhvr>
+                                      <p:to>
+                                        <p:strVal val="visible"/>
+                                      </p:to>
+                                    </p:set>
+                                  </p:childTnLst>
+                                </p:cTn>
+                              </p:par>
+                            </p:childTnLst>
+                          </p:cTn>
+                        </p:par>
+                      </p:childTnLst>
+                    </p:cTn>
+                  </p:par>
+                </p:childTnLst>
+              </p:cTn>
+              <p:prevCondLst>
+                <p:cond evt="onPrev" delay="0">
+                  <p:tgtEl>
+                    <p:sldTgt/>
+                  </p:tgtEl>
+                </p:cond>
+              </p:prevCondLst>
+              <p:nextCondLst>
+                <p:cond evt="onNext" delay="0">
+                  <p:tgtEl>
+                    <p:sldTgt/>
+                  </p:tgtEl>
+                </p:cond>
+              </p:nextCondLst>
+            </p:seq>
+          </p:childTnLst>
+        </p:cTn>
       </p:par>
     </p:tnLst>
   </p:timing>
@@ -6897,559 +7261,63 @@
         </p:nvSpPr>
         <p:spPr/>
         <p:txBody>
+          <a:bodyPr>
+            <a:normAutofit fontScale="90000"/>
+          </a:bodyPr>
+          <a:lstStyle/>
+          <a:p>
+            <a:r>
+              <a:rPr lang="en-US" dirty="0" smtClean="0"/>
+              <a:t>If you need more material: add Slides on Perceptron Algorithm</a:t>
+            </a:r>
+            <a:endParaRPr lang="en-US" dirty="0"/>
+          </a:p>
+        </p:txBody>
+      </p:sp>
+      <p:sp>
+        <p:nvSpPr>
+          <p:cNvPr id="3" name="Content Placeholder 2"/>
+          <p:cNvSpPr>
+            <a:spLocks noGrp="1"/>
+          </p:cNvSpPr>
+          <p:nvPr>
+            <p:ph idx="1"/>
+          </p:nvPr>
+        </p:nvSpPr>
+        <p:spPr/>
+        <p:txBody>
           <a:bodyPr/>
           <a:lstStyle/>
           <a:p>
             <a:r>
               <a:rPr lang="en-US" dirty="0" smtClean="0"/>
-              <a:t>What if your Data is Non-Linear?</a:t>
-            </a:r>
-            <a:endParaRPr lang="en-US" dirty="0"/>
-          </a:p>
-        </p:txBody>
-      </p:sp>
-      <p:sp>
-        <p:nvSpPr>
-          <p:cNvPr id="4" name="TextBox 3"/>
-          <p:cNvSpPr txBox="1"/>
-          <p:nvPr/>
-        </p:nvSpPr>
-        <p:spPr>
-          <a:xfrm>
-            <a:off x="2344437" y="1872365"/>
-            <a:ext cx="1102443" cy="646331"/>
-          </a:xfrm>
-          <a:prstGeom prst="rect">
-            <a:avLst/>
-          </a:prstGeom>
-          <a:noFill/>
-        </p:spPr>
-        <p:txBody>
-          <a:bodyPr wrap="square" rtlCol="0">
-            <a:spAutoFit/>
-          </a:bodyPr>
-          <a:lstStyle/>
-          <a:p>
-            <a:r>
-              <a:rPr lang="en-US" sz="3600" dirty="0" smtClean="0">
-                <a:solidFill>
-                  <a:srgbClr val="0000FF"/>
-                </a:solidFill>
-              </a:rPr>
-              <a:t>+</a:t>
-            </a:r>
-            <a:endParaRPr lang="en-US" sz="3600" dirty="0">
-              <a:solidFill>
-                <a:srgbClr val="0000FF"/>
-              </a:solidFill>
-            </a:endParaRPr>
-          </a:p>
-        </p:txBody>
-      </p:sp>
-      <p:sp>
-        <p:nvSpPr>
-          <p:cNvPr id="5" name="TextBox 4"/>
-          <p:cNvSpPr txBox="1"/>
-          <p:nvPr/>
-        </p:nvSpPr>
-        <p:spPr>
-          <a:xfrm>
-            <a:off x="1945615" y="2671096"/>
-            <a:ext cx="1102443" cy="646331"/>
-          </a:xfrm>
-          <a:prstGeom prst="rect">
-            <a:avLst/>
-          </a:prstGeom>
-          <a:noFill/>
-        </p:spPr>
-        <p:txBody>
-          <a:bodyPr wrap="square" rtlCol="0">
-            <a:spAutoFit/>
-          </a:bodyPr>
-          <a:lstStyle/>
-          <a:p>
-            <a:r>
-              <a:rPr lang="en-US" sz="3600" dirty="0" smtClean="0">
-                <a:solidFill>
-                  <a:srgbClr val="0000FF"/>
-                </a:solidFill>
-              </a:rPr>
-              <a:t>+</a:t>
-            </a:r>
-            <a:endParaRPr lang="en-US" sz="3600" dirty="0">
-              <a:solidFill>
-                <a:srgbClr val="0000FF"/>
-              </a:solidFill>
-            </a:endParaRPr>
-          </a:p>
-        </p:txBody>
-      </p:sp>
-      <p:sp>
-        <p:nvSpPr>
-          <p:cNvPr id="6" name="TextBox 5"/>
-          <p:cNvSpPr txBox="1"/>
-          <p:nvPr/>
-        </p:nvSpPr>
-        <p:spPr>
-          <a:xfrm>
-            <a:off x="2344437" y="3786512"/>
-            <a:ext cx="1102443" cy="646331"/>
-          </a:xfrm>
-          <a:prstGeom prst="rect">
-            <a:avLst/>
-          </a:prstGeom>
-          <a:noFill/>
-        </p:spPr>
-        <p:txBody>
-          <a:bodyPr wrap="square" rtlCol="0">
-            <a:spAutoFit/>
-          </a:bodyPr>
-          <a:lstStyle/>
-          <a:p>
-            <a:r>
-              <a:rPr lang="en-US" sz="3600" dirty="0" smtClean="0">
-                <a:solidFill>
-                  <a:srgbClr val="0000FF"/>
-                </a:solidFill>
-              </a:rPr>
-              <a:t>+</a:t>
-            </a:r>
-            <a:endParaRPr lang="en-US" sz="3600" dirty="0">
-              <a:solidFill>
-                <a:srgbClr val="0000FF"/>
-              </a:solidFill>
-            </a:endParaRPr>
-          </a:p>
-        </p:txBody>
-      </p:sp>
-      <p:sp>
-        <p:nvSpPr>
-          <p:cNvPr id="7" name="TextBox 6"/>
-          <p:cNvSpPr txBox="1"/>
-          <p:nvPr/>
-        </p:nvSpPr>
-        <p:spPr>
-          <a:xfrm>
-            <a:off x="3048058" y="4630221"/>
-            <a:ext cx="1102443" cy="646331"/>
-          </a:xfrm>
-          <a:prstGeom prst="rect">
-            <a:avLst/>
-          </a:prstGeom>
-          <a:noFill/>
-        </p:spPr>
-        <p:txBody>
-          <a:bodyPr wrap="square" rtlCol="0">
-            <a:spAutoFit/>
-          </a:bodyPr>
-          <a:lstStyle/>
-          <a:p>
-            <a:r>
-              <a:rPr lang="en-US" sz="3600" dirty="0" smtClean="0">
-                <a:solidFill>
-                  <a:srgbClr val="0000FF"/>
-                </a:solidFill>
-              </a:rPr>
-              <a:t>+</a:t>
-            </a:r>
-            <a:endParaRPr lang="en-US" sz="3600" dirty="0">
-              <a:solidFill>
-                <a:srgbClr val="0000FF"/>
-              </a:solidFill>
-            </a:endParaRPr>
-          </a:p>
-        </p:txBody>
-      </p:sp>
-      <p:sp>
-        <p:nvSpPr>
-          <p:cNvPr id="8" name="TextBox 7"/>
-          <p:cNvSpPr txBox="1"/>
-          <p:nvPr/>
-        </p:nvSpPr>
-        <p:spPr>
-          <a:xfrm>
-            <a:off x="4428496" y="4667546"/>
-            <a:ext cx="1102443" cy="646331"/>
-          </a:xfrm>
-          <a:prstGeom prst="rect">
-            <a:avLst/>
-          </a:prstGeom>
-          <a:noFill/>
-        </p:spPr>
-        <p:txBody>
-          <a:bodyPr wrap="square" rtlCol="0">
-            <a:spAutoFit/>
-          </a:bodyPr>
-          <a:lstStyle/>
-          <a:p>
-            <a:r>
-              <a:rPr lang="en-US" sz="3600" dirty="0" smtClean="0">
-                <a:solidFill>
-                  <a:srgbClr val="0000FF"/>
-                </a:solidFill>
-              </a:rPr>
-              <a:t>+</a:t>
-            </a:r>
-            <a:endParaRPr lang="en-US" sz="3600" dirty="0">
-              <a:solidFill>
-                <a:srgbClr val="0000FF"/>
-              </a:solidFill>
-            </a:endParaRPr>
-          </a:p>
-        </p:txBody>
-      </p:sp>
-      <p:sp>
-        <p:nvSpPr>
-          <p:cNvPr id="9" name="TextBox 8"/>
-          <p:cNvSpPr txBox="1"/>
-          <p:nvPr/>
-        </p:nvSpPr>
-        <p:spPr>
-          <a:xfrm>
-            <a:off x="5530939" y="4109677"/>
-            <a:ext cx="1102443" cy="646331"/>
-          </a:xfrm>
-          <a:prstGeom prst="rect">
-            <a:avLst/>
-          </a:prstGeom>
-          <a:noFill/>
-        </p:spPr>
-        <p:txBody>
-          <a:bodyPr wrap="square" rtlCol="0">
-            <a:spAutoFit/>
-          </a:bodyPr>
-          <a:lstStyle/>
-          <a:p>
-            <a:r>
-              <a:rPr lang="en-US" sz="3600" dirty="0" smtClean="0">
-                <a:solidFill>
-                  <a:srgbClr val="0000FF"/>
-                </a:solidFill>
-              </a:rPr>
-              <a:t>+</a:t>
-            </a:r>
-            <a:endParaRPr lang="en-US" sz="3600" dirty="0">
-              <a:solidFill>
-                <a:srgbClr val="0000FF"/>
-              </a:solidFill>
-            </a:endParaRPr>
-          </a:p>
-        </p:txBody>
-      </p:sp>
-      <p:sp>
-        <p:nvSpPr>
-          <p:cNvPr id="10" name="TextBox 9"/>
-          <p:cNvSpPr txBox="1"/>
-          <p:nvPr/>
-        </p:nvSpPr>
-        <p:spPr>
-          <a:xfrm>
-            <a:off x="6082160" y="3159405"/>
-            <a:ext cx="1102443" cy="646331"/>
-          </a:xfrm>
-          <a:prstGeom prst="rect">
-            <a:avLst/>
-          </a:prstGeom>
-          <a:noFill/>
-        </p:spPr>
-        <p:txBody>
-          <a:bodyPr wrap="square" rtlCol="0">
-            <a:spAutoFit/>
-          </a:bodyPr>
-          <a:lstStyle/>
-          <a:p>
-            <a:r>
-              <a:rPr lang="en-US" sz="3600" dirty="0" smtClean="0">
-                <a:solidFill>
-                  <a:srgbClr val="0000FF"/>
-                </a:solidFill>
-              </a:rPr>
-              <a:t>+</a:t>
-            </a:r>
-            <a:endParaRPr lang="en-US" sz="3600" dirty="0">
-              <a:solidFill>
-                <a:srgbClr val="0000FF"/>
-              </a:solidFill>
-            </a:endParaRPr>
-          </a:p>
-        </p:txBody>
-      </p:sp>
-      <p:sp>
-        <p:nvSpPr>
-          <p:cNvPr id="11" name="TextBox 10"/>
-          <p:cNvSpPr txBox="1"/>
-          <p:nvPr/>
-        </p:nvSpPr>
-        <p:spPr>
-          <a:xfrm>
-            <a:off x="5397262" y="2024765"/>
-            <a:ext cx="1102443" cy="646331"/>
-          </a:xfrm>
-          <a:prstGeom prst="rect">
-            <a:avLst/>
-          </a:prstGeom>
-          <a:noFill/>
-        </p:spPr>
-        <p:txBody>
-          <a:bodyPr wrap="square" rtlCol="0">
-            <a:spAutoFit/>
-          </a:bodyPr>
-          <a:lstStyle/>
-          <a:p>
-            <a:r>
-              <a:rPr lang="en-US" sz="3600" dirty="0" smtClean="0">
-                <a:solidFill>
-                  <a:srgbClr val="0000FF"/>
-                </a:solidFill>
-              </a:rPr>
-              <a:t>+</a:t>
-            </a:r>
-            <a:endParaRPr lang="en-US" sz="3600" dirty="0">
-              <a:solidFill>
-                <a:srgbClr val="0000FF"/>
-              </a:solidFill>
-            </a:endParaRPr>
-          </a:p>
-        </p:txBody>
-      </p:sp>
-      <p:sp>
-        <p:nvSpPr>
-          <p:cNvPr id="12" name="TextBox 11"/>
-          <p:cNvSpPr txBox="1"/>
-          <p:nvPr/>
-        </p:nvSpPr>
-        <p:spPr>
-          <a:xfrm>
-            <a:off x="4150501" y="1378434"/>
-            <a:ext cx="1102443" cy="646331"/>
-          </a:xfrm>
-          <a:prstGeom prst="rect">
-            <a:avLst/>
-          </a:prstGeom>
-          <a:noFill/>
-        </p:spPr>
-        <p:txBody>
-          <a:bodyPr wrap="square" rtlCol="0">
-            <a:spAutoFit/>
-          </a:bodyPr>
-          <a:lstStyle/>
-          <a:p>
-            <a:r>
-              <a:rPr lang="en-US" sz="3600" dirty="0" smtClean="0">
-                <a:solidFill>
-                  <a:srgbClr val="0000FF"/>
-                </a:solidFill>
-              </a:rPr>
-              <a:t>+</a:t>
-            </a:r>
-            <a:endParaRPr lang="en-US" sz="3600" dirty="0">
-              <a:solidFill>
-                <a:srgbClr val="0000FF"/>
-              </a:solidFill>
-            </a:endParaRPr>
-          </a:p>
-        </p:txBody>
-      </p:sp>
-      <p:sp>
-        <p:nvSpPr>
-          <p:cNvPr id="13" name="TextBox 12"/>
-          <p:cNvSpPr txBox="1"/>
-          <p:nvPr/>
-        </p:nvSpPr>
-        <p:spPr>
-          <a:xfrm>
-            <a:off x="3446880" y="2311880"/>
-            <a:ext cx="1307545" cy="646331"/>
-          </a:xfrm>
-          <a:prstGeom prst="rect">
-            <a:avLst/>
-          </a:prstGeom>
-          <a:noFill/>
-        </p:spPr>
-        <p:txBody>
-          <a:bodyPr wrap="square" rtlCol="0">
-            <a:spAutoFit/>
-          </a:bodyPr>
-          <a:lstStyle/>
-          <a:p>
-            <a:r>
-              <a:rPr lang="en-US" sz="3600" dirty="0" smtClean="0">
-                <a:solidFill>
-                  <a:srgbClr val="FF0000"/>
-                </a:solidFill>
-              </a:rPr>
-              <a:t>-</a:t>
-            </a:r>
-            <a:endParaRPr lang="en-US" sz="3600" dirty="0">
-              <a:solidFill>
-                <a:srgbClr val="FF0000"/>
-              </a:solidFill>
-            </a:endParaRPr>
-          </a:p>
-        </p:txBody>
-      </p:sp>
-      <p:sp>
-        <p:nvSpPr>
-          <p:cNvPr id="14" name="TextBox 13"/>
-          <p:cNvSpPr txBox="1"/>
-          <p:nvPr/>
-        </p:nvSpPr>
-        <p:spPr>
-          <a:xfrm>
-            <a:off x="3200458" y="3110611"/>
-            <a:ext cx="1307545" cy="646331"/>
-          </a:xfrm>
-          <a:prstGeom prst="rect">
-            <a:avLst/>
-          </a:prstGeom>
-          <a:noFill/>
-        </p:spPr>
-        <p:txBody>
-          <a:bodyPr wrap="square" rtlCol="0">
-            <a:spAutoFit/>
-          </a:bodyPr>
-          <a:lstStyle/>
-          <a:p>
-            <a:r>
-              <a:rPr lang="en-US" sz="3600" dirty="0" smtClean="0">
-                <a:solidFill>
-                  <a:srgbClr val="FF0000"/>
-                </a:solidFill>
-              </a:rPr>
-              <a:t>-</a:t>
-            </a:r>
-            <a:endParaRPr lang="en-US" sz="3600" dirty="0">
-              <a:solidFill>
-                <a:srgbClr val="FF0000"/>
-              </a:solidFill>
-            </a:endParaRPr>
-          </a:p>
-        </p:txBody>
-      </p:sp>
-      <p:sp>
-        <p:nvSpPr>
-          <p:cNvPr id="15" name="TextBox 14"/>
-          <p:cNvSpPr txBox="1"/>
-          <p:nvPr/>
-        </p:nvSpPr>
-        <p:spPr>
-          <a:xfrm>
-            <a:off x="4508003" y="2994261"/>
-            <a:ext cx="1307545" cy="646331"/>
-          </a:xfrm>
-          <a:prstGeom prst="rect">
-            <a:avLst/>
-          </a:prstGeom>
-          <a:noFill/>
-        </p:spPr>
-        <p:txBody>
-          <a:bodyPr wrap="square" rtlCol="0">
-            <a:spAutoFit/>
-          </a:bodyPr>
-          <a:lstStyle/>
-          <a:p>
-            <a:r>
-              <a:rPr lang="en-US" sz="3600" dirty="0" smtClean="0">
-                <a:solidFill>
-                  <a:srgbClr val="FF0000"/>
-                </a:solidFill>
-              </a:rPr>
-              <a:t>-</a:t>
-            </a:r>
-            <a:endParaRPr lang="en-US" sz="3600" dirty="0">
-              <a:solidFill>
-                <a:srgbClr val="FF0000"/>
-              </a:solidFill>
-            </a:endParaRPr>
-          </a:p>
-        </p:txBody>
-      </p:sp>
-      <p:sp>
-        <p:nvSpPr>
-          <p:cNvPr id="16" name="TextBox 15"/>
-          <p:cNvSpPr txBox="1"/>
-          <p:nvPr/>
-        </p:nvSpPr>
-        <p:spPr>
-          <a:xfrm>
-            <a:off x="3664646" y="3640592"/>
-            <a:ext cx="1307545" cy="646331"/>
-          </a:xfrm>
-          <a:prstGeom prst="rect">
-            <a:avLst/>
-          </a:prstGeom>
-          <a:noFill/>
-        </p:spPr>
-        <p:txBody>
-          <a:bodyPr wrap="square" rtlCol="0">
-            <a:spAutoFit/>
-          </a:bodyPr>
-          <a:lstStyle/>
-          <a:p>
-            <a:r>
-              <a:rPr lang="en-US" sz="3600" dirty="0" smtClean="0">
-                <a:solidFill>
-                  <a:srgbClr val="FF0000"/>
-                </a:solidFill>
-              </a:rPr>
-              <a:t>-</a:t>
-            </a:r>
-            <a:endParaRPr lang="en-US" sz="3600" dirty="0">
-              <a:solidFill>
-                <a:srgbClr val="FF0000"/>
-              </a:solidFill>
-            </a:endParaRPr>
-          </a:p>
-        </p:txBody>
-      </p:sp>
-      <p:sp>
-        <p:nvSpPr>
-          <p:cNvPr id="17" name="TextBox 16"/>
-          <p:cNvSpPr txBox="1"/>
-          <p:nvPr/>
-        </p:nvSpPr>
-        <p:spPr>
-          <a:xfrm>
-            <a:off x="3945399" y="2787445"/>
-            <a:ext cx="1307545" cy="646331"/>
-          </a:xfrm>
-          <a:prstGeom prst="rect">
-            <a:avLst/>
-          </a:prstGeom>
-          <a:noFill/>
-        </p:spPr>
-        <p:txBody>
-          <a:bodyPr wrap="square" rtlCol="0">
-            <a:spAutoFit/>
-          </a:bodyPr>
-          <a:lstStyle/>
-          <a:p>
-            <a:r>
-              <a:rPr lang="en-US" sz="3600" dirty="0" smtClean="0">
-                <a:solidFill>
-                  <a:srgbClr val="FF0000"/>
-                </a:solidFill>
-              </a:rPr>
-              <a:t>-</a:t>
-            </a:r>
-            <a:endParaRPr lang="en-US" sz="3600" dirty="0">
-              <a:solidFill>
-                <a:srgbClr val="FF0000"/>
-              </a:solidFill>
-            </a:endParaRPr>
+              <a:t>Pros: Easy to implement, has an easy to understand theorem regarding number of mistakes to learn a separating </a:t>
+            </a:r>
+            <a:r>
+              <a:rPr lang="en-US" dirty="0" err="1" smtClean="0"/>
+              <a:t>hyperplane</a:t>
+            </a:r>
+            <a:endParaRPr lang="en-US" dirty="0" smtClean="0"/>
           </a:p>
         </p:txBody>
       </p:sp>
     </p:spTree>
     <p:extLst>
       <p:ext uri="{BB962C8B-B14F-4D97-AF65-F5344CB8AC3E}">
-        <p14:creationId xmlns:p14="http://schemas.microsoft.com/office/powerpoint/2010/main" val="891275225"/>
+        <p14:creationId xmlns:p14="http://schemas.microsoft.com/office/powerpoint/2010/main" val="3698732051"/>
       </p:ext>
     </p:extLst>
   </p:cSld>
   <p:clrMapOvr>
     <a:masterClrMapping/>
   </p:clrMapOvr>
+  <p:timing>
+    <p:tnLst>
+      <p:par>
+        <p:cTn xmlns:p14="http://schemas.microsoft.com/office/powerpoint/2010/main" id="1" dur="indefinite" restart="never" nodeType="tmRoot"/>
+      </p:par>
+    </p:tnLst>
+  </p:timing>
 </p:sld>
 </file>
 
@@ -7487,6 +7355,598 @@
           <a:p>
             <a:r>
               <a:rPr lang="en-US" dirty="0" smtClean="0"/>
+              <a:t>What if your Data is Non-Linear?</a:t>
+            </a:r>
+            <a:endParaRPr lang="en-US" dirty="0"/>
+          </a:p>
+        </p:txBody>
+      </p:sp>
+      <p:sp>
+        <p:nvSpPr>
+          <p:cNvPr id="4" name="TextBox 3"/>
+          <p:cNvSpPr txBox="1"/>
+          <p:nvPr/>
+        </p:nvSpPr>
+        <p:spPr>
+          <a:xfrm>
+            <a:off x="2344437" y="1872365"/>
+            <a:ext cx="1102443" cy="646331"/>
+          </a:xfrm>
+          <a:prstGeom prst="rect">
+            <a:avLst/>
+          </a:prstGeom>
+          <a:noFill/>
+        </p:spPr>
+        <p:txBody>
+          <a:bodyPr wrap="square" rtlCol="0">
+            <a:spAutoFit/>
+          </a:bodyPr>
+          <a:lstStyle/>
+          <a:p>
+            <a:r>
+              <a:rPr lang="en-US" sz="3600" dirty="0" smtClean="0">
+                <a:solidFill>
+                  <a:srgbClr val="0000FF"/>
+                </a:solidFill>
+              </a:rPr>
+              <a:t>+</a:t>
+            </a:r>
+            <a:endParaRPr lang="en-US" sz="3600" dirty="0">
+              <a:solidFill>
+                <a:srgbClr val="0000FF"/>
+              </a:solidFill>
+            </a:endParaRPr>
+          </a:p>
+        </p:txBody>
+      </p:sp>
+      <p:sp>
+        <p:nvSpPr>
+          <p:cNvPr id="5" name="TextBox 4"/>
+          <p:cNvSpPr txBox="1"/>
+          <p:nvPr/>
+        </p:nvSpPr>
+        <p:spPr>
+          <a:xfrm>
+            <a:off x="1945615" y="2671096"/>
+            <a:ext cx="1102443" cy="646331"/>
+          </a:xfrm>
+          <a:prstGeom prst="rect">
+            <a:avLst/>
+          </a:prstGeom>
+          <a:noFill/>
+        </p:spPr>
+        <p:txBody>
+          <a:bodyPr wrap="square" rtlCol="0">
+            <a:spAutoFit/>
+          </a:bodyPr>
+          <a:lstStyle/>
+          <a:p>
+            <a:r>
+              <a:rPr lang="en-US" sz="3600" dirty="0" smtClean="0">
+                <a:solidFill>
+                  <a:srgbClr val="0000FF"/>
+                </a:solidFill>
+              </a:rPr>
+              <a:t>+</a:t>
+            </a:r>
+            <a:endParaRPr lang="en-US" sz="3600" dirty="0">
+              <a:solidFill>
+                <a:srgbClr val="0000FF"/>
+              </a:solidFill>
+            </a:endParaRPr>
+          </a:p>
+        </p:txBody>
+      </p:sp>
+      <p:sp>
+        <p:nvSpPr>
+          <p:cNvPr id="6" name="TextBox 5"/>
+          <p:cNvSpPr txBox="1"/>
+          <p:nvPr/>
+        </p:nvSpPr>
+        <p:spPr>
+          <a:xfrm>
+            <a:off x="2344437" y="3786512"/>
+            <a:ext cx="1102443" cy="646331"/>
+          </a:xfrm>
+          <a:prstGeom prst="rect">
+            <a:avLst/>
+          </a:prstGeom>
+          <a:noFill/>
+        </p:spPr>
+        <p:txBody>
+          <a:bodyPr wrap="square" rtlCol="0">
+            <a:spAutoFit/>
+          </a:bodyPr>
+          <a:lstStyle/>
+          <a:p>
+            <a:r>
+              <a:rPr lang="en-US" sz="3600" dirty="0" smtClean="0">
+                <a:solidFill>
+                  <a:srgbClr val="0000FF"/>
+                </a:solidFill>
+              </a:rPr>
+              <a:t>+</a:t>
+            </a:r>
+            <a:endParaRPr lang="en-US" sz="3600" dirty="0">
+              <a:solidFill>
+                <a:srgbClr val="0000FF"/>
+              </a:solidFill>
+            </a:endParaRPr>
+          </a:p>
+        </p:txBody>
+      </p:sp>
+      <p:sp>
+        <p:nvSpPr>
+          <p:cNvPr id="7" name="TextBox 6"/>
+          <p:cNvSpPr txBox="1"/>
+          <p:nvPr/>
+        </p:nvSpPr>
+        <p:spPr>
+          <a:xfrm>
+            <a:off x="3048058" y="4630221"/>
+            <a:ext cx="1102443" cy="646331"/>
+          </a:xfrm>
+          <a:prstGeom prst="rect">
+            <a:avLst/>
+          </a:prstGeom>
+          <a:noFill/>
+        </p:spPr>
+        <p:txBody>
+          <a:bodyPr wrap="square" rtlCol="0">
+            <a:spAutoFit/>
+          </a:bodyPr>
+          <a:lstStyle/>
+          <a:p>
+            <a:r>
+              <a:rPr lang="en-US" sz="3600" dirty="0" smtClean="0">
+                <a:solidFill>
+                  <a:srgbClr val="0000FF"/>
+                </a:solidFill>
+              </a:rPr>
+              <a:t>+</a:t>
+            </a:r>
+            <a:endParaRPr lang="en-US" sz="3600" dirty="0">
+              <a:solidFill>
+                <a:srgbClr val="0000FF"/>
+              </a:solidFill>
+            </a:endParaRPr>
+          </a:p>
+        </p:txBody>
+      </p:sp>
+      <p:sp>
+        <p:nvSpPr>
+          <p:cNvPr id="8" name="TextBox 7"/>
+          <p:cNvSpPr txBox="1"/>
+          <p:nvPr/>
+        </p:nvSpPr>
+        <p:spPr>
+          <a:xfrm>
+            <a:off x="4428496" y="4667546"/>
+            <a:ext cx="1102443" cy="646331"/>
+          </a:xfrm>
+          <a:prstGeom prst="rect">
+            <a:avLst/>
+          </a:prstGeom>
+          <a:noFill/>
+        </p:spPr>
+        <p:txBody>
+          <a:bodyPr wrap="square" rtlCol="0">
+            <a:spAutoFit/>
+          </a:bodyPr>
+          <a:lstStyle/>
+          <a:p>
+            <a:r>
+              <a:rPr lang="en-US" sz="3600" dirty="0" smtClean="0">
+                <a:solidFill>
+                  <a:srgbClr val="0000FF"/>
+                </a:solidFill>
+              </a:rPr>
+              <a:t>+</a:t>
+            </a:r>
+            <a:endParaRPr lang="en-US" sz="3600" dirty="0">
+              <a:solidFill>
+                <a:srgbClr val="0000FF"/>
+              </a:solidFill>
+            </a:endParaRPr>
+          </a:p>
+        </p:txBody>
+      </p:sp>
+      <p:sp>
+        <p:nvSpPr>
+          <p:cNvPr id="9" name="TextBox 8"/>
+          <p:cNvSpPr txBox="1"/>
+          <p:nvPr/>
+        </p:nvSpPr>
+        <p:spPr>
+          <a:xfrm>
+            <a:off x="5530939" y="4109677"/>
+            <a:ext cx="1102443" cy="646331"/>
+          </a:xfrm>
+          <a:prstGeom prst="rect">
+            <a:avLst/>
+          </a:prstGeom>
+          <a:noFill/>
+        </p:spPr>
+        <p:txBody>
+          <a:bodyPr wrap="square" rtlCol="0">
+            <a:spAutoFit/>
+          </a:bodyPr>
+          <a:lstStyle/>
+          <a:p>
+            <a:r>
+              <a:rPr lang="en-US" sz="3600" dirty="0" smtClean="0">
+                <a:solidFill>
+                  <a:srgbClr val="0000FF"/>
+                </a:solidFill>
+              </a:rPr>
+              <a:t>+</a:t>
+            </a:r>
+            <a:endParaRPr lang="en-US" sz="3600" dirty="0">
+              <a:solidFill>
+                <a:srgbClr val="0000FF"/>
+              </a:solidFill>
+            </a:endParaRPr>
+          </a:p>
+        </p:txBody>
+      </p:sp>
+      <p:sp>
+        <p:nvSpPr>
+          <p:cNvPr id="10" name="TextBox 9"/>
+          <p:cNvSpPr txBox="1"/>
+          <p:nvPr/>
+        </p:nvSpPr>
+        <p:spPr>
+          <a:xfrm>
+            <a:off x="6082160" y="3159405"/>
+            <a:ext cx="1102443" cy="646331"/>
+          </a:xfrm>
+          <a:prstGeom prst="rect">
+            <a:avLst/>
+          </a:prstGeom>
+          <a:noFill/>
+        </p:spPr>
+        <p:txBody>
+          <a:bodyPr wrap="square" rtlCol="0">
+            <a:spAutoFit/>
+          </a:bodyPr>
+          <a:lstStyle/>
+          <a:p>
+            <a:r>
+              <a:rPr lang="en-US" sz="3600" dirty="0" smtClean="0">
+                <a:solidFill>
+                  <a:srgbClr val="0000FF"/>
+                </a:solidFill>
+              </a:rPr>
+              <a:t>+</a:t>
+            </a:r>
+            <a:endParaRPr lang="en-US" sz="3600" dirty="0">
+              <a:solidFill>
+                <a:srgbClr val="0000FF"/>
+              </a:solidFill>
+            </a:endParaRPr>
+          </a:p>
+        </p:txBody>
+      </p:sp>
+      <p:sp>
+        <p:nvSpPr>
+          <p:cNvPr id="11" name="TextBox 10"/>
+          <p:cNvSpPr txBox="1"/>
+          <p:nvPr/>
+        </p:nvSpPr>
+        <p:spPr>
+          <a:xfrm>
+            <a:off x="5397262" y="2024765"/>
+            <a:ext cx="1102443" cy="646331"/>
+          </a:xfrm>
+          <a:prstGeom prst="rect">
+            <a:avLst/>
+          </a:prstGeom>
+          <a:noFill/>
+        </p:spPr>
+        <p:txBody>
+          <a:bodyPr wrap="square" rtlCol="0">
+            <a:spAutoFit/>
+          </a:bodyPr>
+          <a:lstStyle/>
+          <a:p>
+            <a:r>
+              <a:rPr lang="en-US" sz="3600" dirty="0" smtClean="0">
+                <a:solidFill>
+                  <a:srgbClr val="0000FF"/>
+                </a:solidFill>
+              </a:rPr>
+              <a:t>+</a:t>
+            </a:r>
+            <a:endParaRPr lang="en-US" sz="3600" dirty="0">
+              <a:solidFill>
+                <a:srgbClr val="0000FF"/>
+              </a:solidFill>
+            </a:endParaRPr>
+          </a:p>
+        </p:txBody>
+      </p:sp>
+      <p:sp>
+        <p:nvSpPr>
+          <p:cNvPr id="12" name="TextBox 11"/>
+          <p:cNvSpPr txBox="1"/>
+          <p:nvPr/>
+        </p:nvSpPr>
+        <p:spPr>
+          <a:xfrm>
+            <a:off x="4150501" y="1378434"/>
+            <a:ext cx="1102443" cy="646331"/>
+          </a:xfrm>
+          <a:prstGeom prst="rect">
+            <a:avLst/>
+          </a:prstGeom>
+          <a:noFill/>
+        </p:spPr>
+        <p:txBody>
+          <a:bodyPr wrap="square" rtlCol="0">
+            <a:spAutoFit/>
+          </a:bodyPr>
+          <a:lstStyle/>
+          <a:p>
+            <a:r>
+              <a:rPr lang="en-US" sz="3600" dirty="0" smtClean="0">
+                <a:solidFill>
+                  <a:srgbClr val="0000FF"/>
+                </a:solidFill>
+              </a:rPr>
+              <a:t>+</a:t>
+            </a:r>
+            <a:endParaRPr lang="en-US" sz="3600" dirty="0">
+              <a:solidFill>
+                <a:srgbClr val="0000FF"/>
+              </a:solidFill>
+            </a:endParaRPr>
+          </a:p>
+        </p:txBody>
+      </p:sp>
+      <p:sp>
+        <p:nvSpPr>
+          <p:cNvPr id="13" name="TextBox 12"/>
+          <p:cNvSpPr txBox="1"/>
+          <p:nvPr/>
+        </p:nvSpPr>
+        <p:spPr>
+          <a:xfrm>
+            <a:off x="3446880" y="2311880"/>
+            <a:ext cx="1307545" cy="646331"/>
+          </a:xfrm>
+          <a:prstGeom prst="rect">
+            <a:avLst/>
+          </a:prstGeom>
+          <a:noFill/>
+        </p:spPr>
+        <p:txBody>
+          <a:bodyPr wrap="square" rtlCol="0">
+            <a:spAutoFit/>
+          </a:bodyPr>
+          <a:lstStyle/>
+          <a:p>
+            <a:r>
+              <a:rPr lang="en-US" sz="3600" dirty="0" smtClean="0">
+                <a:solidFill>
+                  <a:srgbClr val="FF0000"/>
+                </a:solidFill>
+              </a:rPr>
+              <a:t>-</a:t>
+            </a:r>
+            <a:endParaRPr lang="en-US" sz="3600" dirty="0">
+              <a:solidFill>
+                <a:srgbClr val="FF0000"/>
+              </a:solidFill>
+            </a:endParaRPr>
+          </a:p>
+        </p:txBody>
+      </p:sp>
+      <p:sp>
+        <p:nvSpPr>
+          <p:cNvPr id="14" name="TextBox 13"/>
+          <p:cNvSpPr txBox="1"/>
+          <p:nvPr/>
+        </p:nvSpPr>
+        <p:spPr>
+          <a:xfrm>
+            <a:off x="3200458" y="3110611"/>
+            <a:ext cx="1307545" cy="646331"/>
+          </a:xfrm>
+          <a:prstGeom prst="rect">
+            <a:avLst/>
+          </a:prstGeom>
+          <a:noFill/>
+        </p:spPr>
+        <p:txBody>
+          <a:bodyPr wrap="square" rtlCol="0">
+            <a:spAutoFit/>
+          </a:bodyPr>
+          <a:lstStyle/>
+          <a:p>
+            <a:r>
+              <a:rPr lang="en-US" sz="3600" dirty="0" smtClean="0">
+                <a:solidFill>
+                  <a:srgbClr val="FF0000"/>
+                </a:solidFill>
+              </a:rPr>
+              <a:t>-</a:t>
+            </a:r>
+            <a:endParaRPr lang="en-US" sz="3600" dirty="0">
+              <a:solidFill>
+                <a:srgbClr val="FF0000"/>
+              </a:solidFill>
+            </a:endParaRPr>
+          </a:p>
+        </p:txBody>
+      </p:sp>
+      <p:sp>
+        <p:nvSpPr>
+          <p:cNvPr id="15" name="TextBox 14"/>
+          <p:cNvSpPr txBox="1"/>
+          <p:nvPr/>
+        </p:nvSpPr>
+        <p:spPr>
+          <a:xfrm>
+            <a:off x="4508003" y="2994261"/>
+            <a:ext cx="1307545" cy="646331"/>
+          </a:xfrm>
+          <a:prstGeom prst="rect">
+            <a:avLst/>
+          </a:prstGeom>
+          <a:noFill/>
+        </p:spPr>
+        <p:txBody>
+          <a:bodyPr wrap="square" rtlCol="0">
+            <a:spAutoFit/>
+          </a:bodyPr>
+          <a:lstStyle/>
+          <a:p>
+            <a:r>
+              <a:rPr lang="en-US" sz="3600" dirty="0" smtClean="0">
+                <a:solidFill>
+                  <a:srgbClr val="FF0000"/>
+                </a:solidFill>
+              </a:rPr>
+              <a:t>-</a:t>
+            </a:r>
+            <a:endParaRPr lang="en-US" sz="3600" dirty="0">
+              <a:solidFill>
+                <a:srgbClr val="FF0000"/>
+              </a:solidFill>
+            </a:endParaRPr>
+          </a:p>
+        </p:txBody>
+      </p:sp>
+      <p:sp>
+        <p:nvSpPr>
+          <p:cNvPr id="16" name="TextBox 15"/>
+          <p:cNvSpPr txBox="1"/>
+          <p:nvPr/>
+        </p:nvSpPr>
+        <p:spPr>
+          <a:xfrm>
+            <a:off x="3664646" y="3640592"/>
+            <a:ext cx="1307545" cy="646331"/>
+          </a:xfrm>
+          <a:prstGeom prst="rect">
+            <a:avLst/>
+          </a:prstGeom>
+          <a:noFill/>
+        </p:spPr>
+        <p:txBody>
+          <a:bodyPr wrap="square" rtlCol="0">
+            <a:spAutoFit/>
+          </a:bodyPr>
+          <a:lstStyle/>
+          <a:p>
+            <a:r>
+              <a:rPr lang="en-US" sz="3600" dirty="0" smtClean="0">
+                <a:solidFill>
+                  <a:srgbClr val="FF0000"/>
+                </a:solidFill>
+              </a:rPr>
+              <a:t>-</a:t>
+            </a:r>
+            <a:endParaRPr lang="en-US" sz="3600" dirty="0">
+              <a:solidFill>
+                <a:srgbClr val="FF0000"/>
+              </a:solidFill>
+            </a:endParaRPr>
+          </a:p>
+        </p:txBody>
+      </p:sp>
+      <p:sp>
+        <p:nvSpPr>
+          <p:cNvPr id="17" name="TextBox 16"/>
+          <p:cNvSpPr txBox="1"/>
+          <p:nvPr/>
+        </p:nvSpPr>
+        <p:spPr>
+          <a:xfrm>
+            <a:off x="3945399" y="2787445"/>
+            <a:ext cx="1307545" cy="646331"/>
+          </a:xfrm>
+          <a:prstGeom prst="rect">
+            <a:avLst/>
+          </a:prstGeom>
+          <a:noFill/>
+        </p:spPr>
+        <p:txBody>
+          <a:bodyPr wrap="square" rtlCol="0">
+            <a:spAutoFit/>
+          </a:bodyPr>
+          <a:lstStyle/>
+          <a:p>
+            <a:r>
+              <a:rPr lang="en-US" sz="3600" dirty="0" smtClean="0">
+                <a:solidFill>
+                  <a:srgbClr val="FF0000"/>
+                </a:solidFill>
+              </a:rPr>
+              <a:t>-</a:t>
+            </a:r>
+            <a:endParaRPr lang="en-US" sz="3600" dirty="0">
+              <a:solidFill>
+                <a:srgbClr val="FF0000"/>
+              </a:solidFill>
+            </a:endParaRPr>
+          </a:p>
+        </p:txBody>
+      </p:sp>
+    </p:spTree>
+    <p:extLst>
+      <p:ext uri="{BB962C8B-B14F-4D97-AF65-F5344CB8AC3E}">
+        <p14:creationId xmlns:p14="http://schemas.microsoft.com/office/powerpoint/2010/main" val="891275225"/>
+      </p:ext>
+    </p:extLst>
+  </p:cSld>
+  <p:clrMapOvr>
+    <a:masterClrMapping/>
+  </p:clrMapOvr>
+  <p:timing>
+    <p:tnLst>
+      <p:par>
+        <p:cTn xmlns:p14="http://schemas.microsoft.com/office/powerpoint/2010/main" id="1" dur="indefinite" restart="never" nodeType="tmRoot"/>
+      </p:par>
+    </p:tnLst>
+  </p:timing>
+</p:sld>
+</file>
+
+<file path=ppt/slides/slide22.xml><?xml version="1.0" encoding="utf-8"?>
+<p:sld xmlns:a="http://schemas.openxmlformats.org/drawingml/2006/main" xmlns:r="http://schemas.openxmlformats.org/officeDocument/2006/relationships" xmlns:p="http://schemas.openxmlformats.org/presentationml/2006/main">
+  <p:cSld>
+    <p:spTree>
+      <p:nvGrpSpPr>
+        <p:cNvPr id="1" name=""/>
+        <p:cNvGrpSpPr/>
+        <p:nvPr/>
+      </p:nvGrpSpPr>
+      <p:grpSpPr>
+        <a:xfrm>
+          <a:off x="0" y="0"/>
+          <a:ext cx="0" cy="0"/>
+          <a:chOff x="0" y="0"/>
+          <a:chExt cx="0" cy="0"/>
+        </a:xfrm>
+      </p:grpSpPr>
+      <p:sp>
+        <p:nvSpPr>
+          <p:cNvPr id="2" name="Title 1"/>
+          <p:cNvSpPr>
+            <a:spLocks noGrp="1"/>
+          </p:cNvSpPr>
+          <p:nvPr>
+            <p:ph type="title"/>
+          </p:nvPr>
+        </p:nvSpPr>
+        <p:spPr/>
+        <p:txBody>
+          <a:bodyPr/>
+          <a:lstStyle/>
+          <a:p>
+            <a:r>
+              <a:rPr lang="en-US" dirty="0" smtClean="0"/>
               <a:t>Two Solutions</a:t>
             </a:r>
             <a:endParaRPr lang="en-US" dirty="0"/>
@@ -7539,10 +7999,17 @@
   <p:clrMapOvr>
     <a:masterClrMapping/>
   </p:clrMapOvr>
+  <p:timing>
+    <p:tnLst>
+      <p:par>
+        <p:cTn xmlns:p14="http://schemas.microsoft.com/office/powerpoint/2010/main" id="1" dur="indefinite" restart="never" nodeType="tmRoot"/>
+      </p:par>
+    </p:tnLst>
+  </p:timing>
 </p:sld>
 </file>
 
-<file path=ppt/slides/slide22.xml><?xml version="1.0" encoding="utf-8"?>
+<file path=ppt/slides/slide23.xml><?xml version="1.0" encoding="utf-8"?>
 <p:sld xmlns:a="http://schemas.openxmlformats.org/drawingml/2006/main" xmlns:r="http://schemas.openxmlformats.org/officeDocument/2006/relationships" xmlns:p="http://schemas.openxmlformats.org/presentationml/2006/main">
   <p:cSld>
     <p:spTree>
@@ -7801,88 +8268,6 @@
 </p:sld>
 </file>
 
-<file path=ppt/slides/slide23.xml><?xml version="1.0" encoding="utf-8"?>
-<p:sld xmlns:a="http://schemas.openxmlformats.org/drawingml/2006/main" xmlns:r="http://schemas.openxmlformats.org/officeDocument/2006/relationships" xmlns:p="http://schemas.openxmlformats.org/presentationml/2006/main">
-  <p:cSld>
-    <p:spTree>
-      <p:nvGrpSpPr>
-        <p:cNvPr id="1" name=""/>
-        <p:cNvGrpSpPr/>
-        <p:nvPr/>
-      </p:nvGrpSpPr>
-      <p:grpSpPr>
-        <a:xfrm>
-          <a:off x="0" y="0"/>
-          <a:ext cx="0" cy="0"/>
-          <a:chOff x="0" y="0"/>
-          <a:chExt cx="0" cy="0"/>
-        </a:xfrm>
-      </p:grpSpPr>
-      <p:sp>
-        <p:nvSpPr>
-          <p:cNvPr id="2" name="Title 1"/>
-          <p:cNvSpPr>
-            <a:spLocks noGrp="1"/>
-          </p:cNvSpPr>
-          <p:nvPr>
-            <p:ph type="title"/>
-          </p:nvPr>
-        </p:nvSpPr>
-        <p:spPr/>
-        <p:txBody>
-          <a:bodyPr/>
-          <a:lstStyle/>
-          <a:p>
-            <a:r>
-              <a:rPr lang="en-US" dirty="0" smtClean="0"/>
-              <a:t>Potential Pitfalls</a:t>
-            </a:r>
-            <a:endParaRPr lang="en-US" dirty="0"/>
-          </a:p>
-        </p:txBody>
-      </p:sp>
-      <p:sp>
-        <p:nvSpPr>
-          <p:cNvPr id="3" name="Content Placeholder 2"/>
-          <p:cNvSpPr>
-            <a:spLocks noGrp="1"/>
-          </p:cNvSpPr>
-          <p:nvPr>
-            <p:ph idx="1"/>
-          </p:nvPr>
-        </p:nvSpPr>
-        <p:spPr/>
-        <p:txBody>
-          <a:bodyPr/>
-          <a:lstStyle/>
-          <a:p>
-            <a:r>
-              <a:rPr lang="en-US" dirty="0" smtClean="0"/>
-              <a:t>Don’t make the first half of your data a training set and the second half of your data the testing set! (any idea why?)</a:t>
-            </a:r>
-          </a:p>
-          <a:p>
-            <a:r>
-              <a:rPr lang="en-US" dirty="0" smtClean="0"/>
-              <a:t>Tradeoff between too much versus too little test data (too much = suboptimal performance because it could be used for learning, too little = estimate of performance prone to noise).</a:t>
-            </a:r>
-            <a:endParaRPr lang="en-US" dirty="0"/>
-          </a:p>
-        </p:txBody>
-      </p:sp>
-    </p:spTree>
-    <p:extLst>
-      <p:ext uri="{BB962C8B-B14F-4D97-AF65-F5344CB8AC3E}">
-        <p14:creationId xmlns:p14="http://schemas.microsoft.com/office/powerpoint/2010/main" val="1582497615"/>
-      </p:ext>
-    </p:extLst>
-  </p:cSld>
-  <p:clrMapOvr>
-    <a:masterClrMapping/>
-  </p:clrMapOvr>
-</p:sld>
-</file>
-
 <file path=ppt/slides/slide24.xml><?xml version="1.0" encoding="utf-8"?>
 <p:sld xmlns:a="http://schemas.openxmlformats.org/drawingml/2006/main" xmlns:r="http://schemas.openxmlformats.org/officeDocument/2006/relationships" xmlns:p="http://schemas.openxmlformats.org/presentationml/2006/main">
   <p:cSld>
@@ -7912,102 +8297,41 @@
         </p:nvSpPr>
         <p:spPr/>
         <p:txBody>
-          <a:bodyPr>
-            <a:normAutofit fontScale="90000"/>
-          </a:bodyPr>
-          <a:lstStyle/>
-          <a:p>
-            <a:r>
-              <a:rPr lang="en-US" dirty="0" smtClean="0"/>
-              <a:t>Illustration of Too Little Training Data</a:t>
+          <a:bodyPr/>
+          <a:lstStyle/>
+          <a:p>
+            <a:r>
+              <a:rPr lang="en-US" dirty="0" smtClean="0"/>
+              <a:t>Potential Pitfalls</a:t>
             </a:r>
             <a:endParaRPr lang="en-US" dirty="0"/>
           </a:p>
         </p:txBody>
       </p:sp>
-      <p:pic>
-        <p:nvPicPr>
-          <p:cNvPr id="4" name="Picture 3"/>
-          <p:cNvPicPr>
-            <a:picLocks noChangeAspect="1"/>
-          </p:cNvPicPr>
-          <p:nvPr/>
-        </p:nvPicPr>
-        <p:blipFill>
-          <a:blip r:embed="rId3"/>
-          <a:stretch>
-            <a:fillRect/>
-          </a:stretch>
-        </p:blipFill>
-        <p:spPr>
-          <a:xfrm>
-            <a:off x="1621264" y="1701800"/>
-            <a:ext cx="6206054" cy="4508956"/>
-          </a:xfrm>
-          <a:prstGeom prst="rect">
-            <a:avLst/>
-          </a:prstGeom>
-        </p:spPr>
-      </p:pic>
-      <p:sp>
-        <p:nvSpPr>
-          <p:cNvPr id="5" name="TextBox 4"/>
-          <p:cNvSpPr txBox="1"/>
-          <p:nvPr/>
-        </p:nvSpPr>
-        <p:spPr>
-          <a:xfrm>
-            <a:off x="2330481" y="5841424"/>
-            <a:ext cx="5986686" cy="369332"/>
-          </a:xfrm>
-          <a:prstGeom prst="rect">
-            <a:avLst/>
-          </a:prstGeom>
-          <a:solidFill>
-            <a:schemeClr val="bg1"/>
-          </a:solidFill>
-        </p:spPr>
-        <p:txBody>
-          <a:bodyPr wrap="square" rtlCol="0">
-            <a:spAutoFit/>
-          </a:bodyPr>
-          <a:lstStyle/>
-          <a:p>
-            <a:r>
-              <a:rPr lang="en-US" dirty="0" smtClean="0"/>
-              <a:t>Percent of data used for training (rest is used for test)</a:t>
-            </a:r>
-            <a:endParaRPr lang="en-US" dirty="0"/>
-          </a:p>
-        </p:txBody>
-      </p:sp>
-      <p:sp>
-        <p:nvSpPr>
-          <p:cNvPr id="6" name="TextBox 5"/>
-          <p:cNvSpPr txBox="1"/>
-          <p:nvPr/>
-        </p:nvSpPr>
-        <p:spPr>
-          <a:xfrm rot="16200000">
-            <a:off x="48934" y="3402420"/>
-            <a:ext cx="2654029" cy="369332"/>
-          </a:xfrm>
-          <a:prstGeom prst="rect">
-            <a:avLst/>
-          </a:prstGeom>
-          <a:solidFill>
-            <a:schemeClr val="bg1"/>
-          </a:solidFill>
-        </p:spPr>
-        <p:txBody>
-          <a:bodyPr wrap="square" rtlCol="0">
-            <a:spAutoFit/>
-          </a:bodyPr>
-          <a:lstStyle/>
-          <a:p>
-            <a:r>
-              <a:rPr lang="en-US" dirty="0" smtClean="0"/>
-              <a:t>Accuracy on Test Set</a:t>
+      <p:sp>
+        <p:nvSpPr>
+          <p:cNvPr id="3" name="Content Placeholder 2"/>
+          <p:cNvSpPr>
+            <a:spLocks noGrp="1"/>
+          </p:cNvSpPr>
+          <p:nvPr>
+            <p:ph idx="1"/>
+          </p:nvPr>
+        </p:nvSpPr>
+        <p:spPr/>
+        <p:txBody>
+          <a:bodyPr/>
+          <a:lstStyle/>
+          <a:p>
+            <a:r>
+              <a:rPr lang="en-US" dirty="0" smtClean="0"/>
+              <a:t>Don’t make the first half of your data a training set and the second half of your data the testing set! (any idea why?)</a:t>
+            </a:r>
+          </a:p>
+          <a:p>
+            <a:r>
+              <a:rPr lang="en-US" dirty="0" smtClean="0"/>
+              <a:t>Tradeoff between too much versus too little test data (too much = suboptimal performance because it could be used for learning, too little = estimate of performance prone to noise).</a:t>
             </a:r>
             <a:endParaRPr lang="en-US" dirty="0"/>
           </a:p>
@@ -8016,13 +8340,20 @@
     </p:spTree>
     <p:extLst>
       <p:ext uri="{BB962C8B-B14F-4D97-AF65-F5344CB8AC3E}">
-        <p14:creationId xmlns:p14="http://schemas.microsoft.com/office/powerpoint/2010/main" val="2963822606"/>
+        <p14:creationId xmlns:p14="http://schemas.microsoft.com/office/powerpoint/2010/main" val="1582497615"/>
       </p:ext>
     </p:extLst>
   </p:cSld>
   <p:clrMapOvr>
     <a:masterClrMapping/>
   </p:clrMapOvr>
+  <p:timing>
+    <p:tnLst>
+      <p:par>
+        <p:cTn xmlns:p14="http://schemas.microsoft.com/office/powerpoint/2010/main" id="1" dur="indefinite" restart="never" nodeType="tmRoot"/>
+      </p:par>
+    </p:tnLst>
+  </p:timing>
 </p:sld>
 </file>
 
@@ -8060,71 +8391,53 @@
           <a:p>
             <a:r>
               <a:rPr lang="en-US" dirty="0" smtClean="0"/>
-              <a:t>Conclusion of ML Part 1</a:t>
+              <a:t>Quick Example: Digit Recognition</a:t>
             </a:r>
             <a:endParaRPr lang="en-US" dirty="0"/>
           </a:p>
         </p:txBody>
       </p:sp>
-      <p:sp>
-        <p:nvSpPr>
-          <p:cNvPr id="3" name="Content Placeholder 2"/>
-          <p:cNvSpPr>
-            <a:spLocks noGrp="1"/>
-          </p:cNvSpPr>
-          <p:nvPr>
-            <p:ph idx="1"/>
-          </p:nvPr>
-        </p:nvSpPr>
-        <p:spPr/>
-        <p:txBody>
-          <a:bodyPr>
-            <a:normAutofit fontScale="92500" lnSpcReduction="20000"/>
-          </a:bodyPr>
-          <a:lstStyle/>
-          <a:p>
-            <a:r>
-              <a:rPr lang="en-US" dirty="0" smtClean="0"/>
-              <a:t>ML seeks to program computers using experience (data)</a:t>
-            </a:r>
-          </a:p>
-          <a:p>
-            <a:r>
-              <a:rPr lang="en-US" dirty="0" smtClean="0"/>
-              <a:t>Fast growing field</a:t>
-            </a:r>
-          </a:p>
-          <a:p>
-            <a:r>
-              <a:rPr lang="en-US" dirty="0" smtClean="0"/>
-              <a:t>Linear regression can be seen as a machine learning technique</a:t>
-            </a:r>
-          </a:p>
-          <a:p>
-            <a:r>
-              <a:rPr lang="en-US" dirty="0" smtClean="0"/>
-              <a:t>Logistic regression is an ML technique used for classification</a:t>
-            </a:r>
-          </a:p>
-          <a:p>
-            <a:r>
-              <a:rPr lang="en-US" dirty="0" smtClean="0"/>
-              <a:t>Chiefly interested in optimizing performance on unseen data (which we can estimate by splitting data into training and test sets)</a:t>
-            </a:r>
-            <a:endParaRPr lang="en-US" dirty="0"/>
-          </a:p>
-        </p:txBody>
-      </p:sp>
+      <p:pic>
+        <p:nvPicPr>
+          <p:cNvPr id="6" name="Picture 5"/>
+          <p:cNvPicPr>
+            <a:picLocks noChangeAspect="1"/>
+          </p:cNvPicPr>
+          <p:nvPr/>
+        </p:nvPicPr>
+        <p:blipFill>
+          <a:blip r:embed="rId3"/>
+          <a:stretch>
+            <a:fillRect/>
+          </a:stretch>
+        </p:blipFill>
+        <p:spPr>
+          <a:xfrm>
+            <a:off x="2228881" y="1531001"/>
+            <a:ext cx="4481649" cy="4665323"/>
+          </a:xfrm>
+          <a:prstGeom prst="rect">
+            <a:avLst/>
+          </a:prstGeom>
+        </p:spPr>
+      </p:pic>
     </p:spTree>
     <p:extLst>
       <p:ext uri="{BB962C8B-B14F-4D97-AF65-F5344CB8AC3E}">
-        <p14:creationId xmlns:p14="http://schemas.microsoft.com/office/powerpoint/2010/main" val="2109498297"/>
+        <p14:creationId xmlns:p14="http://schemas.microsoft.com/office/powerpoint/2010/main" val="2584997941"/>
       </p:ext>
     </p:extLst>
   </p:cSld>
   <p:clrMapOvr>
     <a:masterClrMapping/>
   </p:clrMapOvr>
+  <p:timing>
+    <p:tnLst>
+      <p:par>
+        <p:cTn xmlns:p14="http://schemas.microsoft.com/office/powerpoint/2010/main" id="1" dur="indefinite" restart="never" nodeType="tmRoot"/>
+      </p:par>
+    </p:tnLst>
+  </p:timing>
 </p:sld>
 </file>
 
@@ -8157,42 +8470,64 @@
         </p:nvSpPr>
         <p:spPr/>
         <p:txBody>
-          <a:bodyPr/>
-          <a:lstStyle/>
-          <a:p>
-            <a:endParaRPr lang="en-US"/>
-          </a:p>
-        </p:txBody>
-      </p:sp>
-      <p:sp>
-        <p:nvSpPr>
-          <p:cNvPr id="3" name="Content Placeholder 2"/>
-          <p:cNvSpPr>
-            <a:spLocks noGrp="1"/>
-          </p:cNvSpPr>
-          <p:nvPr>
-            <p:ph idx="1"/>
-          </p:nvPr>
-        </p:nvSpPr>
-        <p:spPr/>
-        <p:txBody>
-          <a:bodyPr/>
-          <a:lstStyle/>
-          <a:p>
-            <a:endParaRPr lang="en-US"/>
-          </a:p>
-        </p:txBody>
-      </p:sp>
+          <a:bodyPr>
+            <a:normAutofit fontScale="90000"/>
+          </a:bodyPr>
+          <a:lstStyle/>
+          <a:p>
+            <a:r>
+              <a:rPr lang="en-US" dirty="0" smtClean="0"/>
+              <a:t>Illustration of Too Little Training </a:t>
+            </a:r>
+            <a:r>
+              <a:rPr lang="en-US" dirty="0" smtClean="0"/>
+              <a:t>Data: Digit Recognition</a:t>
+            </a:r>
+            <a:endParaRPr lang="en-US" dirty="0"/>
+          </a:p>
+        </p:txBody>
+      </p:sp>
+      <p:pic>
+        <p:nvPicPr>
+          <p:cNvPr id="3" name="Picture 2"/>
+          <p:cNvPicPr>
+            <a:picLocks noChangeAspect="1"/>
+          </p:cNvPicPr>
+          <p:nvPr/>
+        </p:nvPicPr>
+        <p:blipFill>
+          <a:blip r:embed="rId3"/>
+          <a:stretch>
+            <a:fillRect/>
+          </a:stretch>
+        </p:blipFill>
+        <p:spPr>
+          <a:xfrm>
+            <a:off x="1408298" y="1882507"/>
+            <a:ext cx="6884158" cy="4582268"/>
+          </a:xfrm>
+          <a:prstGeom prst="rect">
+            <a:avLst/>
+          </a:prstGeom>
+        </p:spPr>
+      </p:pic>
     </p:spTree>
     <p:extLst>
       <p:ext uri="{BB962C8B-B14F-4D97-AF65-F5344CB8AC3E}">
-        <p14:creationId xmlns:p14="http://schemas.microsoft.com/office/powerpoint/2010/main" val="1180914782"/>
+        <p14:creationId xmlns:p14="http://schemas.microsoft.com/office/powerpoint/2010/main" val="2963822606"/>
       </p:ext>
     </p:extLst>
   </p:cSld>
   <p:clrMapOvr>
     <a:masterClrMapping/>
   </p:clrMapOvr>
+  <p:timing>
+    <p:tnLst>
+      <p:par>
+        <p:cTn xmlns:p14="http://schemas.microsoft.com/office/powerpoint/2010/main" id="1" dur="indefinite" restart="never" nodeType="tmRoot"/>
+      </p:par>
+    </p:tnLst>
+  </p:timing>
 </p:sld>
 </file>
 
@@ -8225,6 +8560,190 @@
         </p:nvSpPr>
         <p:spPr/>
         <p:txBody>
+          <a:bodyPr/>
+          <a:lstStyle/>
+          <a:p>
+            <a:r>
+              <a:rPr lang="en-US" dirty="0" smtClean="0"/>
+              <a:t>Conclusion of ML Part 1</a:t>
+            </a:r>
+            <a:endParaRPr lang="en-US" dirty="0"/>
+          </a:p>
+        </p:txBody>
+      </p:sp>
+      <p:sp>
+        <p:nvSpPr>
+          <p:cNvPr id="3" name="Content Placeholder 2"/>
+          <p:cNvSpPr>
+            <a:spLocks noGrp="1"/>
+          </p:cNvSpPr>
+          <p:nvPr>
+            <p:ph idx="1"/>
+          </p:nvPr>
+        </p:nvSpPr>
+        <p:spPr/>
+        <p:txBody>
+          <a:bodyPr>
+            <a:normAutofit fontScale="92500" lnSpcReduction="20000"/>
+          </a:bodyPr>
+          <a:lstStyle/>
+          <a:p>
+            <a:r>
+              <a:rPr lang="en-US" dirty="0" smtClean="0"/>
+              <a:t>ML seeks to program computers using experience (data)</a:t>
+            </a:r>
+          </a:p>
+          <a:p>
+            <a:r>
+              <a:rPr lang="en-US" dirty="0" smtClean="0"/>
+              <a:t>Fast growing field</a:t>
+            </a:r>
+          </a:p>
+          <a:p>
+            <a:r>
+              <a:rPr lang="en-US" dirty="0" smtClean="0"/>
+              <a:t>Linear regression can be seen as a machine learning technique</a:t>
+            </a:r>
+          </a:p>
+          <a:p>
+            <a:r>
+              <a:rPr lang="en-US" dirty="0" smtClean="0"/>
+              <a:t>Logistic regression is an ML technique used for classification</a:t>
+            </a:r>
+          </a:p>
+          <a:p>
+            <a:r>
+              <a:rPr lang="en-US" dirty="0" smtClean="0"/>
+              <a:t>Chiefly interested in optimizing performance on unseen data (which we can estimate by splitting data into training and test sets)</a:t>
+            </a:r>
+            <a:endParaRPr lang="en-US" dirty="0"/>
+          </a:p>
+        </p:txBody>
+      </p:sp>
+    </p:spTree>
+    <p:extLst>
+      <p:ext uri="{BB962C8B-B14F-4D97-AF65-F5344CB8AC3E}">
+        <p14:creationId xmlns:p14="http://schemas.microsoft.com/office/powerpoint/2010/main" val="2109498297"/>
+      </p:ext>
+    </p:extLst>
+  </p:cSld>
+  <p:clrMapOvr>
+    <a:masterClrMapping/>
+  </p:clrMapOvr>
+  <p:timing>
+    <p:tnLst>
+      <p:par>
+        <p:cTn xmlns:p14="http://schemas.microsoft.com/office/powerpoint/2010/main" id="1" dur="indefinite" restart="never" nodeType="tmRoot"/>
+      </p:par>
+    </p:tnLst>
+  </p:timing>
+</p:sld>
+</file>
+
+<file path=ppt/slides/slide28.xml><?xml version="1.0" encoding="utf-8"?>
+<p:sld xmlns:a="http://schemas.openxmlformats.org/drawingml/2006/main" xmlns:r="http://schemas.openxmlformats.org/officeDocument/2006/relationships" xmlns:p="http://schemas.openxmlformats.org/presentationml/2006/main">
+  <p:cSld>
+    <p:spTree>
+      <p:nvGrpSpPr>
+        <p:cNvPr id="1" name=""/>
+        <p:cNvGrpSpPr/>
+        <p:nvPr/>
+      </p:nvGrpSpPr>
+      <p:grpSpPr>
+        <a:xfrm>
+          <a:off x="0" y="0"/>
+          <a:ext cx="0" cy="0"/>
+          <a:chOff x="0" y="0"/>
+          <a:chExt cx="0" cy="0"/>
+        </a:xfrm>
+      </p:grpSpPr>
+      <p:sp>
+        <p:nvSpPr>
+          <p:cNvPr id="2" name="Title 1"/>
+          <p:cNvSpPr>
+            <a:spLocks noGrp="1"/>
+          </p:cNvSpPr>
+          <p:nvPr>
+            <p:ph type="title"/>
+          </p:nvPr>
+        </p:nvSpPr>
+        <p:spPr/>
+        <p:txBody>
+          <a:bodyPr/>
+          <a:lstStyle/>
+          <a:p>
+            <a:endParaRPr lang="en-US"/>
+          </a:p>
+        </p:txBody>
+      </p:sp>
+      <p:sp>
+        <p:nvSpPr>
+          <p:cNvPr id="3" name="Content Placeholder 2"/>
+          <p:cNvSpPr>
+            <a:spLocks noGrp="1"/>
+          </p:cNvSpPr>
+          <p:nvPr>
+            <p:ph idx="1"/>
+          </p:nvPr>
+        </p:nvSpPr>
+        <p:spPr/>
+        <p:txBody>
+          <a:bodyPr/>
+          <a:lstStyle/>
+          <a:p>
+            <a:endParaRPr lang="en-US"/>
+          </a:p>
+        </p:txBody>
+      </p:sp>
+    </p:spTree>
+    <p:extLst>
+      <p:ext uri="{BB962C8B-B14F-4D97-AF65-F5344CB8AC3E}">
+        <p14:creationId xmlns:p14="http://schemas.microsoft.com/office/powerpoint/2010/main" val="1180914782"/>
+      </p:ext>
+    </p:extLst>
+  </p:cSld>
+  <p:clrMapOvr>
+    <a:masterClrMapping/>
+  </p:clrMapOvr>
+  <p:timing>
+    <p:tnLst>
+      <p:par>
+        <p:cTn xmlns:p14="http://schemas.microsoft.com/office/powerpoint/2010/main" id="1" dur="indefinite" restart="never" nodeType="tmRoot"/>
+      </p:par>
+    </p:tnLst>
+  </p:timing>
+</p:sld>
+</file>
+
+<file path=ppt/slides/slide29.xml><?xml version="1.0" encoding="utf-8"?>
+<p:sld xmlns:a="http://schemas.openxmlformats.org/drawingml/2006/main" xmlns:r="http://schemas.openxmlformats.org/officeDocument/2006/relationships" xmlns:p="http://schemas.openxmlformats.org/presentationml/2006/main">
+  <p:cSld>
+    <p:spTree>
+      <p:nvGrpSpPr>
+        <p:cNvPr id="1" name=""/>
+        <p:cNvGrpSpPr/>
+        <p:nvPr/>
+      </p:nvGrpSpPr>
+      <p:grpSpPr>
+        <a:xfrm>
+          <a:off x="0" y="0"/>
+          <a:ext cx="0" cy="0"/>
+          <a:chOff x="0" y="0"/>
+          <a:chExt cx="0" cy="0"/>
+        </a:xfrm>
+      </p:grpSpPr>
+      <p:sp>
+        <p:nvSpPr>
+          <p:cNvPr id="2" name="Title 1"/>
+          <p:cNvSpPr>
+            <a:spLocks noGrp="1"/>
+          </p:cNvSpPr>
+          <p:nvPr>
+            <p:ph type="title"/>
+          </p:nvPr>
+        </p:nvSpPr>
+        <p:spPr/>
+        <p:txBody>
           <a:bodyPr>
             <a:normAutofit fontScale="90000"/>
           </a:bodyPr>
@@ -8232,7 +8751,11 @@
           <a:p>
             <a:r>
               <a:rPr lang="en-US" dirty="0" smtClean="0"/>
-              <a:t>More slides on ML applications if you want to kill time with shiny thing </a:t>
+              <a:t>More slides on ML applications if you want to kill time with shiny </a:t>
+            </a:r>
+            <a:r>
+              <a:rPr lang="en-US" dirty="0" smtClean="0"/>
+              <a:t>things </a:t>
             </a:r>
             <a:r>
               <a:rPr lang="en-US" dirty="0" smtClean="0">
@@ -8273,10 +8796,142 @@
   <p:clrMapOvr>
     <a:masterClrMapping/>
   </p:clrMapOvr>
+  <p:timing>
+    <p:tnLst>
+      <p:par>
+        <p:cTn xmlns:p14="http://schemas.microsoft.com/office/powerpoint/2010/main" id="1" dur="indefinite" restart="never" nodeType="tmRoot"/>
+      </p:par>
+    </p:tnLst>
+  </p:timing>
 </p:sld>
 </file>
 
-<file path=ppt/slides/slide28.xml><?xml version="1.0" encoding="utf-8"?>
+<file path=ppt/slides/slide3.xml><?xml version="1.0" encoding="utf-8"?>
+<p:sld xmlns:a="http://schemas.openxmlformats.org/drawingml/2006/main" xmlns:r="http://schemas.openxmlformats.org/officeDocument/2006/relationships" xmlns:p="http://schemas.openxmlformats.org/presentationml/2006/main">
+  <p:cSld>
+    <p:spTree>
+      <p:nvGrpSpPr>
+        <p:cNvPr id="1" name=""/>
+        <p:cNvGrpSpPr/>
+        <p:nvPr/>
+      </p:nvGrpSpPr>
+      <p:grpSpPr>
+        <a:xfrm>
+          <a:off x="0" y="0"/>
+          <a:ext cx="0" cy="0"/>
+          <a:chOff x="0" y="0"/>
+          <a:chExt cx="0" cy="0"/>
+        </a:xfrm>
+      </p:grpSpPr>
+      <p:sp>
+        <p:nvSpPr>
+          <p:cNvPr id="2" name="Title 1"/>
+          <p:cNvSpPr>
+            <a:spLocks noGrp="1"/>
+          </p:cNvSpPr>
+          <p:nvPr>
+            <p:ph type="title"/>
+          </p:nvPr>
+        </p:nvSpPr>
+        <p:spPr/>
+        <p:txBody>
+          <a:bodyPr/>
+          <a:lstStyle/>
+          <a:p>
+            <a:r>
+              <a:rPr lang="en-US" dirty="0" smtClean="0"/>
+              <a:t>Example</a:t>
+            </a:r>
+            <a:endParaRPr lang="en-US" dirty="0"/>
+          </a:p>
+        </p:txBody>
+      </p:sp>
+      <p:sp>
+        <p:nvSpPr>
+          <p:cNvPr id="3" name="Content Placeholder 2"/>
+          <p:cNvSpPr>
+            <a:spLocks noGrp="1"/>
+          </p:cNvSpPr>
+          <p:nvPr>
+            <p:ph idx="1"/>
+          </p:nvPr>
+        </p:nvSpPr>
+        <p:spPr>
+          <a:xfrm>
+            <a:off x="457200" y="5150556"/>
+            <a:ext cx="8229600" cy="975607"/>
+          </a:xfrm>
+        </p:spPr>
+        <p:txBody>
+          <a:bodyPr>
+            <a:normAutofit lnSpcReduction="10000"/>
+          </a:bodyPr>
+          <a:lstStyle/>
+          <a:p>
+            <a:pPr marL="0" indent="0">
+              <a:buNone/>
+            </a:pPr>
+            <a:r>
+              <a:rPr lang="en-US" b="1" dirty="0" smtClean="0">
+                <a:solidFill>
+                  <a:srgbClr val="FF0000"/>
+                </a:solidFill>
+              </a:rPr>
+              <a:t>Task: </a:t>
+            </a:r>
+            <a:r>
+              <a:rPr lang="en-US" dirty="0" smtClean="0"/>
+              <a:t>write a computer program to tell whether or not a person in a photograph is smiling</a:t>
+            </a:r>
+            <a:endParaRPr lang="en-US" dirty="0"/>
+          </a:p>
+        </p:txBody>
+      </p:sp>
+      <p:pic>
+        <p:nvPicPr>
+          <p:cNvPr id="5" name="Picture 4"/>
+          <p:cNvPicPr>
+            <a:picLocks noChangeAspect="1"/>
+          </p:cNvPicPr>
+          <p:nvPr/>
+        </p:nvPicPr>
+        <p:blipFill>
+          <a:blip r:embed="rId3"/>
+          <a:stretch>
+            <a:fillRect/>
+          </a:stretch>
+        </p:blipFill>
+        <p:spPr>
+          <a:xfrm>
+            <a:off x="1199444" y="1534933"/>
+            <a:ext cx="6237112" cy="3497675"/>
+          </a:xfrm>
+          <a:prstGeom prst="rect">
+            <a:avLst/>
+          </a:prstGeom>
+        </p:spPr>
+      </p:pic>
+    </p:spTree>
+    <p:extLst>
+      <p:ext uri="{BB962C8B-B14F-4D97-AF65-F5344CB8AC3E}">
+        <p14:creationId xmlns:p14="http://schemas.microsoft.com/office/powerpoint/2010/main" val="2286948578"/>
+      </p:ext>
+    </p:extLst>
+  </p:cSld>
+  <p:clrMapOvr>
+    <a:masterClrMapping/>
+  </p:clrMapOvr>
+  <p:timing>
+    <p:tnLst>
+      <p:par>
+        <p:cTn xmlns:p14="http://schemas.microsoft.com/office/powerpoint/2010/main" id="1" dur="indefinite" restart="never" nodeType="tmRoot"/>
+      </p:par>
+    </p:tnLst>
+  </p:timing>
+</p:sld>
+</file>
+
+<file path=ppt/slides/slide30.xml><?xml version="1.0" encoding="utf-8"?>
 <p:sld xmlns:a="http://schemas.openxmlformats.org/drawingml/2006/main" xmlns:r="http://schemas.openxmlformats.org/officeDocument/2006/relationships" xmlns:p="http://schemas.openxmlformats.org/presentationml/2006/main">
   <p:cSld>
     <p:spTree>
@@ -8386,7 +9041,7 @@
 </p:sld>
 </file>
 
-<file path=ppt/slides/slide29.xml><?xml version="1.0" encoding="utf-8"?>
+<file path=ppt/slides/slide31.xml><?xml version="1.0" encoding="utf-8"?>
 <p:sld xmlns:a="http://schemas.openxmlformats.org/drawingml/2006/main" xmlns:r="http://schemas.openxmlformats.org/officeDocument/2006/relationships" xmlns:p="http://schemas.openxmlformats.org/presentationml/2006/main">
   <p:cSld>
     <p:spTree>
@@ -8472,132 +9127,7 @@
 </p:sld>
 </file>
 
-<file path=ppt/slides/slide3.xml><?xml version="1.0" encoding="utf-8"?>
-<p:sld xmlns:a="http://schemas.openxmlformats.org/drawingml/2006/main" xmlns:r="http://schemas.openxmlformats.org/officeDocument/2006/relationships" xmlns:p="http://schemas.openxmlformats.org/presentationml/2006/main">
-  <p:cSld>
-    <p:spTree>
-      <p:nvGrpSpPr>
-        <p:cNvPr id="1" name=""/>
-        <p:cNvGrpSpPr/>
-        <p:nvPr/>
-      </p:nvGrpSpPr>
-      <p:grpSpPr>
-        <a:xfrm>
-          <a:off x="0" y="0"/>
-          <a:ext cx="0" cy="0"/>
-          <a:chOff x="0" y="0"/>
-          <a:chExt cx="0" cy="0"/>
-        </a:xfrm>
-      </p:grpSpPr>
-      <p:sp>
-        <p:nvSpPr>
-          <p:cNvPr id="2" name="Title 1"/>
-          <p:cNvSpPr>
-            <a:spLocks noGrp="1"/>
-          </p:cNvSpPr>
-          <p:nvPr>
-            <p:ph type="title"/>
-          </p:nvPr>
-        </p:nvSpPr>
-        <p:spPr/>
-        <p:txBody>
-          <a:bodyPr/>
-          <a:lstStyle/>
-          <a:p>
-            <a:r>
-              <a:rPr lang="en-US" dirty="0" smtClean="0"/>
-              <a:t>Example</a:t>
-            </a:r>
-            <a:endParaRPr lang="en-US" dirty="0"/>
-          </a:p>
-        </p:txBody>
-      </p:sp>
-      <p:sp>
-        <p:nvSpPr>
-          <p:cNvPr id="3" name="Content Placeholder 2"/>
-          <p:cNvSpPr>
-            <a:spLocks noGrp="1"/>
-          </p:cNvSpPr>
-          <p:nvPr>
-            <p:ph idx="1"/>
-          </p:nvPr>
-        </p:nvSpPr>
-        <p:spPr>
-          <a:xfrm>
-            <a:off x="457200" y="5150556"/>
-            <a:ext cx="8229600" cy="975607"/>
-          </a:xfrm>
-        </p:spPr>
-        <p:txBody>
-          <a:bodyPr>
-            <a:normAutofit lnSpcReduction="10000"/>
-          </a:bodyPr>
-          <a:lstStyle/>
-          <a:p>
-            <a:pPr marL="0" indent="0">
-              <a:buNone/>
-            </a:pPr>
-            <a:r>
-              <a:rPr lang="en-US" b="1" dirty="0" smtClean="0">
-                <a:solidFill>
-                  <a:srgbClr val="FF0000"/>
-                </a:solidFill>
-              </a:rPr>
-              <a:t>Task: </a:t>
-            </a:r>
-            <a:r>
-              <a:rPr lang="en-US" dirty="0" smtClean="0"/>
-              <a:t>write a computer program to tell whether or not a person in a photograph is smiling</a:t>
-            </a:r>
-            <a:endParaRPr lang="en-US" dirty="0"/>
-          </a:p>
-        </p:txBody>
-      </p:sp>
-      <p:pic>
-        <p:nvPicPr>
-          <p:cNvPr id="5" name="Picture 4"/>
-          <p:cNvPicPr>
-            <a:picLocks noChangeAspect="1"/>
-          </p:cNvPicPr>
-          <p:nvPr/>
-        </p:nvPicPr>
-        <p:blipFill>
-          <a:blip r:embed="rId3"/>
-          <a:stretch>
-            <a:fillRect/>
-          </a:stretch>
-        </p:blipFill>
-        <p:spPr>
-          <a:xfrm>
-            <a:off x="1199444" y="1534933"/>
-            <a:ext cx="6237112" cy="3497675"/>
-          </a:xfrm>
-          <a:prstGeom prst="rect">
-            <a:avLst/>
-          </a:prstGeom>
-        </p:spPr>
-      </p:pic>
-    </p:spTree>
-    <p:extLst>
-      <p:ext uri="{BB962C8B-B14F-4D97-AF65-F5344CB8AC3E}">
-        <p14:creationId xmlns:p14="http://schemas.microsoft.com/office/powerpoint/2010/main" val="2286948578"/>
-      </p:ext>
-    </p:extLst>
-  </p:cSld>
-  <p:clrMapOvr>
-    <a:masterClrMapping/>
-  </p:clrMapOvr>
-  <p:timing>
-    <p:tnLst>
-      <p:par>
-        <p:cTn xmlns:p14="http://schemas.microsoft.com/office/powerpoint/2010/main" id="1" dur="indefinite" restart="never" nodeType="tmRoot"/>
-      </p:par>
-    </p:tnLst>
-  </p:timing>
-</p:sld>
-</file>
-
-<file path=ppt/slides/slide30.xml><?xml version="1.0" encoding="utf-8"?>
+<file path=ppt/slides/slide32.xml><?xml version="1.0" encoding="utf-8"?>
 <p:sld xmlns:a="http://schemas.openxmlformats.org/drawingml/2006/main" xmlns:r="http://schemas.openxmlformats.org/officeDocument/2006/relationships" xmlns:p="http://schemas.openxmlformats.org/presentationml/2006/main">
   <p:cSld>
     <p:spTree>
@@ -8725,7 +9255,7 @@
 </p:sld>
 </file>
 
-<file path=ppt/slides/slide31.xml><?xml version="1.0" encoding="utf-8"?>
+<file path=ppt/slides/slide33.xml><?xml version="1.0" encoding="utf-8"?>
 <p:sld xmlns:a="http://schemas.openxmlformats.org/drawingml/2006/main" xmlns:r="http://schemas.openxmlformats.org/officeDocument/2006/relationships" xmlns:p="http://schemas.openxmlformats.org/presentationml/2006/main">
   <p:cSld>
     <p:spTree>
@@ -8976,7 +9506,7 @@
         <p:spPr/>
         <p:txBody>
           <a:bodyPr>
-            <a:normAutofit fontScale="92500" lnSpcReduction="10000"/>
+            <a:normAutofit fontScale="92500" lnSpcReduction="20000"/>
           </a:bodyPr>
           <a:lstStyle/>
           <a:p>
@@ -8999,7 +9529,11 @@
             </a:pPr>
             <a:r>
               <a:rPr lang="en-US" dirty="0" smtClean="0"/>
-              <a:t>(for instance, perhaps it is that smiling faces tend to have more bright pixels around the mouth region)</a:t>
+              <a:t>(for instance, perhaps it is that smiling faces tend to have more bright pixels around the mouth </a:t>
+            </a:r>
+            <a:r>
+              <a:rPr lang="en-US" dirty="0" smtClean="0"/>
+              <a:t>region, i.e. if their teeth are showing)</a:t>
             </a:r>
             <a:endParaRPr lang="en-US" dirty="0"/>
           </a:p>
@@ -9826,6 +10360,13 @@
   <p:clrMapOvr>
     <a:masterClrMapping/>
   </p:clrMapOvr>
+  <p:timing>
+    <p:tnLst>
+      <p:par>
+        <p:cTn xmlns:p14="http://schemas.microsoft.com/office/powerpoint/2010/main" id="1" dur="indefinite" restart="never" nodeType="tmRoot"/>
+      </p:par>
+    </p:tnLst>
+  </p:timing>
 </p:sld>
 </file>
 
@@ -9893,6 +10434,44 @@
           </a:prstGeom>
         </p:spPr>
       </p:pic>
+      <p:sp>
+        <p:nvSpPr>
+          <p:cNvPr id="3" name="TextBox 2"/>
+          <p:cNvSpPr txBox="1"/>
+          <p:nvPr/>
+        </p:nvSpPr>
+        <p:spPr>
+          <a:xfrm>
+            <a:off x="5309057" y="322267"/>
+            <a:ext cx="3864475" cy="923330"/>
+          </a:xfrm>
+          <a:prstGeom prst="rect">
+            <a:avLst/>
+          </a:prstGeom>
+          <a:noFill/>
+        </p:spPr>
+        <p:txBody>
+          <a:bodyPr wrap="square" rtlCol="0">
+            <a:spAutoFit/>
+          </a:bodyPr>
+          <a:lstStyle/>
+          <a:p>
+            <a:r>
+              <a:rPr lang="en-US" b="1" dirty="0" smtClean="0">
+                <a:solidFill>
+                  <a:srgbClr val="FF0000"/>
+                </a:solidFill>
+              </a:rPr>
+              <a:t>Dianna, if you want to do a live demo of this I can send you the program (it runs on Macs) and is quite easy to use</a:t>
+            </a:r>
+            <a:endParaRPr lang="en-US" b="1" dirty="0">
+              <a:solidFill>
+                <a:srgbClr val="FF0000"/>
+              </a:solidFill>
+            </a:endParaRPr>
+          </a:p>
+        </p:txBody>
+      </p:sp>
     </p:spTree>
     <p:extLst>
       <p:ext uri="{BB962C8B-B14F-4D97-AF65-F5344CB8AC3E}">
@@ -9903,6 +10482,13 @@
   <p:clrMapOvr>
     <a:masterClrMapping/>
   </p:clrMapOvr>
+  <p:timing>
+    <p:tnLst>
+      <p:par>
+        <p:cTn xmlns:p14="http://schemas.microsoft.com/office/powerpoint/2010/main" id="1" dur="indefinite" restart="never" nodeType="tmRoot"/>
+      </p:par>
+    </p:tnLst>
+  </p:timing>
 </p:sld>
 </file>
 
@@ -9942,11 +10528,7 @@
           <a:p>
             <a:r>
               <a:rPr lang="en-US" dirty="0" smtClean="0"/>
-              <a:t>Other Machine Learning Successes: Real</a:t>
-            </a:r>
-            <a:r>
-              <a:rPr lang="en-US" dirty="0" smtClean="0"/>
-              <a:t>-Time Pose Recognition</a:t>
+              <a:t>Other Machine Learning Successes: Real-Time Pose Recognition</a:t>
             </a:r>
             <a:endParaRPr lang="en-US" dirty="0"/>
           </a:p>
@@ -10074,11 +10656,7 @@
           <a:p>
             <a:r>
               <a:rPr lang="en-US" dirty="0" smtClean="0"/>
-              <a:t>Other Machine Learning Successes: Netflix </a:t>
-            </a:r>
-            <a:r>
-              <a:rPr lang="en-US" dirty="0" smtClean="0"/>
-              <a:t>Prize</a:t>
+              <a:t>Other Machine Learning Successes: Netflix Prize</a:t>
             </a:r>
             <a:endParaRPr lang="en-US" dirty="0"/>
           </a:p>
@@ -10100,7 +10678,7 @@
         </p:blipFill>
         <p:spPr>
           <a:xfrm>
-            <a:off x="733259" y="1377534"/>
+            <a:off x="733259" y="1576371"/>
             <a:ext cx="7543800" cy="4953000"/>
           </a:xfrm>
           <a:prstGeom prst="rect">
@@ -10164,11 +10742,7 @@
           <a:p>
             <a:r>
               <a:rPr lang="en-US" dirty="0" smtClean="0"/>
-              <a:t>Other Machine Learning Successes: </a:t>
-            </a:r>
-            <a:r>
-              <a:rPr lang="en-US" dirty="0" smtClean="0"/>
-              <a:t>Interpreting Medical Images</a:t>
+              <a:t>Other Machine Learning Successes: Interpreting Medical Images</a:t>
             </a:r>
             <a:endParaRPr lang="en-US" dirty="0"/>
           </a:p>
